--- a/界面设计.pptx
+++ b/界面设计.pptx
@@ -15,47 +15,49 @@
     <p:sldId id="267" r:id="rId10"/>
     <p:sldId id="268" r:id="rId11"/>
     <p:sldId id="260" r:id="rId12"/>
-    <p:sldId id="261" r:id="rId13"/>
-    <p:sldId id="262" r:id="rId14"/>
-    <p:sldId id="263" r:id="rId15"/>
-    <p:sldId id="265" r:id="rId16"/>
+    <p:sldId id="287" r:id="rId13"/>
+    <p:sldId id="288" r:id="rId14"/>
+    <p:sldId id="261" r:id="rId15"/>
+    <p:sldId id="262" r:id="rId16"/>
+    <p:sldId id="263" r:id="rId17"/>
+    <p:sldId id="265" r:id="rId18"/>
   </p:sldIdLst>
   <p:sldSz cx="12192000" cy="6858000"/>
   <p:notesSz cx="6858000" cy="9144000"/>
   <p:embeddedFontLst>
     <p:embeddedFont>
       <p:font typeface="Aharoni" panose="02010803020104030203" charset="0"/>
-      <p:bold r:id="rId20"/>
+      <p:bold r:id="rId22"/>
     </p:embeddedFont>
     <p:embeddedFont>
       <p:font typeface="方正隶变_GBK" panose="02000000000000000000" charset="-122"/>
-      <p:regular r:id="rId21"/>
+      <p:regular r:id="rId23"/>
     </p:embeddedFont>
     <p:embeddedFont>
       <p:font typeface="Comic Sans MS" panose="030F0702030302020204" charset="0"/>
-      <p:regular r:id="rId22"/>
-      <p:bold r:id="rId23"/>
+      <p:regular r:id="rId24"/>
+      <p:bold r:id="rId25"/>
     </p:embeddedFont>
     <p:embeddedFont>
       <p:font typeface="Gabriola" panose="04040605051002020D02" charset="0"/>
-      <p:regular r:id="rId24"/>
+      <p:regular r:id="rId26"/>
     </p:embeddedFont>
     <p:embeddedFont>
       <p:font typeface="Segoe Print" panose="02000600000000000000" charset="0"/>
-      <p:regular r:id="rId25"/>
-      <p:bold r:id="rId26"/>
-    </p:embeddedFont>
-    <p:embeddedFont>
-      <p:font typeface="Mangal" panose="02040503050203030202" charset="0"/>
       <p:regular r:id="rId27"/>
       <p:bold r:id="rId28"/>
     </p:embeddedFont>
     <p:embeddedFont>
-      <p:font typeface="Calibri" panose="020F0502020204030204" charset="0"/>
+      <p:font typeface="Mangal" panose="02040503050203030202" charset="0"/>
       <p:regular r:id="rId29"/>
       <p:bold r:id="rId30"/>
-      <p:italic r:id="rId31"/>
-      <p:boldItalic r:id="rId32"/>
+    </p:embeddedFont>
+    <p:embeddedFont>
+      <p:font typeface="Calibri" panose="020F0502020204030204" charset="0"/>
+      <p:regular r:id="rId31"/>
+      <p:bold r:id="rId32"/>
+      <p:italic r:id="rId33"/>
+      <p:boldItalic r:id="rId34"/>
     </p:embeddedFont>
   </p:embeddedFontLst>
   <p:defaultTextStyle>
@@ -3300,8 +3302,8 @@
         </p:nvSpPr>
         <p:spPr>
           <a:xfrm>
-            <a:off x="8890" y="6350"/>
-            <a:ext cx="4211320" cy="922020"/>
+            <a:off x="15240" y="28575"/>
+            <a:ext cx="3091180" cy="922020"/>
           </a:xfrm>
           <a:prstGeom prst="rect">
             <a:avLst/>
@@ -3317,7 +3319,7 @@
               <a:rPr lang="en-US" altLang="zh-CN" sz="5400">
                 <a:latin typeface="Comic Sans MS" panose="030F0702030302020204" charset="0"/>
               </a:rPr>
-              <a:t>Project Page</a:t>
+              <a:t>404 Page</a:t>
             </a:r>
             <a:endParaRPr lang="en-US" altLang="zh-CN" sz="5400">
               <a:latin typeface="Comic Sans MS" panose="030F0702030302020204" charset="0"/>
@@ -3325,642 +3327,130 @@
           </a:p>
         </p:txBody>
       </p:sp>
-      <p:sp>
-        <p:nvSpPr>
-          <p:cNvPr id="2" name="矩形 1"/>
-          <p:cNvSpPr/>
+      <p:grpSp>
+        <p:nvGrpSpPr>
+          <p:cNvPr id="10" name="组合 9"/>
+          <p:cNvGrpSpPr/>
           <p:nvPr/>
-        </p:nvSpPr>
-        <p:spPr>
-          <a:xfrm>
-            <a:off x="3619500" y="1192530"/>
-            <a:ext cx="8547100" cy="5626100"/>
-          </a:xfrm>
-          <a:prstGeom prst="rect">
-            <a:avLst/>
-          </a:prstGeom>
-          <a:solidFill>
-            <a:schemeClr val="bg1"/>
-          </a:solidFill>
-          <a:ln w="38100"/>
-        </p:spPr>
-        <p:style>
-          <a:lnRef idx="2">
-            <a:schemeClr val="accent1">
-              <a:shade val="50000"/>
-            </a:schemeClr>
-          </a:lnRef>
-          <a:fillRef idx="1">
-            <a:schemeClr val="accent1"/>
-          </a:fillRef>
-          <a:effectRef idx="0">
-            <a:schemeClr val="accent1"/>
-          </a:effectRef>
-          <a:fontRef idx="minor">
-            <a:schemeClr val="lt1"/>
-          </a:fontRef>
-        </p:style>
-        <p:txBody>
-          <a:bodyPr rtlCol="0" anchor="ctr"/>
-          <a:p>
-            <a:pPr algn="ctr"/>
-            <a:endParaRPr lang="zh-CN" altLang="en-US"/>
-          </a:p>
-        </p:txBody>
-      </p:sp>
-      <p:sp>
-        <p:nvSpPr>
-          <p:cNvPr id="3" name="矩形 2"/>
-          <p:cNvSpPr/>
-          <p:nvPr/>
-        </p:nvSpPr>
-        <p:spPr>
-          <a:xfrm>
-            <a:off x="3806825" y="2030730"/>
-            <a:ext cx="2590800" cy="4584700"/>
-          </a:xfrm>
-          <a:prstGeom prst="rect">
-            <a:avLst/>
-          </a:prstGeom>
-          <a:noFill/>
-          <a:ln w="31750"/>
-        </p:spPr>
-        <p:style>
-          <a:lnRef idx="2">
-            <a:schemeClr val="accent1">
-              <a:shade val="50000"/>
-            </a:schemeClr>
-          </a:lnRef>
-          <a:fillRef idx="1">
-            <a:schemeClr val="accent1"/>
-          </a:fillRef>
-          <a:effectRef idx="0">
-            <a:schemeClr val="accent1"/>
-          </a:effectRef>
-          <a:fontRef idx="minor">
-            <a:schemeClr val="lt1"/>
-          </a:fontRef>
-        </p:style>
-        <p:txBody>
-          <a:bodyPr rtlCol="0" anchor="ctr"/>
-          <a:p>
-            <a:pPr algn="ctr"/>
-            <a:endParaRPr lang="zh-CN" altLang="en-US"/>
-          </a:p>
-        </p:txBody>
-      </p:sp>
-      <p:sp>
-        <p:nvSpPr>
-          <p:cNvPr id="4" name="矩形 3"/>
-          <p:cNvSpPr/>
-          <p:nvPr/>
-        </p:nvSpPr>
-        <p:spPr>
-          <a:xfrm>
-            <a:off x="6597650" y="2030730"/>
-            <a:ext cx="5384165" cy="4584700"/>
-          </a:xfrm>
-          <a:prstGeom prst="rect">
-            <a:avLst/>
-          </a:prstGeom>
-          <a:noFill/>
-          <a:ln w="31750"/>
-        </p:spPr>
-        <p:style>
-          <a:lnRef idx="2">
-            <a:schemeClr val="accent1">
-              <a:shade val="50000"/>
-            </a:schemeClr>
-          </a:lnRef>
-          <a:fillRef idx="1">
-            <a:schemeClr val="accent1"/>
-          </a:fillRef>
-          <a:effectRef idx="0">
-            <a:schemeClr val="accent1"/>
-          </a:effectRef>
-          <a:fontRef idx="minor">
-            <a:schemeClr val="lt1"/>
-          </a:fontRef>
-        </p:style>
-        <p:txBody>
-          <a:bodyPr rtlCol="0" anchor="ctr"/>
-          <a:p>
-            <a:pPr algn="ctr"/>
-            <a:endParaRPr lang="zh-CN" altLang="en-US"/>
-          </a:p>
-        </p:txBody>
-      </p:sp>
-      <p:sp>
-        <p:nvSpPr>
-          <p:cNvPr id="7" name="矩形 6"/>
-          <p:cNvSpPr/>
-          <p:nvPr/>
-        </p:nvSpPr>
-        <p:spPr>
-          <a:xfrm flipV="1">
-            <a:off x="3620135" y="1191895"/>
-            <a:ext cx="8545830" cy="674370"/>
-          </a:xfrm>
-          <a:prstGeom prst="rect">
-            <a:avLst/>
-          </a:prstGeom>
-          <a:noFill/>
-          <a:ln w="31750"/>
-        </p:spPr>
-        <p:style>
-          <a:lnRef idx="2">
-            <a:schemeClr val="accent1">
-              <a:shade val="50000"/>
-            </a:schemeClr>
-          </a:lnRef>
-          <a:fillRef idx="1">
-            <a:schemeClr val="accent1"/>
-          </a:fillRef>
-          <a:effectRef idx="0">
-            <a:schemeClr val="accent1"/>
-          </a:effectRef>
-          <a:fontRef idx="minor">
-            <a:schemeClr val="lt1"/>
-          </a:fontRef>
-        </p:style>
-        <p:txBody>
-          <a:bodyPr rtlCol="0" anchor="ctr"/>
-          <a:p>
-            <a:pPr algn="ctr"/>
-            <a:endParaRPr lang="zh-CN" altLang="en-US"/>
-          </a:p>
-        </p:txBody>
-      </p:sp>
-      <p:sp>
-        <p:nvSpPr>
-          <p:cNvPr id="9" name="矩形 8"/>
-          <p:cNvSpPr/>
-          <p:nvPr/>
-        </p:nvSpPr>
-        <p:spPr>
-          <a:xfrm>
-            <a:off x="6753225" y="2183130"/>
-            <a:ext cx="1536700" cy="1118235"/>
-          </a:xfrm>
-          <a:prstGeom prst="rect">
-            <a:avLst/>
-          </a:prstGeom>
-          <a:noFill/>
-          <a:ln w="31750"/>
-        </p:spPr>
-        <p:style>
-          <a:lnRef idx="2">
-            <a:schemeClr val="accent1">
-              <a:shade val="50000"/>
-            </a:schemeClr>
-          </a:lnRef>
-          <a:fillRef idx="1">
-            <a:schemeClr val="accent1"/>
-          </a:fillRef>
-          <a:effectRef idx="0">
-            <a:schemeClr val="accent1"/>
-          </a:effectRef>
-          <a:fontRef idx="minor">
-            <a:schemeClr val="lt1"/>
-          </a:fontRef>
-        </p:style>
-        <p:txBody>
-          <a:bodyPr rtlCol="0" anchor="ctr"/>
-          <a:p>
-            <a:pPr algn="ctr"/>
-            <a:endParaRPr lang="zh-CN" altLang="en-US"/>
-          </a:p>
-        </p:txBody>
-      </p:sp>
-      <p:sp>
-        <p:nvSpPr>
-          <p:cNvPr id="13" name="矩形 12"/>
-          <p:cNvSpPr/>
-          <p:nvPr/>
-        </p:nvSpPr>
-        <p:spPr>
-          <a:xfrm>
-            <a:off x="8521065" y="2183130"/>
-            <a:ext cx="1536700" cy="1118235"/>
-          </a:xfrm>
-          <a:prstGeom prst="rect">
-            <a:avLst/>
-          </a:prstGeom>
-          <a:noFill/>
-          <a:ln w="31750"/>
-        </p:spPr>
-        <p:style>
-          <a:lnRef idx="2">
-            <a:schemeClr val="accent1">
-              <a:shade val="50000"/>
-            </a:schemeClr>
-          </a:lnRef>
-          <a:fillRef idx="1">
-            <a:schemeClr val="accent1"/>
-          </a:fillRef>
-          <a:effectRef idx="0">
-            <a:schemeClr val="accent1"/>
-          </a:effectRef>
-          <a:fontRef idx="minor">
-            <a:schemeClr val="lt1"/>
-          </a:fontRef>
-        </p:style>
-        <p:txBody>
-          <a:bodyPr rtlCol="0" anchor="ctr"/>
-          <a:p>
-            <a:pPr algn="ctr"/>
-            <a:endParaRPr lang="zh-CN" altLang="en-US"/>
-          </a:p>
-        </p:txBody>
-      </p:sp>
-      <p:sp>
-        <p:nvSpPr>
-          <p:cNvPr id="14" name="矩形 13"/>
-          <p:cNvSpPr/>
-          <p:nvPr/>
-        </p:nvSpPr>
-        <p:spPr>
-          <a:xfrm>
-            <a:off x="10286365" y="2183130"/>
-            <a:ext cx="1536700" cy="1118235"/>
-          </a:xfrm>
-          <a:prstGeom prst="rect">
-            <a:avLst/>
-          </a:prstGeom>
-          <a:noFill/>
-          <a:ln w="31750"/>
-        </p:spPr>
-        <p:style>
-          <a:lnRef idx="2">
-            <a:schemeClr val="accent1">
-              <a:shade val="50000"/>
-            </a:schemeClr>
-          </a:lnRef>
-          <a:fillRef idx="1">
-            <a:schemeClr val="accent1"/>
-          </a:fillRef>
-          <a:effectRef idx="0">
-            <a:schemeClr val="accent1"/>
-          </a:effectRef>
-          <a:fontRef idx="minor">
-            <a:schemeClr val="lt1"/>
-          </a:fontRef>
-        </p:style>
-        <p:txBody>
-          <a:bodyPr rtlCol="0" anchor="ctr"/>
-          <a:p>
-            <a:pPr algn="ctr"/>
-            <a:endParaRPr lang="zh-CN" altLang="en-US"/>
-          </a:p>
-        </p:txBody>
-      </p:sp>
-      <p:sp>
-        <p:nvSpPr>
-          <p:cNvPr id="15" name="矩形 14"/>
-          <p:cNvSpPr/>
-          <p:nvPr/>
-        </p:nvSpPr>
-        <p:spPr>
-          <a:xfrm>
-            <a:off x="6753225" y="3446780"/>
-            <a:ext cx="1536700" cy="1118235"/>
-          </a:xfrm>
-          <a:prstGeom prst="rect">
-            <a:avLst/>
-          </a:prstGeom>
-          <a:noFill/>
-          <a:ln w="31750"/>
-        </p:spPr>
-        <p:style>
-          <a:lnRef idx="2">
-            <a:schemeClr val="accent1">
-              <a:shade val="50000"/>
-            </a:schemeClr>
-          </a:lnRef>
-          <a:fillRef idx="1">
-            <a:schemeClr val="accent1"/>
-          </a:fillRef>
-          <a:effectRef idx="0">
-            <a:schemeClr val="accent1"/>
-          </a:effectRef>
-          <a:fontRef idx="minor">
-            <a:schemeClr val="lt1"/>
-          </a:fontRef>
-        </p:style>
-        <p:txBody>
-          <a:bodyPr rtlCol="0" anchor="ctr"/>
-          <a:p>
-            <a:pPr algn="ctr"/>
-            <a:endParaRPr lang="zh-CN" altLang="en-US"/>
-          </a:p>
-        </p:txBody>
-      </p:sp>
-      <p:sp>
-        <p:nvSpPr>
-          <p:cNvPr id="16" name="矩形 15"/>
-          <p:cNvSpPr/>
-          <p:nvPr/>
-        </p:nvSpPr>
-        <p:spPr>
-          <a:xfrm>
-            <a:off x="8521700" y="3446145"/>
-            <a:ext cx="1536700" cy="1118235"/>
-          </a:xfrm>
-          <a:prstGeom prst="rect">
-            <a:avLst/>
-          </a:prstGeom>
-          <a:noFill/>
-          <a:ln w="31750"/>
-        </p:spPr>
-        <p:style>
-          <a:lnRef idx="2">
-            <a:schemeClr val="accent1">
-              <a:shade val="50000"/>
-            </a:schemeClr>
-          </a:lnRef>
-          <a:fillRef idx="1">
-            <a:schemeClr val="accent1"/>
-          </a:fillRef>
-          <a:effectRef idx="0">
-            <a:schemeClr val="accent1"/>
-          </a:effectRef>
-          <a:fontRef idx="minor">
-            <a:schemeClr val="lt1"/>
-          </a:fontRef>
-        </p:style>
-        <p:txBody>
-          <a:bodyPr rtlCol="0" anchor="ctr"/>
-          <a:p>
-            <a:pPr algn="ctr"/>
-            <a:endParaRPr lang="zh-CN" altLang="en-US"/>
-          </a:p>
-        </p:txBody>
-      </p:sp>
-      <p:sp>
-        <p:nvSpPr>
-          <p:cNvPr id="17" name="矩形 16"/>
-          <p:cNvSpPr/>
-          <p:nvPr/>
-        </p:nvSpPr>
-        <p:spPr>
-          <a:xfrm>
-            <a:off x="10286365" y="3446145"/>
-            <a:ext cx="1536700" cy="1118235"/>
-          </a:xfrm>
-          <a:prstGeom prst="rect">
-            <a:avLst/>
-          </a:prstGeom>
-          <a:noFill/>
-          <a:ln w="31750"/>
-        </p:spPr>
-        <p:style>
-          <a:lnRef idx="2">
-            <a:schemeClr val="accent1">
-              <a:shade val="50000"/>
-            </a:schemeClr>
-          </a:lnRef>
-          <a:fillRef idx="1">
-            <a:schemeClr val="accent1"/>
-          </a:fillRef>
-          <a:effectRef idx="0">
-            <a:schemeClr val="accent1"/>
-          </a:effectRef>
-          <a:fontRef idx="minor">
-            <a:schemeClr val="lt1"/>
-          </a:fontRef>
-        </p:style>
-        <p:txBody>
-          <a:bodyPr rtlCol="0" anchor="ctr"/>
-          <a:p>
-            <a:pPr algn="ctr"/>
-            <a:endParaRPr lang="zh-CN" altLang="en-US"/>
-          </a:p>
-        </p:txBody>
-      </p:sp>
-      <p:sp>
-        <p:nvSpPr>
-          <p:cNvPr id="18" name="矩形 17"/>
-          <p:cNvSpPr/>
-          <p:nvPr/>
-        </p:nvSpPr>
-        <p:spPr>
-          <a:xfrm>
-            <a:off x="6753225" y="4792345"/>
-            <a:ext cx="1536700" cy="1118235"/>
-          </a:xfrm>
-          <a:prstGeom prst="rect">
-            <a:avLst/>
-          </a:prstGeom>
-          <a:noFill/>
-          <a:ln w="31750"/>
-        </p:spPr>
-        <p:style>
-          <a:lnRef idx="2">
-            <a:schemeClr val="accent1">
-              <a:shade val="50000"/>
-            </a:schemeClr>
-          </a:lnRef>
-          <a:fillRef idx="1">
-            <a:schemeClr val="accent1"/>
-          </a:fillRef>
-          <a:effectRef idx="0">
-            <a:schemeClr val="accent1"/>
-          </a:effectRef>
-          <a:fontRef idx="minor">
-            <a:schemeClr val="lt1"/>
-          </a:fontRef>
-        </p:style>
-        <p:txBody>
-          <a:bodyPr rtlCol="0" anchor="ctr"/>
-          <a:p>
-            <a:pPr algn="ctr"/>
-            <a:endParaRPr lang="zh-CN" altLang="en-US"/>
-          </a:p>
-        </p:txBody>
-      </p:sp>
-      <p:pic>
-        <p:nvPicPr>
-          <p:cNvPr id="19" name="图片 18"/>
-          <p:cNvPicPr>
-            <a:picLocks noChangeAspect="1"/>
-          </p:cNvPicPr>
-          <p:nvPr/>
-        </p:nvPicPr>
-        <p:blipFill>
-          <a:blip r:embed="rId1"/>
-          <a:stretch>
-            <a:fillRect/>
-          </a:stretch>
-        </p:blipFill>
-        <p:spPr>
-          <a:xfrm>
-            <a:off x="7254875" y="5085080"/>
-            <a:ext cx="533400" cy="533400"/>
-          </a:xfrm>
-          <a:prstGeom prst="rect">
-            <a:avLst/>
-          </a:prstGeom>
-        </p:spPr>
-      </p:pic>
-      <p:sp>
-        <p:nvSpPr>
-          <p:cNvPr id="20" name="文本框 19"/>
-          <p:cNvSpPr txBox="1"/>
-          <p:nvPr/>
-        </p:nvSpPr>
-        <p:spPr>
-          <a:xfrm>
-            <a:off x="3984625" y="2640330"/>
-            <a:ext cx="1418590" cy="368300"/>
-          </a:xfrm>
-          <a:prstGeom prst="rect">
-            <a:avLst/>
-          </a:prstGeom>
-          <a:noFill/>
-        </p:spPr>
-        <p:txBody>
-          <a:bodyPr wrap="none" rtlCol="0">
-            <a:spAutoFit/>
-          </a:bodyPr>
-          <a:p>
-            <a:r>
-              <a:rPr lang="en-US" altLang="zh-CN" b="1"/>
-              <a:t>· My Projects</a:t>
-            </a:r>
-            <a:endParaRPr lang="en-US" altLang="zh-CN" b="1"/>
-          </a:p>
-        </p:txBody>
-      </p:sp>
-      <p:sp>
-        <p:nvSpPr>
-          <p:cNvPr id="21" name="文本框 20"/>
-          <p:cNvSpPr txBox="1"/>
-          <p:nvPr/>
-        </p:nvSpPr>
-        <p:spPr>
-          <a:xfrm>
-            <a:off x="3984625" y="3008630"/>
-            <a:ext cx="1820545" cy="368300"/>
-          </a:xfrm>
-          <a:prstGeom prst="rect">
-            <a:avLst/>
-          </a:prstGeom>
-          <a:noFill/>
-        </p:spPr>
-        <p:txBody>
-          <a:bodyPr wrap="none" rtlCol="0">
-            <a:spAutoFit/>
-          </a:bodyPr>
-          <a:p>
-            <a:pPr algn="l"/>
-            <a:r>
-              <a:rPr lang="en-US" altLang="zh-CN" b="1">
-                <a:sym typeface="+mn-ea"/>
-              </a:rPr>
-              <a:t>· </a:t>
-            </a:r>
-            <a:r>
-              <a:rPr lang="en-US" altLang="zh-CN" b="1"/>
-              <a:t>All Projects Tree</a:t>
-            </a:r>
-            <a:endParaRPr lang="en-US" altLang="zh-CN" b="1"/>
-          </a:p>
-        </p:txBody>
-      </p:sp>
-      <p:sp>
-        <p:nvSpPr>
-          <p:cNvPr id="22" name="圆角矩形 21"/>
-          <p:cNvSpPr/>
-          <p:nvPr/>
-        </p:nvSpPr>
-        <p:spPr>
-          <a:xfrm>
-            <a:off x="3959225" y="2322830"/>
-            <a:ext cx="1217295" cy="317500"/>
-          </a:xfrm>
-          <a:prstGeom prst="roundRect">
-            <a:avLst/>
-          </a:prstGeom>
-          <a:noFill/>
-          <a:ln w="34925"/>
-        </p:spPr>
-        <p:style>
-          <a:lnRef idx="2">
-            <a:schemeClr val="accent1">
-              <a:shade val="50000"/>
-            </a:schemeClr>
-          </a:lnRef>
-          <a:fillRef idx="1">
-            <a:schemeClr val="accent1"/>
-          </a:fillRef>
-          <a:effectRef idx="0">
-            <a:schemeClr val="accent1"/>
-          </a:effectRef>
-          <a:fontRef idx="minor">
-            <a:schemeClr val="lt1"/>
-          </a:fontRef>
-        </p:style>
-        <p:txBody>
-          <a:bodyPr rtlCol="0" anchor="ctr"/>
-          <a:p>
-            <a:pPr algn="ctr"/>
-            <a:endParaRPr lang="zh-CN" altLang="en-US"/>
-          </a:p>
-        </p:txBody>
-      </p:sp>
-      <p:sp>
-        <p:nvSpPr>
-          <p:cNvPr id="23" name="圆角矩形 22"/>
-          <p:cNvSpPr/>
-          <p:nvPr/>
-        </p:nvSpPr>
-        <p:spPr>
-          <a:xfrm>
-            <a:off x="5305425" y="2322830"/>
-            <a:ext cx="928370" cy="317500"/>
-          </a:xfrm>
-          <a:prstGeom prst="roundRect">
-            <a:avLst/>
-          </a:prstGeom>
-          <a:noFill/>
-          <a:ln w="34925"/>
-        </p:spPr>
-        <p:style>
-          <a:lnRef idx="2">
-            <a:schemeClr val="accent1">
-              <a:shade val="50000"/>
-            </a:schemeClr>
-          </a:lnRef>
-          <a:fillRef idx="1">
-            <a:schemeClr val="accent1"/>
-          </a:fillRef>
-          <a:effectRef idx="0">
-            <a:schemeClr val="accent1"/>
-          </a:effectRef>
-          <a:fontRef idx="minor">
-            <a:schemeClr val="lt1"/>
-          </a:fontRef>
-        </p:style>
-        <p:txBody>
-          <a:bodyPr rtlCol="0" anchor="ctr"/>
-          <a:p>
-            <a:pPr algn="ctr"/>
-            <a:r>
-              <a:rPr lang="en-US" altLang="zh-CN" b="1">
-                <a:solidFill>
-                  <a:schemeClr val="tx1"/>
-                </a:solidFill>
-              </a:rPr>
-              <a:t>Search</a:t>
-            </a:r>
-            <a:endParaRPr lang="en-US" altLang="zh-CN" b="1">
-              <a:solidFill>
-                <a:schemeClr val="tx1"/>
-              </a:solidFill>
-            </a:endParaRPr>
-          </a:p>
-        </p:txBody>
-      </p:sp>
+        </p:nvGrpSpPr>
+        <p:grpSpPr>
+          <a:xfrm>
+            <a:off x="3692525" y="995045"/>
+            <a:ext cx="4806950" cy="5001895"/>
+            <a:chOff x="5815" y="1567"/>
+            <a:chExt cx="7570" cy="7877"/>
+          </a:xfrm>
+        </p:grpSpPr>
+        <p:sp>
+          <p:nvSpPr>
+            <p:cNvPr id="2" name="文本框 1"/>
+            <p:cNvSpPr txBox="1"/>
+            <p:nvPr/>
+          </p:nvSpPr>
+          <p:spPr>
+            <a:xfrm>
+              <a:off x="5815" y="1567"/>
+              <a:ext cx="7570" cy="2761"/>
+            </a:xfrm>
+            <a:prstGeom prst="rect">
+              <a:avLst/>
+            </a:prstGeom>
+            <a:noFill/>
+          </p:spPr>
+          <p:txBody>
+            <a:bodyPr wrap="none" rtlCol="0">
+              <a:spAutoFit/>
+            </a:bodyPr>
+            <a:p>
+              <a:pPr algn="ctr"/>
+              <a:r>
+                <a:rPr lang="en-US" altLang="zh-CN" sz="5400">
+                  <a:latin typeface="Comic Sans MS" panose="030F0702030302020204" charset="0"/>
+                </a:rPr>
+                <a:t>If you find me</a:t>
+              </a:r>
+              <a:endParaRPr lang="en-US" altLang="zh-CN" sz="5400">
+                <a:latin typeface="Comic Sans MS" panose="030F0702030302020204" charset="0"/>
+              </a:endParaRPr>
+            </a:p>
+            <a:p>
+              <a:pPr algn="ctr"/>
+              <a:r>
+                <a:rPr lang="en-US" altLang="zh-CN" sz="5400">
+                  <a:latin typeface="Comic Sans MS" panose="030F0702030302020204" charset="0"/>
+                </a:rPr>
+                <a:t>take me home</a:t>
+              </a:r>
+              <a:endParaRPr lang="en-US" altLang="zh-CN" sz="5400">
+                <a:latin typeface="Comic Sans MS" panose="030F0702030302020204" charset="0"/>
+              </a:endParaRPr>
+            </a:p>
+          </p:txBody>
+        </p:sp>
+        <p:grpSp>
+          <p:nvGrpSpPr>
+            <p:cNvPr id="9" name="组合 8"/>
+            <p:cNvGrpSpPr/>
+            <p:nvPr/>
+          </p:nvGrpSpPr>
+          <p:grpSpPr>
+            <a:xfrm>
+              <a:off x="7114" y="4328"/>
+              <a:ext cx="5356" cy="5116"/>
+              <a:chOff x="7114" y="4328"/>
+              <a:chExt cx="5356" cy="5116"/>
+            </a:xfrm>
+          </p:grpSpPr>
+          <p:pic>
+            <p:nvPicPr>
+              <p:cNvPr id="7" name="图片 6" descr="h_large_DpCd_5f400005a9c72f75_副本"/>
+              <p:cNvPicPr>
+                <a:picLocks noChangeAspect="1"/>
+              </p:cNvPicPr>
+              <p:nvPr/>
+            </p:nvPicPr>
+            <p:blipFill>
+              <a:blip r:embed="rId1"/>
+              <a:stretch>
+                <a:fillRect/>
+              </a:stretch>
+            </p:blipFill>
+            <p:spPr>
+              <a:xfrm>
+                <a:off x="7114" y="4328"/>
+                <a:ext cx="5356" cy="5116"/>
+              </a:xfrm>
+              <a:prstGeom prst="rect">
+                <a:avLst/>
+              </a:prstGeom>
+            </p:spPr>
+          </p:pic>
+          <p:pic>
+            <p:nvPicPr>
+              <p:cNvPr id="8" name="图片 7"/>
+              <p:cNvPicPr>
+                <a:picLocks noChangeAspect="1"/>
+              </p:cNvPicPr>
+              <p:nvPr/>
+            </p:nvPicPr>
+            <p:blipFill>
+              <a:blip r:embed="rId2"/>
+              <a:stretch>
+                <a:fillRect/>
+              </a:stretch>
+            </p:blipFill>
+            <p:spPr>
+              <a:xfrm>
+                <a:off x="11393" y="4328"/>
+                <a:ext cx="1077" cy="940"/>
+              </a:xfrm>
+              <a:prstGeom prst="rect">
+                <a:avLst/>
+              </a:prstGeom>
+            </p:spPr>
+          </p:pic>
+        </p:grpSp>
+      </p:grpSp>
     </p:spTree>
   </p:cSld>
   <p:clrMapOvr>
@@ -3987,8 +3477,8 @@
         </p:nvSpPr>
         <p:spPr>
           <a:xfrm>
-            <a:off x="8890" y="6350"/>
-            <a:ext cx="5093335" cy="922020"/>
+            <a:off x="15240" y="28575"/>
+            <a:ext cx="3091180" cy="922020"/>
           </a:xfrm>
           <a:prstGeom prst="rect">
             <a:avLst/>
@@ -4004,7 +3494,7 @@
               <a:rPr lang="en-US" altLang="zh-CN" sz="5400">
                 <a:latin typeface="Comic Sans MS" panose="030F0702030302020204" charset="0"/>
               </a:rPr>
-              <a:t>InterFace Page</a:t>
+              <a:t>404 Page</a:t>
             </a:r>
             <a:endParaRPr lang="en-US" altLang="zh-CN" sz="5400">
               <a:latin typeface="Comic Sans MS" panose="030F0702030302020204" charset="0"/>
@@ -4012,411 +3502,176 @@
           </a:p>
         </p:txBody>
       </p:sp>
-      <p:sp>
-        <p:nvSpPr>
-          <p:cNvPr id="2" name="矩形 1"/>
-          <p:cNvSpPr/>
+      <p:grpSp>
+        <p:nvGrpSpPr>
+          <p:cNvPr id="4" name="组合 3"/>
+          <p:cNvGrpSpPr/>
           <p:nvPr/>
-        </p:nvSpPr>
-        <p:spPr>
-          <a:xfrm>
-            <a:off x="3618865" y="1192530"/>
-            <a:ext cx="8547100" cy="5626100"/>
-          </a:xfrm>
-          <a:prstGeom prst="rect">
-            <a:avLst/>
-          </a:prstGeom>
-          <a:solidFill>
-            <a:schemeClr val="bg1"/>
-          </a:solidFill>
-          <a:ln w="38100"/>
-        </p:spPr>
-        <p:style>
-          <a:lnRef idx="2">
-            <a:schemeClr val="accent1">
-              <a:shade val="50000"/>
-            </a:schemeClr>
-          </a:lnRef>
-          <a:fillRef idx="1">
-            <a:schemeClr val="accent1"/>
-          </a:fillRef>
-          <a:effectRef idx="0">
-            <a:schemeClr val="accent1"/>
-          </a:effectRef>
-          <a:fontRef idx="minor">
-            <a:schemeClr val="lt1"/>
-          </a:fontRef>
-        </p:style>
-        <p:txBody>
-          <a:bodyPr rtlCol="0" anchor="ctr"/>
-          <a:p>
-            <a:pPr algn="ctr"/>
-            <a:endParaRPr lang="zh-CN" altLang="en-US"/>
-          </a:p>
-        </p:txBody>
-      </p:sp>
-      <p:sp>
-        <p:nvSpPr>
-          <p:cNvPr id="3" name="矩形 2"/>
-          <p:cNvSpPr/>
+        </p:nvGrpSpPr>
+        <p:grpSpPr>
+          <a:xfrm>
+            <a:off x="309880" y="1163320"/>
+            <a:ext cx="6979920" cy="2857500"/>
+            <a:chOff x="3330" y="3149"/>
+            <a:chExt cx="10992" cy="4500"/>
+          </a:xfrm>
+        </p:grpSpPr>
+        <p:sp>
+          <p:nvSpPr>
+            <p:cNvPr id="2" name="文本框 1"/>
+            <p:cNvSpPr txBox="1"/>
+            <p:nvPr/>
+          </p:nvSpPr>
+          <p:spPr>
+            <a:xfrm>
+              <a:off x="6752" y="4020"/>
+              <a:ext cx="7570" cy="2761"/>
+            </a:xfrm>
+            <a:prstGeom prst="rect">
+              <a:avLst/>
+            </a:prstGeom>
+            <a:noFill/>
+          </p:spPr>
+          <p:txBody>
+            <a:bodyPr wrap="none" rtlCol="0">
+              <a:spAutoFit/>
+            </a:bodyPr>
+            <a:p>
+              <a:pPr algn="ctr"/>
+              <a:r>
+                <a:rPr lang="en-US" altLang="zh-CN" sz="5400">
+                  <a:latin typeface="Comic Sans MS" panose="030F0702030302020204" charset="0"/>
+                </a:rPr>
+                <a:t>If you find me</a:t>
+              </a:r>
+              <a:endParaRPr lang="en-US" altLang="zh-CN" sz="5400">
+                <a:latin typeface="Comic Sans MS" panose="030F0702030302020204" charset="0"/>
+              </a:endParaRPr>
+            </a:p>
+            <a:p>
+              <a:pPr algn="ctr"/>
+              <a:r>
+                <a:rPr lang="en-US" altLang="zh-CN" sz="5400">
+                  <a:latin typeface="Comic Sans MS" panose="030F0702030302020204" charset="0"/>
+                </a:rPr>
+                <a:t>take me home</a:t>
+              </a:r>
+              <a:endParaRPr lang="en-US" altLang="zh-CN" sz="5400">
+                <a:latin typeface="Comic Sans MS" panose="030F0702030302020204" charset="0"/>
+              </a:endParaRPr>
+            </a:p>
+          </p:txBody>
+        </p:sp>
+        <p:pic>
+          <p:nvPicPr>
+            <p:cNvPr id="3" name="图片 2" descr="logo"/>
+            <p:cNvPicPr>
+              <a:picLocks noChangeAspect="1"/>
+            </p:cNvPicPr>
+            <p:nvPr/>
+          </p:nvPicPr>
+          <p:blipFill>
+            <a:blip r:embed="rId1"/>
+            <a:stretch>
+              <a:fillRect/>
+            </a:stretch>
+          </p:blipFill>
+          <p:spPr>
+            <a:xfrm>
+              <a:off x="3330" y="3149"/>
+              <a:ext cx="3165" cy="4501"/>
+            </a:xfrm>
+            <a:prstGeom prst="rect">
+              <a:avLst/>
+            </a:prstGeom>
+          </p:spPr>
+        </p:pic>
+      </p:grpSp>
+      <p:grpSp>
+        <p:nvGrpSpPr>
+          <p:cNvPr id="10" name="组合 9"/>
+          <p:cNvGrpSpPr/>
           <p:nvPr/>
-        </p:nvSpPr>
-        <p:spPr>
-          <a:xfrm>
-            <a:off x="3806825" y="2030730"/>
-            <a:ext cx="2590800" cy="4584700"/>
-          </a:xfrm>
-          <a:prstGeom prst="rect">
-            <a:avLst/>
-          </a:prstGeom>
-          <a:noFill/>
-          <a:ln w="31750"/>
-        </p:spPr>
-        <p:style>
-          <a:lnRef idx="2">
-            <a:schemeClr val="accent1">
-              <a:shade val="50000"/>
-            </a:schemeClr>
-          </a:lnRef>
-          <a:fillRef idx="1">
-            <a:schemeClr val="accent1"/>
-          </a:fillRef>
-          <a:effectRef idx="0">
-            <a:schemeClr val="accent1"/>
-          </a:effectRef>
-          <a:fontRef idx="minor">
-            <a:schemeClr val="lt1"/>
-          </a:fontRef>
-        </p:style>
-        <p:txBody>
-          <a:bodyPr rtlCol="0" anchor="ctr"/>
-          <a:p>
-            <a:pPr algn="ctr"/>
-            <a:endParaRPr lang="zh-CN" altLang="en-US"/>
-          </a:p>
-        </p:txBody>
-      </p:sp>
-      <p:sp>
-        <p:nvSpPr>
-          <p:cNvPr id="4" name="矩形 3"/>
-          <p:cNvSpPr/>
-          <p:nvPr/>
-        </p:nvSpPr>
-        <p:spPr>
-          <a:xfrm>
-            <a:off x="6597650" y="2030730"/>
-            <a:ext cx="5384165" cy="4584700"/>
-          </a:xfrm>
-          <a:prstGeom prst="rect">
-            <a:avLst/>
-          </a:prstGeom>
-          <a:noFill/>
-          <a:ln w="31750"/>
-        </p:spPr>
-        <p:style>
-          <a:lnRef idx="2">
-            <a:schemeClr val="accent1">
-              <a:shade val="50000"/>
-            </a:schemeClr>
-          </a:lnRef>
-          <a:fillRef idx="1">
-            <a:schemeClr val="accent1"/>
-          </a:fillRef>
-          <a:effectRef idx="0">
-            <a:schemeClr val="accent1"/>
-          </a:effectRef>
-          <a:fontRef idx="minor">
-            <a:schemeClr val="lt1"/>
-          </a:fontRef>
-        </p:style>
-        <p:txBody>
-          <a:bodyPr rtlCol="0" anchor="ctr"/>
-          <a:p>
-            <a:pPr algn="ctr"/>
-            <a:endParaRPr lang="zh-CN" altLang="en-US"/>
-          </a:p>
-        </p:txBody>
-      </p:sp>
-      <p:sp>
-        <p:nvSpPr>
-          <p:cNvPr id="7" name="矩形 6"/>
-          <p:cNvSpPr/>
-          <p:nvPr/>
-        </p:nvSpPr>
-        <p:spPr>
-          <a:xfrm flipV="1">
-            <a:off x="3620135" y="1191895"/>
-            <a:ext cx="8545830" cy="674370"/>
-          </a:xfrm>
-          <a:prstGeom prst="rect">
-            <a:avLst/>
-          </a:prstGeom>
-          <a:noFill/>
-          <a:ln w="31750"/>
-        </p:spPr>
-        <p:style>
-          <a:lnRef idx="2">
-            <a:schemeClr val="accent1">
-              <a:shade val="50000"/>
-            </a:schemeClr>
-          </a:lnRef>
-          <a:fillRef idx="1">
-            <a:schemeClr val="accent1"/>
-          </a:fillRef>
-          <a:effectRef idx="0">
-            <a:schemeClr val="accent1"/>
-          </a:effectRef>
-          <a:fontRef idx="minor">
-            <a:schemeClr val="lt1"/>
-          </a:fontRef>
-        </p:style>
-        <p:txBody>
-          <a:bodyPr rtlCol="0" anchor="ctr"/>
-          <a:p>
-            <a:pPr algn="ctr"/>
-            <a:endParaRPr lang="zh-CN" altLang="en-US"/>
-          </a:p>
-        </p:txBody>
-      </p:sp>
-      <p:sp>
-        <p:nvSpPr>
-          <p:cNvPr id="9" name="矩形 8"/>
-          <p:cNvSpPr/>
-          <p:nvPr/>
-        </p:nvSpPr>
-        <p:spPr>
-          <a:xfrm>
-            <a:off x="6753225" y="2183130"/>
-            <a:ext cx="5066665" cy="890270"/>
-          </a:xfrm>
-          <a:prstGeom prst="rect">
-            <a:avLst/>
-          </a:prstGeom>
-          <a:noFill/>
-          <a:ln w="31750"/>
-        </p:spPr>
-        <p:style>
-          <a:lnRef idx="2">
-            <a:schemeClr val="accent1">
-              <a:shade val="50000"/>
-            </a:schemeClr>
-          </a:lnRef>
-          <a:fillRef idx="1">
-            <a:schemeClr val="accent1"/>
-          </a:fillRef>
-          <a:effectRef idx="0">
-            <a:schemeClr val="accent1"/>
-          </a:effectRef>
-          <a:fontRef idx="minor">
-            <a:schemeClr val="lt1"/>
-          </a:fontRef>
-        </p:style>
-        <p:txBody>
-          <a:bodyPr rtlCol="0" anchor="ctr"/>
-          <a:p>
-            <a:pPr algn="ctr"/>
-            <a:endParaRPr lang="zh-CN" altLang="en-US"/>
-          </a:p>
-        </p:txBody>
-      </p:sp>
-      <p:sp>
-        <p:nvSpPr>
-          <p:cNvPr id="14" name="矩形 13"/>
-          <p:cNvSpPr/>
-          <p:nvPr/>
-        </p:nvSpPr>
-        <p:spPr>
-          <a:xfrm>
-            <a:off x="6753225" y="3446780"/>
-            <a:ext cx="5066665" cy="1195705"/>
-          </a:xfrm>
-          <a:prstGeom prst="rect">
-            <a:avLst/>
-          </a:prstGeom>
-          <a:noFill/>
-          <a:ln w="31750"/>
-        </p:spPr>
-        <p:style>
-          <a:lnRef idx="2">
-            <a:schemeClr val="accent1">
-              <a:shade val="50000"/>
-            </a:schemeClr>
-          </a:lnRef>
-          <a:fillRef idx="1">
-            <a:schemeClr val="accent1"/>
-          </a:fillRef>
-          <a:effectRef idx="0">
-            <a:schemeClr val="accent1"/>
-          </a:effectRef>
-          <a:fontRef idx="minor">
-            <a:schemeClr val="lt1"/>
-          </a:fontRef>
-        </p:style>
-        <p:txBody>
-          <a:bodyPr rtlCol="0" anchor="ctr"/>
-          <a:p>
-            <a:pPr algn="ctr"/>
-            <a:endParaRPr lang="zh-CN" altLang="en-US"/>
-          </a:p>
-        </p:txBody>
-      </p:sp>
-      <p:sp>
-        <p:nvSpPr>
-          <p:cNvPr id="21" name="文本框 20"/>
-          <p:cNvSpPr txBox="1"/>
-          <p:nvPr/>
-        </p:nvSpPr>
-        <p:spPr>
-          <a:xfrm>
-            <a:off x="4098925" y="2348230"/>
-            <a:ext cx="1489075" cy="368300"/>
-          </a:xfrm>
-          <a:prstGeom prst="rect">
-            <a:avLst/>
-          </a:prstGeom>
-          <a:noFill/>
-        </p:spPr>
-        <p:txBody>
-          <a:bodyPr wrap="none" rtlCol="0">
-            <a:spAutoFit/>
-          </a:bodyPr>
-          <a:p>
-            <a:r>
-              <a:rPr lang="en-US" altLang="zh-CN" b="1"/>
-              <a:t>Interface Tree</a:t>
-            </a:r>
-            <a:endParaRPr lang="en-US" altLang="zh-CN" b="1"/>
-          </a:p>
-        </p:txBody>
-      </p:sp>
-      <p:sp>
-        <p:nvSpPr>
-          <p:cNvPr id="5" name="矩形 4"/>
-          <p:cNvSpPr/>
-          <p:nvPr/>
-        </p:nvSpPr>
-        <p:spPr>
-          <a:xfrm>
-            <a:off x="6756400" y="4894580"/>
-            <a:ext cx="5066665" cy="1195705"/>
-          </a:xfrm>
-          <a:prstGeom prst="rect">
-            <a:avLst/>
-          </a:prstGeom>
-          <a:noFill/>
-          <a:ln w="31750"/>
-        </p:spPr>
-        <p:style>
-          <a:lnRef idx="2">
-            <a:schemeClr val="accent1">
-              <a:shade val="50000"/>
-            </a:schemeClr>
-          </a:lnRef>
-          <a:fillRef idx="1">
-            <a:schemeClr val="accent1"/>
-          </a:fillRef>
-          <a:effectRef idx="0">
-            <a:schemeClr val="accent1"/>
-          </a:effectRef>
-          <a:fontRef idx="minor">
-            <a:schemeClr val="lt1"/>
-          </a:fontRef>
-        </p:style>
-        <p:txBody>
-          <a:bodyPr rtlCol="0" anchor="ctr"/>
-          <a:p>
-            <a:pPr algn="ctr"/>
-            <a:endParaRPr lang="zh-CN" altLang="en-US"/>
-          </a:p>
-        </p:txBody>
-      </p:sp>
-      <p:sp>
-        <p:nvSpPr>
-          <p:cNvPr id="6" name="文本框 5"/>
-          <p:cNvSpPr txBox="1"/>
-          <p:nvPr/>
-        </p:nvSpPr>
-        <p:spPr>
-          <a:xfrm>
-            <a:off x="8467090" y="2444115"/>
-            <a:ext cx="1638935" cy="368300"/>
-          </a:xfrm>
-          <a:prstGeom prst="rect">
-            <a:avLst/>
-          </a:prstGeom>
-          <a:noFill/>
-        </p:spPr>
-        <p:txBody>
-          <a:bodyPr wrap="none" rtlCol="0">
-            <a:spAutoFit/>
-          </a:bodyPr>
-          <a:p>
-            <a:r>
-              <a:rPr lang="en-US" altLang="zh-CN" b="1"/>
-              <a:t>Interface Detail</a:t>
-            </a:r>
-            <a:endParaRPr lang="en-US" altLang="zh-CN" b="1"/>
-          </a:p>
-        </p:txBody>
-      </p:sp>
-      <p:sp>
-        <p:nvSpPr>
-          <p:cNvPr id="8" name="文本框 7"/>
-          <p:cNvSpPr txBox="1"/>
-          <p:nvPr/>
-        </p:nvSpPr>
-        <p:spPr>
-          <a:xfrm>
-            <a:off x="8470265" y="3821430"/>
-            <a:ext cx="1657985" cy="368300"/>
-          </a:xfrm>
-          <a:prstGeom prst="rect">
-            <a:avLst/>
-          </a:prstGeom>
-          <a:noFill/>
-        </p:spPr>
-        <p:txBody>
-          <a:bodyPr wrap="none" rtlCol="0">
-            <a:spAutoFit/>
-          </a:bodyPr>
-          <a:p>
-            <a:r>
-              <a:rPr lang="en-US" altLang="zh-CN" b="1"/>
-              <a:t>request records</a:t>
-            </a:r>
-            <a:endParaRPr lang="en-US" altLang="zh-CN" b="1"/>
-          </a:p>
-        </p:txBody>
-      </p:sp>
-      <p:sp>
-        <p:nvSpPr>
-          <p:cNvPr id="10" name="文本框 9"/>
-          <p:cNvSpPr txBox="1"/>
-          <p:nvPr/>
-        </p:nvSpPr>
-        <p:spPr>
-          <a:xfrm>
-            <a:off x="8470265" y="5307965"/>
-            <a:ext cx="1796415" cy="368300"/>
-          </a:xfrm>
-          <a:prstGeom prst="rect">
-            <a:avLst/>
-          </a:prstGeom>
-          <a:noFill/>
-        </p:spPr>
-        <p:txBody>
-          <a:bodyPr wrap="none" rtlCol="0">
-            <a:spAutoFit/>
-          </a:bodyPr>
-          <a:p>
-            <a:r>
-              <a:rPr lang="en-US" altLang="zh-CN" b="1"/>
-              <a:t>response records</a:t>
-            </a:r>
-            <a:endParaRPr lang="en-US" altLang="zh-CN" b="1"/>
-          </a:p>
-        </p:txBody>
-      </p:sp>
+        </p:nvGrpSpPr>
+        <p:grpSpPr>
+          <a:xfrm>
+            <a:off x="5117465" y="3808730"/>
+            <a:ext cx="6912610" cy="2857500"/>
+            <a:chOff x="4061" y="3150"/>
+            <a:chExt cx="10886" cy="4500"/>
+          </a:xfrm>
+        </p:grpSpPr>
+        <p:sp>
+          <p:nvSpPr>
+            <p:cNvPr id="5" name="文本框 4"/>
+            <p:cNvSpPr txBox="1"/>
+            <p:nvPr/>
+          </p:nvSpPr>
+          <p:spPr>
+            <a:xfrm>
+              <a:off x="4061" y="4019"/>
+              <a:ext cx="7570" cy="2761"/>
+            </a:xfrm>
+            <a:prstGeom prst="rect">
+              <a:avLst/>
+            </a:prstGeom>
+            <a:noFill/>
+          </p:spPr>
+          <p:txBody>
+            <a:bodyPr wrap="none" rtlCol="0">
+              <a:spAutoFit/>
+            </a:bodyPr>
+            <a:p>
+              <a:pPr algn="ctr"/>
+              <a:r>
+                <a:rPr lang="en-US" altLang="zh-CN" sz="5400">
+                  <a:latin typeface="Comic Sans MS" panose="030F0702030302020204" charset="0"/>
+                </a:rPr>
+                <a:t>If you find me</a:t>
+              </a:r>
+              <a:endParaRPr lang="en-US" altLang="zh-CN" sz="5400">
+                <a:latin typeface="Comic Sans MS" panose="030F0702030302020204" charset="0"/>
+              </a:endParaRPr>
+            </a:p>
+            <a:p>
+              <a:pPr algn="ctr"/>
+              <a:r>
+                <a:rPr lang="en-US" altLang="zh-CN" sz="5400">
+                  <a:latin typeface="Comic Sans MS" panose="030F0702030302020204" charset="0"/>
+                </a:rPr>
+                <a:t>take me home</a:t>
+              </a:r>
+              <a:endParaRPr lang="en-US" altLang="zh-CN" sz="5400">
+                <a:latin typeface="Comic Sans MS" panose="030F0702030302020204" charset="0"/>
+              </a:endParaRPr>
+            </a:p>
+          </p:txBody>
+        </p:sp>
+        <p:pic>
+          <p:nvPicPr>
+            <p:cNvPr id="6" name="图片 5" descr="logo"/>
+            <p:cNvPicPr>
+              <a:picLocks noChangeAspect="1"/>
+            </p:cNvPicPr>
+            <p:nvPr/>
+          </p:nvPicPr>
+          <p:blipFill>
+            <a:blip r:embed="rId1"/>
+            <a:stretch>
+              <a:fillRect/>
+            </a:stretch>
+          </p:blipFill>
+          <p:spPr>
+            <a:xfrm>
+              <a:off x="11783" y="3150"/>
+              <a:ext cx="3165" cy="4501"/>
+            </a:xfrm>
+            <a:prstGeom prst="rect">
+              <a:avLst/>
+            </a:prstGeom>
+          </p:spPr>
+        </p:pic>
+      </p:grpSp>
     </p:spTree>
   </p:cSld>
   <p:clrMapOvr>
@@ -4444,7 +3699,7 @@
         <p:spPr>
           <a:xfrm>
             <a:off x="8890" y="6350"/>
-            <a:ext cx="6091555" cy="922020"/>
+            <a:ext cx="4211320" cy="922020"/>
           </a:xfrm>
           <a:prstGeom prst="rect">
             <a:avLst/>
@@ -4460,7 +3715,7 @@
               <a:rPr lang="en-US" altLang="zh-CN" sz="5400">
                 <a:latin typeface="Comic Sans MS" panose="030F0702030302020204" charset="0"/>
               </a:rPr>
-              <a:t>RequestShow Page</a:t>
+              <a:t>Project Page</a:t>
             </a:r>
             <a:endParaRPr lang="en-US" altLang="zh-CN" sz="5400">
               <a:latin typeface="Comic Sans MS" panose="030F0702030302020204" charset="0"/>
@@ -4476,7 +3731,7 @@
         </p:nvSpPr>
         <p:spPr>
           <a:xfrm>
-            <a:off x="3618865" y="1192530"/>
+            <a:off x="3619500" y="1192530"/>
             <a:ext cx="8547100" cy="5626100"/>
           </a:xfrm>
           <a:prstGeom prst="rect">
@@ -4636,48 +3891,330 @@
       </p:sp>
       <p:sp>
         <p:nvSpPr>
-          <p:cNvPr id="21" name="文本框 20"/>
-          <p:cNvSpPr txBox="1"/>
+          <p:cNvPr id="9" name="矩形 8"/>
+          <p:cNvSpPr/>
           <p:nvPr/>
         </p:nvSpPr>
         <p:spPr>
           <a:xfrm>
-            <a:off x="4098925" y="2348230"/>
-            <a:ext cx="1489075" cy="368300"/>
+            <a:off x="6753225" y="2183130"/>
+            <a:ext cx="1536700" cy="1118235"/>
           </a:xfrm>
           <a:prstGeom prst="rect">
             <a:avLst/>
           </a:prstGeom>
           <a:noFill/>
-        </p:spPr>
-        <p:txBody>
-          <a:bodyPr wrap="none" rtlCol="0">
-            <a:spAutoFit/>
-          </a:bodyPr>
-          <a:p>
-            <a:r>
-              <a:rPr lang="en-US" altLang="zh-CN" b="1"/>
-              <a:t>Interface Tree</a:t>
-            </a:r>
-            <a:endParaRPr lang="en-US" altLang="zh-CN" b="1"/>
-          </a:p>
-        </p:txBody>
-      </p:sp>
-      <p:sp>
-        <p:nvSpPr>
-          <p:cNvPr id="6" name="文本框 5"/>
-          <p:cNvSpPr txBox="1"/>
+          <a:ln w="31750"/>
+        </p:spPr>
+        <p:style>
+          <a:lnRef idx="2">
+            <a:schemeClr val="accent1">
+              <a:shade val="50000"/>
+            </a:schemeClr>
+          </a:lnRef>
+          <a:fillRef idx="1">
+            <a:schemeClr val="accent1"/>
+          </a:fillRef>
+          <a:effectRef idx="0">
+            <a:schemeClr val="accent1"/>
+          </a:effectRef>
+          <a:fontRef idx="minor">
+            <a:schemeClr val="lt1"/>
+          </a:fontRef>
+        </p:style>
+        <p:txBody>
+          <a:bodyPr rtlCol="0" anchor="ctr"/>
+          <a:p>
+            <a:pPr algn="ctr"/>
+            <a:endParaRPr lang="zh-CN" altLang="en-US"/>
+          </a:p>
+        </p:txBody>
+      </p:sp>
+      <p:sp>
+        <p:nvSpPr>
+          <p:cNvPr id="13" name="矩形 12"/>
+          <p:cNvSpPr/>
           <p:nvPr/>
         </p:nvSpPr>
         <p:spPr>
           <a:xfrm>
-            <a:off x="8470265" y="3244850"/>
-            <a:ext cx="1489710" cy="368300"/>
+            <a:off x="8521065" y="2183130"/>
+            <a:ext cx="1536700" cy="1118235"/>
           </a:xfrm>
           <a:prstGeom prst="rect">
             <a:avLst/>
           </a:prstGeom>
           <a:noFill/>
+          <a:ln w="31750"/>
+        </p:spPr>
+        <p:style>
+          <a:lnRef idx="2">
+            <a:schemeClr val="accent1">
+              <a:shade val="50000"/>
+            </a:schemeClr>
+          </a:lnRef>
+          <a:fillRef idx="1">
+            <a:schemeClr val="accent1"/>
+          </a:fillRef>
+          <a:effectRef idx="0">
+            <a:schemeClr val="accent1"/>
+          </a:effectRef>
+          <a:fontRef idx="minor">
+            <a:schemeClr val="lt1"/>
+          </a:fontRef>
+        </p:style>
+        <p:txBody>
+          <a:bodyPr rtlCol="0" anchor="ctr"/>
+          <a:p>
+            <a:pPr algn="ctr"/>
+            <a:endParaRPr lang="zh-CN" altLang="en-US"/>
+          </a:p>
+        </p:txBody>
+      </p:sp>
+      <p:sp>
+        <p:nvSpPr>
+          <p:cNvPr id="14" name="矩形 13"/>
+          <p:cNvSpPr/>
+          <p:nvPr/>
+        </p:nvSpPr>
+        <p:spPr>
+          <a:xfrm>
+            <a:off x="10286365" y="2183130"/>
+            <a:ext cx="1536700" cy="1118235"/>
+          </a:xfrm>
+          <a:prstGeom prst="rect">
+            <a:avLst/>
+          </a:prstGeom>
+          <a:noFill/>
+          <a:ln w="31750"/>
+        </p:spPr>
+        <p:style>
+          <a:lnRef idx="2">
+            <a:schemeClr val="accent1">
+              <a:shade val="50000"/>
+            </a:schemeClr>
+          </a:lnRef>
+          <a:fillRef idx="1">
+            <a:schemeClr val="accent1"/>
+          </a:fillRef>
+          <a:effectRef idx="0">
+            <a:schemeClr val="accent1"/>
+          </a:effectRef>
+          <a:fontRef idx="minor">
+            <a:schemeClr val="lt1"/>
+          </a:fontRef>
+        </p:style>
+        <p:txBody>
+          <a:bodyPr rtlCol="0" anchor="ctr"/>
+          <a:p>
+            <a:pPr algn="ctr"/>
+            <a:endParaRPr lang="zh-CN" altLang="en-US"/>
+          </a:p>
+        </p:txBody>
+      </p:sp>
+      <p:sp>
+        <p:nvSpPr>
+          <p:cNvPr id="15" name="矩形 14"/>
+          <p:cNvSpPr/>
+          <p:nvPr/>
+        </p:nvSpPr>
+        <p:spPr>
+          <a:xfrm>
+            <a:off x="6753225" y="3446780"/>
+            <a:ext cx="1536700" cy="1118235"/>
+          </a:xfrm>
+          <a:prstGeom prst="rect">
+            <a:avLst/>
+          </a:prstGeom>
+          <a:noFill/>
+          <a:ln w="31750"/>
+        </p:spPr>
+        <p:style>
+          <a:lnRef idx="2">
+            <a:schemeClr val="accent1">
+              <a:shade val="50000"/>
+            </a:schemeClr>
+          </a:lnRef>
+          <a:fillRef idx="1">
+            <a:schemeClr val="accent1"/>
+          </a:fillRef>
+          <a:effectRef idx="0">
+            <a:schemeClr val="accent1"/>
+          </a:effectRef>
+          <a:fontRef idx="minor">
+            <a:schemeClr val="lt1"/>
+          </a:fontRef>
+        </p:style>
+        <p:txBody>
+          <a:bodyPr rtlCol="0" anchor="ctr"/>
+          <a:p>
+            <a:pPr algn="ctr"/>
+            <a:endParaRPr lang="zh-CN" altLang="en-US"/>
+          </a:p>
+        </p:txBody>
+      </p:sp>
+      <p:sp>
+        <p:nvSpPr>
+          <p:cNvPr id="16" name="矩形 15"/>
+          <p:cNvSpPr/>
+          <p:nvPr/>
+        </p:nvSpPr>
+        <p:spPr>
+          <a:xfrm>
+            <a:off x="8521700" y="3446145"/>
+            <a:ext cx="1536700" cy="1118235"/>
+          </a:xfrm>
+          <a:prstGeom prst="rect">
+            <a:avLst/>
+          </a:prstGeom>
+          <a:noFill/>
+          <a:ln w="31750"/>
+        </p:spPr>
+        <p:style>
+          <a:lnRef idx="2">
+            <a:schemeClr val="accent1">
+              <a:shade val="50000"/>
+            </a:schemeClr>
+          </a:lnRef>
+          <a:fillRef idx="1">
+            <a:schemeClr val="accent1"/>
+          </a:fillRef>
+          <a:effectRef idx="0">
+            <a:schemeClr val="accent1"/>
+          </a:effectRef>
+          <a:fontRef idx="minor">
+            <a:schemeClr val="lt1"/>
+          </a:fontRef>
+        </p:style>
+        <p:txBody>
+          <a:bodyPr rtlCol="0" anchor="ctr"/>
+          <a:p>
+            <a:pPr algn="ctr"/>
+            <a:endParaRPr lang="zh-CN" altLang="en-US"/>
+          </a:p>
+        </p:txBody>
+      </p:sp>
+      <p:sp>
+        <p:nvSpPr>
+          <p:cNvPr id="17" name="矩形 16"/>
+          <p:cNvSpPr/>
+          <p:nvPr/>
+        </p:nvSpPr>
+        <p:spPr>
+          <a:xfrm>
+            <a:off x="10286365" y="3446145"/>
+            <a:ext cx="1536700" cy="1118235"/>
+          </a:xfrm>
+          <a:prstGeom prst="rect">
+            <a:avLst/>
+          </a:prstGeom>
+          <a:noFill/>
+          <a:ln w="31750"/>
+        </p:spPr>
+        <p:style>
+          <a:lnRef idx="2">
+            <a:schemeClr val="accent1">
+              <a:shade val="50000"/>
+            </a:schemeClr>
+          </a:lnRef>
+          <a:fillRef idx="1">
+            <a:schemeClr val="accent1"/>
+          </a:fillRef>
+          <a:effectRef idx="0">
+            <a:schemeClr val="accent1"/>
+          </a:effectRef>
+          <a:fontRef idx="minor">
+            <a:schemeClr val="lt1"/>
+          </a:fontRef>
+        </p:style>
+        <p:txBody>
+          <a:bodyPr rtlCol="0" anchor="ctr"/>
+          <a:p>
+            <a:pPr algn="ctr"/>
+            <a:endParaRPr lang="zh-CN" altLang="en-US"/>
+          </a:p>
+        </p:txBody>
+      </p:sp>
+      <p:sp>
+        <p:nvSpPr>
+          <p:cNvPr id="18" name="矩形 17"/>
+          <p:cNvSpPr/>
+          <p:nvPr/>
+        </p:nvSpPr>
+        <p:spPr>
+          <a:xfrm>
+            <a:off x="6753225" y="4792345"/>
+            <a:ext cx="1536700" cy="1118235"/>
+          </a:xfrm>
+          <a:prstGeom prst="rect">
+            <a:avLst/>
+          </a:prstGeom>
+          <a:noFill/>
+          <a:ln w="31750"/>
+        </p:spPr>
+        <p:style>
+          <a:lnRef idx="2">
+            <a:schemeClr val="accent1">
+              <a:shade val="50000"/>
+            </a:schemeClr>
+          </a:lnRef>
+          <a:fillRef idx="1">
+            <a:schemeClr val="accent1"/>
+          </a:fillRef>
+          <a:effectRef idx="0">
+            <a:schemeClr val="accent1"/>
+          </a:effectRef>
+          <a:fontRef idx="minor">
+            <a:schemeClr val="lt1"/>
+          </a:fontRef>
+        </p:style>
+        <p:txBody>
+          <a:bodyPr rtlCol="0" anchor="ctr"/>
+          <a:p>
+            <a:pPr algn="ctr"/>
+            <a:endParaRPr lang="zh-CN" altLang="en-US"/>
+          </a:p>
+        </p:txBody>
+      </p:sp>
+      <p:pic>
+        <p:nvPicPr>
+          <p:cNvPr id="19" name="图片 18"/>
+          <p:cNvPicPr>
+            <a:picLocks noChangeAspect="1"/>
+          </p:cNvPicPr>
+          <p:nvPr/>
+        </p:nvPicPr>
+        <p:blipFill>
+          <a:blip r:embed="rId1"/>
+          <a:stretch>
+            <a:fillRect/>
+          </a:stretch>
+        </p:blipFill>
+        <p:spPr>
+          <a:xfrm>
+            <a:off x="7254875" y="5085080"/>
+            <a:ext cx="533400" cy="533400"/>
+          </a:xfrm>
+          <a:prstGeom prst="rect">
+            <a:avLst/>
+          </a:prstGeom>
+        </p:spPr>
+      </p:pic>
+      <p:sp>
+        <p:nvSpPr>
+          <p:cNvPr id="20" name="文本框 19"/>
+          <p:cNvSpPr txBox="1"/>
+          <p:nvPr/>
+        </p:nvSpPr>
+        <p:spPr>
+          <a:xfrm>
+            <a:off x="3984625" y="2640330"/>
+            <a:ext cx="1418590" cy="368300"/>
+          </a:xfrm>
+          <a:prstGeom prst="rect">
+            <a:avLst/>
+          </a:prstGeom>
+          <a:noFill/>
         </p:spPr>
         <p:txBody>
           <a:bodyPr wrap="none" rtlCol="0">
@@ -4686,9 +4223,139 @@
           <a:p>
             <a:r>
               <a:rPr lang="en-US" altLang="zh-CN" b="1"/>
-              <a:t>Params Detail</a:t>
+              <a:t>· My Projects</a:t>
             </a:r>
             <a:endParaRPr lang="en-US" altLang="zh-CN" b="1"/>
+          </a:p>
+        </p:txBody>
+      </p:sp>
+      <p:sp>
+        <p:nvSpPr>
+          <p:cNvPr id="21" name="文本框 20"/>
+          <p:cNvSpPr txBox="1"/>
+          <p:nvPr/>
+        </p:nvSpPr>
+        <p:spPr>
+          <a:xfrm>
+            <a:off x="3984625" y="3008630"/>
+            <a:ext cx="1820545" cy="368300"/>
+          </a:xfrm>
+          <a:prstGeom prst="rect">
+            <a:avLst/>
+          </a:prstGeom>
+          <a:noFill/>
+        </p:spPr>
+        <p:txBody>
+          <a:bodyPr wrap="none" rtlCol="0">
+            <a:spAutoFit/>
+          </a:bodyPr>
+          <a:p>
+            <a:pPr algn="l"/>
+            <a:r>
+              <a:rPr lang="en-US" altLang="zh-CN" b="1">
+                <a:sym typeface="+mn-ea"/>
+              </a:rPr>
+              <a:t>· </a:t>
+            </a:r>
+            <a:r>
+              <a:rPr lang="en-US" altLang="zh-CN" b="1"/>
+              <a:t>All Projects Tree</a:t>
+            </a:r>
+            <a:endParaRPr lang="en-US" altLang="zh-CN" b="1"/>
+          </a:p>
+        </p:txBody>
+      </p:sp>
+      <p:sp>
+        <p:nvSpPr>
+          <p:cNvPr id="22" name="圆角矩形 21"/>
+          <p:cNvSpPr/>
+          <p:nvPr/>
+        </p:nvSpPr>
+        <p:spPr>
+          <a:xfrm>
+            <a:off x="3959225" y="2322830"/>
+            <a:ext cx="1217295" cy="317500"/>
+          </a:xfrm>
+          <a:prstGeom prst="roundRect">
+            <a:avLst/>
+          </a:prstGeom>
+          <a:noFill/>
+          <a:ln w="34925"/>
+        </p:spPr>
+        <p:style>
+          <a:lnRef idx="2">
+            <a:schemeClr val="accent1">
+              <a:shade val="50000"/>
+            </a:schemeClr>
+          </a:lnRef>
+          <a:fillRef idx="1">
+            <a:schemeClr val="accent1"/>
+          </a:fillRef>
+          <a:effectRef idx="0">
+            <a:schemeClr val="accent1"/>
+          </a:effectRef>
+          <a:fontRef idx="minor">
+            <a:schemeClr val="lt1"/>
+          </a:fontRef>
+        </p:style>
+        <p:txBody>
+          <a:bodyPr rtlCol="0" anchor="ctr"/>
+          <a:p>
+            <a:pPr algn="ctr"/>
+            <a:endParaRPr lang="zh-CN" altLang="en-US"/>
+          </a:p>
+        </p:txBody>
+      </p:sp>
+      <p:sp>
+        <p:nvSpPr>
+          <p:cNvPr id="23" name="圆角矩形 22"/>
+          <p:cNvSpPr/>
+          <p:nvPr/>
+        </p:nvSpPr>
+        <p:spPr>
+          <a:xfrm>
+            <a:off x="5305425" y="2322830"/>
+            <a:ext cx="928370" cy="317500"/>
+          </a:xfrm>
+          <a:prstGeom prst="roundRect">
+            <a:avLst/>
+          </a:prstGeom>
+          <a:noFill/>
+          <a:ln w="34925"/>
+        </p:spPr>
+        <p:style>
+          <a:lnRef idx="2">
+            <a:schemeClr val="accent1">
+              <a:shade val="50000"/>
+            </a:schemeClr>
+          </a:lnRef>
+          <a:fillRef idx="1">
+            <a:schemeClr val="accent1"/>
+          </a:fillRef>
+          <a:effectRef idx="0">
+            <a:schemeClr val="accent1"/>
+          </a:effectRef>
+          <a:fontRef idx="minor">
+            <a:schemeClr val="lt1"/>
+          </a:fontRef>
+        </p:style>
+        <p:txBody>
+          <a:bodyPr rtlCol="0" anchor="ctr"/>
+          <a:p>
+            <a:pPr algn="ctr"/>
+            <a:r>
+              <a:rPr lang="en-US" altLang="zh-CN" b="1">
+                <a:solidFill>
+                  <a:schemeClr val="tx1"/>
+                </a:solidFill>
+              </a:rPr>
+              <a:t>Search</a:t>
+            </a:r>
+            <a:endParaRPr lang="en-US" altLang="zh-CN" b="1">
+              <a:solidFill>
+                <a:schemeClr val="tx1"/>
+              </a:solidFill>
+            </a:endParaRPr>
           </a:p>
         </p:txBody>
       </p:sp>
@@ -4701,6 +4368,737 @@
 </file>
 
 <file path=ppt/slides/slide14.xml><?xml version="1.0" encoding="utf-8"?>
+<p:sld xmlns:a="http://schemas.openxmlformats.org/drawingml/2006/main" xmlns:r="http://schemas.openxmlformats.org/officeDocument/2006/relationships" xmlns:p="http://schemas.openxmlformats.org/presentationml/2006/main">
+  <p:cSld>
+    <p:spTree>
+      <p:nvGrpSpPr>
+        <p:cNvPr id="1" name=""/>
+        <p:cNvGrpSpPr/>
+        <p:nvPr/>
+      </p:nvGrpSpPr>
+      <p:grpSpPr/>
+      <p:sp>
+        <p:nvSpPr>
+          <p:cNvPr id="11" name="文本框 10"/>
+          <p:cNvSpPr txBox="1"/>
+          <p:nvPr/>
+        </p:nvSpPr>
+        <p:spPr>
+          <a:xfrm>
+            <a:off x="8890" y="6350"/>
+            <a:ext cx="5093335" cy="922020"/>
+          </a:xfrm>
+          <a:prstGeom prst="rect">
+            <a:avLst/>
+          </a:prstGeom>
+          <a:noFill/>
+        </p:spPr>
+        <p:txBody>
+          <a:bodyPr wrap="none" rtlCol="0">
+            <a:spAutoFit/>
+          </a:bodyPr>
+          <a:p>
+            <a:r>
+              <a:rPr lang="en-US" altLang="zh-CN" sz="5400">
+                <a:latin typeface="Comic Sans MS" panose="030F0702030302020204" charset="0"/>
+              </a:rPr>
+              <a:t>InterFace Page</a:t>
+            </a:r>
+            <a:endParaRPr lang="en-US" altLang="zh-CN" sz="5400">
+              <a:latin typeface="Comic Sans MS" panose="030F0702030302020204" charset="0"/>
+            </a:endParaRPr>
+          </a:p>
+        </p:txBody>
+      </p:sp>
+      <p:sp>
+        <p:nvSpPr>
+          <p:cNvPr id="2" name="矩形 1"/>
+          <p:cNvSpPr/>
+          <p:nvPr/>
+        </p:nvSpPr>
+        <p:spPr>
+          <a:xfrm>
+            <a:off x="3618865" y="1192530"/>
+            <a:ext cx="8547100" cy="5626100"/>
+          </a:xfrm>
+          <a:prstGeom prst="rect">
+            <a:avLst/>
+          </a:prstGeom>
+          <a:solidFill>
+            <a:schemeClr val="bg1"/>
+          </a:solidFill>
+          <a:ln w="38100"/>
+        </p:spPr>
+        <p:style>
+          <a:lnRef idx="2">
+            <a:schemeClr val="accent1">
+              <a:shade val="50000"/>
+            </a:schemeClr>
+          </a:lnRef>
+          <a:fillRef idx="1">
+            <a:schemeClr val="accent1"/>
+          </a:fillRef>
+          <a:effectRef idx="0">
+            <a:schemeClr val="accent1"/>
+          </a:effectRef>
+          <a:fontRef idx="minor">
+            <a:schemeClr val="lt1"/>
+          </a:fontRef>
+        </p:style>
+        <p:txBody>
+          <a:bodyPr rtlCol="0" anchor="ctr"/>
+          <a:p>
+            <a:pPr algn="ctr"/>
+            <a:endParaRPr lang="zh-CN" altLang="en-US"/>
+          </a:p>
+        </p:txBody>
+      </p:sp>
+      <p:sp>
+        <p:nvSpPr>
+          <p:cNvPr id="3" name="矩形 2"/>
+          <p:cNvSpPr/>
+          <p:nvPr/>
+        </p:nvSpPr>
+        <p:spPr>
+          <a:xfrm>
+            <a:off x="3806825" y="2030730"/>
+            <a:ext cx="2590800" cy="4584700"/>
+          </a:xfrm>
+          <a:prstGeom prst="rect">
+            <a:avLst/>
+          </a:prstGeom>
+          <a:noFill/>
+          <a:ln w="31750"/>
+        </p:spPr>
+        <p:style>
+          <a:lnRef idx="2">
+            <a:schemeClr val="accent1">
+              <a:shade val="50000"/>
+            </a:schemeClr>
+          </a:lnRef>
+          <a:fillRef idx="1">
+            <a:schemeClr val="accent1"/>
+          </a:fillRef>
+          <a:effectRef idx="0">
+            <a:schemeClr val="accent1"/>
+          </a:effectRef>
+          <a:fontRef idx="minor">
+            <a:schemeClr val="lt1"/>
+          </a:fontRef>
+        </p:style>
+        <p:txBody>
+          <a:bodyPr rtlCol="0" anchor="ctr"/>
+          <a:p>
+            <a:pPr algn="ctr"/>
+            <a:endParaRPr lang="zh-CN" altLang="en-US"/>
+          </a:p>
+        </p:txBody>
+      </p:sp>
+      <p:sp>
+        <p:nvSpPr>
+          <p:cNvPr id="4" name="矩形 3"/>
+          <p:cNvSpPr/>
+          <p:nvPr/>
+        </p:nvSpPr>
+        <p:spPr>
+          <a:xfrm>
+            <a:off x="6597650" y="2030730"/>
+            <a:ext cx="5384165" cy="4584700"/>
+          </a:xfrm>
+          <a:prstGeom prst="rect">
+            <a:avLst/>
+          </a:prstGeom>
+          <a:noFill/>
+          <a:ln w="31750"/>
+        </p:spPr>
+        <p:style>
+          <a:lnRef idx="2">
+            <a:schemeClr val="accent1">
+              <a:shade val="50000"/>
+            </a:schemeClr>
+          </a:lnRef>
+          <a:fillRef idx="1">
+            <a:schemeClr val="accent1"/>
+          </a:fillRef>
+          <a:effectRef idx="0">
+            <a:schemeClr val="accent1"/>
+          </a:effectRef>
+          <a:fontRef idx="minor">
+            <a:schemeClr val="lt1"/>
+          </a:fontRef>
+        </p:style>
+        <p:txBody>
+          <a:bodyPr rtlCol="0" anchor="ctr"/>
+          <a:p>
+            <a:pPr algn="ctr"/>
+            <a:endParaRPr lang="zh-CN" altLang="en-US"/>
+          </a:p>
+        </p:txBody>
+      </p:sp>
+      <p:sp>
+        <p:nvSpPr>
+          <p:cNvPr id="7" name="矩形 6"/>
+          <p:cNvSpPr/>
+          <p:nvPr/>
+        </p:nvSpPr>
+        <p:spPr>
+          <a:xfrm flipV="1">
+            <a:off x="3620135" y="1191895"/>
+            <a:ext cx="8545830" cy="674370"/>
+          </a:xfrm>
+          <a:prstGeom prst="rect">
+            <a:avLst/>
+          </a:prstGeom>
+          <a:noFill/>
+          <a:ln w="31750"/>
+        </p:spPr>
+        <p:style>
+          <a:lnRef idx="2">
+            <a:schemeClr val="accent1">
+              <a:shade val="50000"/>
+            </a:schemeClr>
+          </a:lnRef>
+          <a:fillRef idx="1">
+            <a:schemeClr val="accent1"/>
+          </a:fillRef>
+          <a:effectRef idx="0">
+            <a:schemeClr val="accent1"/>
+          </a:effectRef>
+          <a:fontRef idx="minor">
+            <a:schemeClr val="lt1"/>
+          </a:fontRef>
+        </p:style>
+        <p:txBody>
+          <a:bodyPr rtlCol="0" anchor="ctr"/>
+          <a:p>
+            <a:pPr algn="ctr"/>
+            <a:endParaRPr lang="zh-CN" altLang="en-US"/>
+          </a:p>
+        </p:txBody>
+      </p:sp>
+      <p:sp>
+        <p:nvSpPr>
+          <p:cNvPr id="9" name="矩形 8"/>
+          <p:cNvSpPr/>
+          <p:nvPr/>
+        </p:nvSpPr>
+        <p:spPr>
+          <a:xfrm>
+            <a:off x="6753225" y="2183130"/>
+            <a:ext cx="5066665" cy="890270"/>
+          </a:xfrm>
+          <a:prstGeom prst="rect">
+            <a:avLst/>
+          </a:prstGeom>
+          <a:noFill/>
+          <a:ln w="31750"/>
+        </p:spPr>
+        <p:style>
+          <a:lnRef idx="2">
+            <a:schemeClr val="accent1">
+              <a:shade val="50000"/>
+            </a:schemeClr>
+          </a:lnRef>
+          <a:fillRef idx="1">
+            <a:schemeClr val="accent1"/>
+          </a:fillRef>
+          <a:effectRef idx="0">
+            <a:schemeClr val="accent1"/>
+          </a:effectRef>
+          <a:fontRef idx="minor">
+            <a:schemeClr val="lt1"/>
+          </a:fontRef>
+        </p:style>
+        <p:txBody>
+          <a:bodyPr rtlCol="0" anchor="ctr"/>
+          <a:p>
+            <a:pPr algn="ctr"/>
+            <a:endParaRPr lang="zh-CN" altLang="en-US"/>
+          </a:p>
+        </p:txBody>
+      </p:sp>
+      <p:sp>
+        <p:nvSpPr>
+          <p:cNvPr id="14" name="矩形 13"/>
+          <p:cNvSpPr/>
+          <p:nvPr/>
+        </p:nvSpPr>
+        <p:spPr>
+          <a:xfrm>
+            <a:off x="6753225" y="3446780"/>
+            <a:ext cx="5066665" cy="1195705"/>
+          </a:xfrm>
+          <a:prstGeom prst="rect">
+            <a:avLst/>
+          </a:prstGeom>
+          <a:noFill/>
+          <a:ln w="31750"/>
+        </p:spPr>
+        <p:style>
+          <a:lnRef idx="2">
+            <a:schemeClr val="accent1">
+              <a:shade val="50000"/>
+            </a:schemeClr>
+          </a:lnRef>
+          <a:fillRef idx="1">
+            <a:schemeClr val="accent1"/>
+          </a:fillRef>
+          <a:effectRef idx="0">
+            <a:schemeClr val="accent1"/>
+          </a:effectRef>
+          <a:fontRef idx="minor">
+            <a:schemeClr val="lt1"/>
+          </a:fontRef>
+        </p:style>
+        <p:txBody>
+          <a:bodyPr rtlCol="0" anchor="ctr"/>
+          <a:p>
+            <a:pPr algn="ctr"/>
+            <a:endParaRPr lang="zh-CN" altLang="en-US"/>
+          </a:p>
+        </p:txBody>
+      </p:sp>
+      <p:sp>
+        <p:nvSpPr>
+          <p:cNvPr id="21" name="文本框 20"/>
+          <p:cNvSpPr txBox="1"/>
+          <p:nvPr/>
+        </p:nvSpPr>
+        <p:spPr>
+          <a:xfrm>
+            <a:off x="4098925" y="2348230"/>
+            <a:ext cx="1489075" cy="368300"/>
+          </a:xfrm>
+          <a:prstGeom prst="rect">
+            <a:avLst/>
+          </a:prstGeom>
+          <a:noFill/>
+        </p:spPr>
+        <p:txBody>
+          <a:bodyPr wrap="none" rtlCol="0">
+            <a:spAutoFit/>
+          </a:bodyPr>
+          <a:p>
+            <a:r>
+              <a:rPr lang="en-US" altLang="zh-CN" b="1"/>
+              <a:t>Interface Tree</a:t>
+            </a:r>
+            <a:endParaRPr lang="en-US" altLang="zh-CN" b="1"/>
+          </a:p>
+        </p:txBody>
+      </p:sp>
+      <p:sp>
+        <p:nvSpPr>
+          <p:cNvPr id="5" name="矩形 4"/>
+          <p:cNvSpPr/>
+          <p:nvPr/>
+        </p:nvSpPr>
+        <p:spPr>
+          <a:xfrm>
+            <a:off x="6756400" y="4894580"/>
+            <a:ext cx="5066665" cy="1195705"/>
+          </a:xfrm>
+          <a:prstGeom prst="rect">
+            <a:avLst/>
+          </a:prstGeom>
+          <a:noFill/>
+          <a:ln w="31750"/>
+        </p:spPr>
+        <p:style>
+          <a:lnRef idx="2">
+            <a:schemeClr val="accent1">
+              <a:shade val="50000"/>
+            </a:schemeClr>
+          </a:lnRef>
+          <a:fillRef idx="1">
+            <a:schemeClr val="accent1"/>
+          </a:fillRef>
+          <a:effectRef idx="0">
+            <a:schemeClr val="accent1"/>
+          </a:effectRef>
+          <a:fontRef idx="minor">
+            <a:schemeClr val="lt1"/>
+          </a:fontRef>
+        </p:style>
+        <p:txBody>
+          <a:bodyPr rtlCol="0" anchor="ctr"/>
+          <a:p>
+            <a:pPr algn="ctr"/>
+            <a:endParaRPr lang="zh-CN" altLang="en-US"/>
+          </a:p>
+        </p:txBody>
+      </p:sp>
+      <p:sp>
+        <p:nvSpPr>
+          <p:cNvPr id="6" name="文本框 5"/>
+          <p:cNvSpPr txBox="1"/>
+          <p:nvPr/>
+        </p:nvSpPr>
+        <p:spPr>
+          <a:xfrm>
+            <a:off x="8467090" y="2444115"/>
+            <a:ext cx="1638935" cy="368300"/>
+          </a:xfrm>
+          <a:prstGeom prst="rect">
+            <a:avLst/>
+          </a:prstGeom>
+          <a:noFill/>
+        </p:spPr>
+        <p:txBody>
+          <a:bodyPr wrap="none" rtlCol="0">
+            <a:spAutoFit/>
+          </a:bodyPr>
+          <a:p>
+            <a:r>
+              <a:rPr lang="en-US" altLang="zh-CN" b="1"/>
+              <a:t>Interface Detail</a:t>
+            </a:r>
+            <a:endParaRPr lang="en-US" altLang="zh-CN" b="1"/>
+          </a:p>
+        </p:txBody>
+      </p:sp>
+      <p:sp>
+        <p:nvSpPr>
+          <p:cNvPr id="8" name="文本框 7"/>
+          <p:cNvSpPr txBox="1"/>
+          <p:nvPr/>
+        </p:nvSpPr>
+        <p:spPr>
+          <a:xfrm>
+            <a:off x="8470265" y="3821430"/>
+            <a:ext cx="1657985" cy="368300"/>
+          </a:xfrm>
+          <a:prstGeom prst="rect">
+            <a:avLst/>
+          </a:prstGeom>
+          <a:noFill/>
+        </p:spPr>
+        <p:txBody>
+          <a:bodyPr wrap="none" rtlCol="0">
+            <a:spAutoFit/>
+          </a:bodyPr>
+          <a:p>
+            <a:r>
+              <a:rPr lang="en-US" altLang="zh-CN" b="1"/>
+              <a:t>request records</a:t>
+            </a:r>
+            <a:endParaRPr lang="en-US" altLang="zh-CN" b="1"/>
+          </a:p>
+        </p:txBody>
+      </p:sp>
+      <p:sp>
+        <p:nvSpPr>
+          <p:cNvPr id="10" name="文本框 9"/>
+          <p:cNvSpPr txBox="1"/>
+          <p:nvPr/>
+        </p:nvSpPr>
+        <p:spPr>
+          <a:xfrm>
+            <a:off x="8470265" y="5307965"/>
+            <a:ext cx="1796415" cy="368300"/>
+          </a:xfrm>
+          <a:prstGeom prst="rect">
+            <a:avLst/>
+          </a:prstGeom>
+          <a:noFill/>
+        </p:spPr>
+        <p:txBody>
+          <a:bodyPr wrap="none" rtlCol="0">
+            <a:spAutoFit/>
+          </a:bodyPr>
+          <a:p>
+            <a:r>
+              <a:rPr lang="en-US" altLang="zh-CN" b="1"/>
+              <a:t>response records</a:t>
+            </a:r>
+            <a:endParaRPr lang="en-US" altLang="zh-CN" b="1"/>
+          </a:p>
+        </p:txBody>
+      </p:sp>
+    </p:spTree>
+  </p:cSld>
+  <p:clrMapOvr>
+    <a:masterClrMapping/>
+  </p:clrMapOvr>
+</p:sld>
+</file>
+
+<file path=ppt/slides/slide15.xml><?xml version="1.0" encoding="utf-8"?>
+<p:sld xmlns:a="http://schemas.openxmlformats.org/drawingml/2006/main" xmlns:r="http://schemas.openxmlformats.org/officeDocument/2006/relationships" xmlns:p="http://schemas.openxmlformats.org/presentationml/2006/main">
+  <p:cSld>
+    <p:spTree>
+      <p:nvGrpSpPr>
+        <p:cNvPr id="1" name=""/>
+        <p:cNvGrpSpPr/>
+        <p:nvPr/>
+      </p:nvGrpSpPr>
+      <p:grpSpPr/>
+      <p:sp>
+        <p:nvSpPr>
+          <p:cNvPr id="11" name="文本框 10"/>
+          <p:cNvSpPr txBox="1"/>
+          <p:nvPr/>
+        </p:nvSpPr>
+        <p:spPr>
+          <a:xfrm>
+            <a:off x="8890" y="6350"/>
+            <a:ext cx="6091555" cy="922020"/>
+          </a:xfrm>
+          <a:prstGeom prst="rect">
+            <a:avLst/>
+          </a:prstGeom>
+          <a:noFill/>
+        </p:spPr>
+        <p:txBody>
+          <a:bodyPr wrap="none" rtlCol="0">
+            <a:spAutoFit/>
+          </a:bodyPr>
+          <a:p>
+            <a:r>
+              <a:rPr lang="en-US" altLang="zh-CN" sz="5400">
+                <a:latin typeface="Comic Sans MS" panose="030F0702030302020204" charset="0"/>
+              </a:rPr>
+              <a:t>RequestShow Page</a:t>
+            </a:r>
+            <a:endParaRPr lang="en-US" altLang="zh-CN" sz="5400">
+              <a:latin typeface="Comic Sans MS" panose="030F0702030302020204" charset="0"/>
+            </a:endParaRPr>
+          </a:p>
+        </p:txBody>
+      </p:sp>
+      <p:sp>
+        <p:nvSpPr>
+          <p:cNvPr id="2" name="矩形 1"/>
+          <p:cNvSpPr/>
+          <p:nvPr/>
+        </p:nvSpPr>
+        <p:spPr>
+          <a:xfrm>
+            <a:off x="3618865" y="1192530"/>
+            <a:ext cx="8547100" cy="5626100"/>
+          </a:xfrm>
+          <a:prstGeom prst="rect">
+            <a:avLst/>
+          </a:prstGeom>
+          <a:solidFill>
+            <a:schemeClr val="bg1"/>
+          </a:solidFill>
+          <a:ln w="38100"/>
+        </p:spPr>
+        <p:style>
+          <a:lnRef idx="2">
+            <a:schemeClr val="accent1">
+              <a:shade val="50000"/>
+            </a:schemeClr>
+          </a:lnRef>
+          <a:fillRef idx="1">
+            <a:schemeClr val="accent1"/>
+          </a:fillRef>
+          <a:effectRef idx="0">
+            <a:schemeClr val="accent1"/>
+          </a:effectRef>
+          <a:fontRef idx="minor">
+            <a:schemeClr val="lt1"/>
+          </a:fontRef>
+        </p:style>
+        <p:txBody>
+          <a:bodyPr rtlCol="0" anchor="ctr"/>
+          <a:p>
+            <a:pPr algn="ctr"/>
+            <a:endParaRPr lang="zh-CN" altLang="en-US"/>
+          </a:p>
+        </p:txBody>
+      </p:sp>
+      <p:sp>
+        <p:nvSpPr>
+          <p:cNvPr id="3" name="矩形 2"/>
+          <p:cNvSpPr/>
+          <p:nvPr/>
+        </p:nvSpPr>
+        <p:spPr>
+          <a:xfrm>
+            <a:off x="3806825" y="2030730"/>
+            <a:ext cx="2590800" cy="4584700"/>
+          </a:xfrm>
+          <a:prstGeom prst="rect">
+            <a:avLst/>
+          </a:prstGeom>
+          <a:noFill/>
+          <a:ln w="31750"/>
+        </p:spPr>
+        <p:style>
+          <a:lnRef idx="2">
+            <a:schemeClr val="accent1">
+              <a:shade val="50000"/>
+            </a:schemeClr>
+          </a:lnRef>
+          <a:fillRef idx="1">
+            <a:schemeClr val="accent1"/>
+          </a:fillRef>
+          <a:effectRef idx="0">
+            <a:schemeClr val="accent1"/>
+          </a:effectRef>
+          <a:fontRef idx="minor">
+            <a:schemeClr val="lt1"/>
+          </a:fontRef>
+        </p:style>
+        <p:txBody>
+          <a:bodyPr rtlCol="0" anchor="ctr"/>
+          <a:p>
+            <a:pPr algn="ctr"/>
+            <a:endParaRPr lang="zh-CN" altLang="en-US"/>
+          </a:p>
+        </p:txBody>
+      </p:sp>
+      <p:sp>
+        <p:nvSpPr>
+          <p:cNvPr id="4" name="矩形 3"/>
+          <p:cNvSpPr/>
+          <p:nvPr/>
+        </p:nvSpPr>
+        <p:spPr>
+          <a:xfrm>
+            <a:off x="6597650" y="2030730"/>
+            <a:ext cx="5384165" cy="4584700"/>
+          </a:xfrm>
+          <a:prstGeom prst="rect">
+            <a:avLst/>
+          </a:prstGeom>
+          <a:noFill/>
+          <a:ln w="31750"/>
+        </p:spPr>
+        <p:style>
+          <a:lnRef idx="2">
+            <a:schemeClr val="accent1">
+              <a:shade val="50000"/>
+            </a:schemeClr>
+          </a:lnRef>
+          <a:fillRef idx="1">
+            <a:schemeClr val="accent1"/>
+          </a:fillRef>
+          <a:effectRef idx="0">
+            <a:schemeClr val="accent1"/>
+          </a:effectRef>
+          <a:fontRef idx="minor">
+            <a:schemeClr val="lt1"/>
+          </a:fontRef>
+        </p:style>
+        <p:txBody>
+          <a:bodyPr rtlCol="0" anchor="ctr"/>
+          <a:p>
+            <a:pPr algn="ctr"/>
+            <a:endParaRPr lang="zh-CN" altLang="en-US"/>
+          </a:p>
+        </p:txBody>
+      </p:sp>
+      <p:sp>
+        <p:nvSpPr>
+          <p:cNvPr id="7" name="矩形 6"/>
+          <p:cNvSpPr/>
+          <p:nvPr/>
+        </p:nvSpPr>
+        <p:spPr>
+          <a:xfrm flipV="1">
+            <a:off x="3620135" y="1191895"/>
+            <a:ext cx="8545830" cy="674370"/>
+          </a:xfrm>
+          <a:prstGeom prst="rect">
+            <a:avLst/>
+          </a:prstGeom>
+          <a:noFill/>
+          <a:ln w="31750"/>
+        </p:spPr>
+        <p:style>
+          <a:lnRef idx="2">
+            <a:schemeClr val="accent1">
+              <a:shade val="50000"/>
+            </a:schemeClr>
+          </a:lnRef>
+          <a:fillRef idx="1">
+            <a:schemeClr val="accent1"/>
+          </a:fillRef>
+          <a:effectRef idx="0">
+            <a:schemeClr val="accent1"/>
+          </a:effectRef>
+          <a:fontRef idx="minor">
+            <a:schemeClr val="lt1"/>
+          </a:fontRef>
+        </p:style>
+        <p:txBody>
+          <a:bodyPr rtlCol="0" anchor="ctr"/>
+          <a:p>
+            <a:pPr algn="ctr"/>
+            <a:endParaRPr lang="zh-CN" altLang="en-US"/>
+          </a:p>
+        </p:txBody>
+      </p:sp>
+      <p:sp>
+        <p:nvSpPr>
+          <p:cNvPr id="21" name="文本框 20"/>
+          <p:cNvSpPr txBox="1"/>
+          <p:nvPr/>
+        </p:nvSpPr>
+        <p:spPr>
+          <a:xfrm>
+            <a:off x="4098925" y="2348230"/>
+            <a:ext cx="1489075" cy="368300"/>
+          </a:xfrm>
+          <a:prstGeom prst="rect">
+            <a:avLst/>
+          </a:prstGeom>
+          <a:noFill/>
+        </p:spPr>
+        <p:txBody>
+          <a:bodyPr wrap="none" rtlCol="0">
+            <a:spAutoFit/>
+          </a:bodyPr>
+          <a:p>
+            <a:r>
+              <a:rPr lang="en-US" altLang="zh-CN" b="1"/>
+              <a:t>Interface Tree</a:t>
+            </a:r>
+            <a:endParaRPr lang="en-US" altLang="zh-CN" b="1"/>
+          </a:p>
+        </p:txBody>
+      </p:sp>
+      <p:sp>
+        <p:nvSpPr>
+          <p:cNvPr id="6" name="文本框 5"/>
+          <p:cNvSpPr txBox="1"/>
+          <p:nvPr/>
+        </p:nvSpPr>
+        <p:spPr>
+          <a:xfrm>
+            <a:off x="8470265" y="3244850"/>
+            <a:ext cx="1489710" cy="368300"/>
+          </a:xfrm>
+          <a:prstGeom prst="rect">
+            <a:avLst/>
+          </a:prstGeom>
+          <a:noFill/>
+        </p:spPr>
+        <p:txBody>
+          <a:bodyPr wrap="none" rtlCol="0">
+            <a:spAutoFit/>
+          </a:bodyPr>
+          <a:p>
+            <a:r>
+              <a:rPr lang="en-US" altLang="zh-CN" b="1"/>
+              <a:t>Params Detail</a:t>
+            </a:r>
+            <a:endParaRPr lang="en-US" altLang="zh-CN" b="1"/>
+          </a:p>
+        </p:txBody>
+      </p:sp>
+    </p:spTree>
+  </p:cSld>
+  <p:clrMapOvr>
+    <a:masterClrMapping/>
+  </p:clrMapOvr>
+</p:sld>
+</file>
+
+<file path=ppt/slides/slide16.xml><?xml version="1.0" encoding="utf-8"?>
 <p:sld xmlns:a="http://schemas.openxmlformats.org/drawingml/2006/main" xmlns:r="http://schemas.openxmlformats.org/officeDocument/2006/relationships" xmlns:p="http://schemas.openxmlformats.org/presentationml/2006/main">
   <p:cSld>
     <p:spTree>

--- a/界面设计.pptx
+++ b/界面设计.pptx
@@ -21,43 +21,46 @@
     <p:sldId id="262" r:id="rId16"/>
     <p:sldId id="263" r:id="rId17"/>
     <p:sldId id="265" r:id="rId18"/>
+    <p:sldId id="294" r:id="rId19"/>
+    <p:sldId id="295" r:id="rId20"/>
+    <p:sldId id="293" r:id="rId21"/>
   </p:sldIdLst>
   <p:sldSz cx="12192000" cy="6858000"/>
   <p:notesSz cx="6858000" cy="9144000"/>
   <p:embeddedFontLst>
     <p:embeddedFont>
       <p:font typeface="Aharoni" panose="02010803020104030203" charset="0"/>
-      <p:bold r:id="rId22"/>
+      <p:bold r:id="rId25"/>
     </p:embeddedFont>
     <p:embeddedFont>
       <p:font typeface="方正隶变_GBK" panose="02000000000000000000" charset="-122"/>
-      <p:regular r:id="rId23"/>
+      <p:regular r:id="rId26"/>
     </p:embeddedFont>
     <p:embeddedFont>
       <p:font typeface="Comic Sans MS" panose="030F0702030302020204" charset="0"/>
-      <p:regular r:id="rId24"/>
-      <p:bold r:id="rId25"/>
-    </p:embeddedFont>
-    <p:embeddedFont>
-      <p:font typeface="Gabriola" panose="04040605051002020D02" charset="0"/>
-      <p:regular r:id="rId26"/>
-    </p:embeddedFont>
-    <p:embeddedFont>
-      <p:font typeface="Segoe Print" panose="02000600000000000000" charset="0"/>
       <p:regular r:id="rId27"/>
       <p:bold r:id="rId28"/>
     </p:embeddedFont>
     <p:embeddedFont>
+      <p:font typeface="Gabriola" panose="04040605051002020D02" charset="0"/>
+      <p:regular r:id="rId29"/>
+    </p:embeddedFont>
+    <p:embeddedFont>
+      <p:font typeface="Segoe Print" panose="02000600000000000000" charset="0"/>
+      <p:regular r:id="rId30"/>
+      <p:bold r:id="rId31"/>
+    </p:embeddedFont>
+    <p:embeddedFont>
       <p:font typeface="Mangal" panose="02040503050203030202" charset="0"/>
-      <p:regular r:id="rId29"/>
-      <p:bold r:id="rId30"/>
+      <p:regular r:id="rId32"/>
+      <p:bold r:id="rId33"/>
     </p:embeddedFont>
     <p:embeddedFont>
       <p:font typeface="Calibri" panose="020F0502020204030204" charset="0"/>
-      <p:regular r:id="rId31"/>
-      <p:bold r:id="rId32"/>
-      <p:italic r:id="rId33"/>
-      <p:boldItalic r:id="rId34"/>
+      <p:regular r:id="rId34"/>
+      <p:bold r:id="rId35"/>
+      <p:italic r:id="rId36"/>
+      <p:boldItalic r:id="rId37"/>
     </p:embeddedFont>
   </p:embeddedFontLst>
   <p:defaultTextStyle>
@@ -5459,6 +5462,585 @@
 </p:sld>
 </file>
 
+<file path=ppt/slides/slide17.xml><?xml version="1.0" encoding="utf-8"?>
+<p:sld xmlns:a="http://schemas.openxmlformats.org/drawingml/2006/main" xmlns:r="http://schemas.openxmlformats.org/officeDocument/2006/relationships" xmlns:p="http://schemas.openxmlformats.org/presentationml/2006/main">
+  <p:cSld>
+    <p:spTree>
+      <p:nvGrpSpPr>
+        <p:cNvPr id="1" name=""/>
+        <p:cNvGrpSpPr/>
+        <p:nvPr/>
+      </p:nvGrpSpPr>
+      <p:grpSpPr/>
+      <p:pic>
+        <p:nvPicPr>
+          <p:cNvPr id="15" name="图片 14"/>
+          <p:cNvPicPr>
+            <a:picLocks noChangeAspect="1"/>
+          </p:cNvPicPr>
+          <p:nvPr/>
+        </p:nvPicPr>
+        <p:blipFill>
+          <a:blip r:embed="rId1"/>
+          <a:stretch>
+            <a:fillRect/>
+          </a:stretch>
+        </p:blipFill>
+        <p:spPr>
+          <a:xfrm>
+            <a:off x="2394585" y="1140460"/>
+            <a:ext cx="4501515" cy="5280025"/>
+          </a:xfrm>
+          <a:prstGeom prst="rect">
+            <a:avLst/>
+          </a:prstGeom>
+        </p:spPr>
+      </p:pic>
+      <p:sp>
+        <p:nvSpPr>
+          <p:cNvPr id="11" name="文本框 10"/>
+          <p:cNvSpPr txBox="1"/>
+          <p:nvPr/>
+        </p:nvSpPr>
+        <p:spPr>
+          <a:xfrm>
+            <a:off x="8890" y="6350"/>
+            <a:ext cx="4561840" cy="3230245"/>
+          </a:xfrm>
+          <a:prstGeom prst="rect">
+            <a:avLst/>
+          </a:prstGeom>
+          <a:noFill/>
+        </p:spPr>
+        <p:txBody>
+          <a:bodyPr wrap="none" rtlCol="0">
+            <a:spAutoFit/>
+          </a:bodyPr>
+          <a:p>
+            <a:r>
+              <a:rPr lang="en-US" altLang="zh-CN" sz="5400">
+                <a:latin typeface="Comic Sans MS" panose="030F0702030302020204" charset="0"/>
+              </a:rPr>
+              <a:t>Register Page</a:t>
+            </a:r>
+            <a:endParaRPr lang="en-US" altLang="zh-CN" sz="5400">
+              <a:latin typeface="Comic Sans MS" panose="030F0702030302020204" charset="0"/>
+            </a:endParaRPr>
+          </a:p>
+          <a:p>
+            <a:endParaRPr lang="en-US" altLang="zh-CN" sz="5400">
+              <a:latin typeface="Comic Sans MS" panose="030F0702030302020204" charset="0"/>
+            </a:endParaRPr>
+          </a:p>
+          <a:p>
+            <a:r>
+              <a:rPr lang="en-US" altLang="zh-CN" sz="2400">
+                <a:latin typeface="Comic Sans MS" panose="030F0702030302020204" charset="0"/>
+              </a:rPr>
+              <a:t>just dialog</a:t>
+            </a:r>
+            <a:endParaRPr lang="en-US" altLang="zh-CN" sz="2400">
+              <a:latin typeface="Comic Sans MS" panose="030F0702030302020204" charset="0"/>
+            </a:endParaRPr>
+          </a:p>
+          <a:p>
+            <a:r>
+              <a:rPr lang="en-US" altLang="zh-CN" sz="2400">
+                <a:latin typeface="Comic Sans MS" panose="030F0702030302020204" charset="0"/>
+              </a:rPr>
+              <a:t>login &amp;&amp; register</a:t>
+            </a:r>
+            <a:endParaRPr lang="en-US" altLang="zh-CN" sz="2400">
+              <a:latin typeface="Comic Sans MS" panose="030F0702030302020204" charset="0"/>
+            </a:endParaRPr>
+          </a:p>
+          <a:p>
+            <a:r>
+              <a:rPr lang="en-US" altLang="zh-CN" sz="2400">
+                <a:latin typeface="Comic Sans MS" panose="030F0702030302020204" charset="0"/>
+              </a:rPr>
+              <a:t>flex</a:t>
+            </a:r>
+            <a:endParaRPr lang="en-US" altLang="zh-CN" sz="2400">
+              <a:latin typeface="Comic Sans MS" panose="030F0702030302020204" charset="0"/>
+            </a:endParaRPr>
+          </a:p>
+          <a:p>
+            <a:r>
+              <a:rPr lang="en-US" altLang="zh-CN" sz="2400">
+                <a:latin typeface="Comic Sans MS" panose="030F0702030302020204" charset="0"/>
+              </a:rPr>
+              <a:t>px2rem</a:t>
+            </a:r>
+            <a:endParaRPr lang="en-US" altLang="zh-CN" sz="2400">
+              <a:latin typeface="Comic Sans MS" panose="030F0702030302020204" charset="0"/>
+            </a:endParaRPr>
+          </a:p>
+        </p:txBody>
+      </p:sp>
+      <p:sp>
+        <p:nvSpPr>
+          <p:cNvPr id="4" name="矩形 3"/>
+          <p:cNvSpPr/>
+          <p:nvPr/>
+        </p:nvSpPr>
+        <p:spPr>
+          <a:xfrm>
+            <a:off x="2788285" y="1565275"/>
+            <a:ext cx="3714115" cy="4430395"/>
+          </a:xfrm>
+          <a:prstGeom prst="rect">
+            <a:avLst/>
+          </a:prstGeom>
+          <a:solidFill>
+            <a:schemeClr val="bg1"/>
+          </a:solidFill>
+          <a:ln w="31750"/>
+        </p:spPr>
+        <p:style>
+          <a:lnRef idx="2">
+            <a:schemeClr val="accent1">
+              <a:shade val="50000"/>
+            </a:schemeClr>
+          </a:lnRef>
+          <a:fillRef idx="1">
+            <a:schemeClr val="accent1"/>
+          </a:fillRef>
+          <a:effectRef idx="0">
+            <a:schemeClr val="accent1"/>
+          </a:effectRef>
+          <a:fontRef idx="minor">
+            <a:schemeClr val="lt1"/>
+          </a:fontRef>
+        </p:style>
+        <p:txBody>
+          <a:bodyPr rtlCol="0" anchor="ctr"/>
+          <a:p>
+            <a:pPr algn="ctr"/>
+            <a:endParaRPr lang="zh-CN" altLang="en-US"/>
+          </a:p>
+        </p:txBody>
+      </p:sp>
+      <p:sp>
+        <p:nvSpPr>
+          <p:cNvPr id="14" name="文本框 13"/>
+          <p:cNvSpPr txBox="1"/>
+          <p:nvPr/>
+        </p:nvSpPr>
+        <p:spPr>
+          <a:xfrm>
+            <a:off x="7242175" y="2098040"/>
+            <a:ext cx="2329180" cy="706755"/>
+          </a:xfrm>
+          <a:prstGeom prst="rect">
+            <a:avLst/>
+          </a:prstGeom>
+          <a:noFill/>
+        </p:spPr>
+        <p:txBody>
+          <a:bodyPr wrap="none" rtlCol="0" anchor="t">
+            <a:spAutoFit/>
+          </a:bodyPr>
+          <a:p>
+            <a:r>
+              <a:rPr lang="en-US" altLang="zh-CN" sz="4000">
+                <a:latin typeface="Comic Sans MS" panose="030F0702030302020204" charset="0"/>
+                <a:sym typeface="+mn-ea"/>
+              </a:rPr>
+              <a:t>Welcome</a:t>
+            </a:r>
+            <a:endParaRPr lang="en-US" altLang="zh-CN" sz="4000">
+              <a:latin typeface="Comic Sans MS" panose="030F0702030302020204" charset="0"/>
+              <a:sym typeface="+mn-ea"/>
+            </a:endParaRPr>
+          </a:p>
+        </p:txBody>
+      </p:sp>
+      <p:sp>
+        <p:nvSpPr>
+          <p:cNvPr id="16" name="文本框 15"/>
+          <p:cNvSpPr txBox="1"/>
+          <p:nvPr/>
+        </p:nvSpPr>
+        <p:spPr>
+          <a:xfrm>
+            <a:off x="8185150" y="3396615"/>
+            <a:ext cx="2621280" cy="768350"/>
+          </a:xfrm>
+          <a:prstGeom prst="rect">
+            <a:avLst/>
+          </a:prstGeom>
+          <a:noFill/>
+        </p:spPr>
+        <p:txBody>
+          <a:bodyPr wrap="none" rtlCol="0">
+            <a:spAutoFit/>
+          </a:bodyPr>
+          <a:p>
+            <a:r>
+              <a:rPr lang="en-US" altLang="zh-CN" sz="4400" b="1"/>
+              <a:t>WELCOME</a:t>
+            </a:r>
+            <a:endParaRPr lang="en-US" altLang="zh-CN" sz="4400" b="1"/>
+          </a:p>
+        </p:txBody>
+      </p:sp>
+    </p:spTree>
+  </p:cSld>
+  <p:clrMapOvr>
+    <a:masterClrMapping/>
+  </p:clrMapOvr>
+</p:sld>
+</file>
+
+<file path=ppt/slides/slide18.xml><?xml version="1.0" encoding="utf-8"?>
+<p:sld xmlns:a="http://schemas.openxmlformats.org/drawingml/2006/main" xmlns:r="http://schemas.openxmlformats.org/officeDocument/2006/relationships" xmlns:p="http://schemas.openxmlformats.org/presentationml/2006/main">
+  <p:cSld>
+    <p:spTree>
+      <p:nvGrpSpPr>
+        <p:cNvPr id="1" name=""/>
+        <p:cNvGrpSpPr/>
+        <p:nvPr/>
+      </p:nvGrpSpPr>
+      <p:grpSpPr/>
+      <p:sp>
+        <p:nvSpPr>
+          <p:cNvPr id="11" name="文本框 10"/>
+          <p:cNvSpPr txBox="1"/>
+          <p:nvPr/>
+        </p:nvSpPr>
+        <p:spPr>
+          <a:xfrm>
+            <a:off x="8890" y="6350"/>
+            <a:ext cx="4561840" cy="3230245"/>
+          </a:xfrm>
+          <a:prstGeom prst="rect">
+            <a:avLst/>
+          </a:prstGeom>
+          <a:noFill/>
+        </p:spPr>
+        <p:txBody>
+          <a:bodyPr wrap="none" rtlCol="0">
+            <a:spAutoFit/>
+          </a:bodyPr>
+          <a:p>
+            <a:r>
+              <a:rPr lang="en-US" altLang="zh-CN" sz="5400">
+                <a:latin typeface="Comic Sans MS" panose="030F0702030302020204" charset="0"/>
+              </a:rPr>
+              <a:t>Register Page</a:t>
+            </a:r>
+            <a:endParaRPr lang="en-US" altLang="zh-CN" sz="5400">
+              <a:latin typeface="Comic Sans MS" panose="030F0702030302020204" charset="0"/>
+            </a:endParaRPr>
+          </a:p>
+          <a:p>
+            <a:endParaRPr lang="en-US" altLang="zh-CN" sz="5400">
+              <a:latin typeface="Comic Sans MS" panose="030F0702030302020204" charset="0"/>
+            </a:endParaRPr>
+          </a:p>
+          <a:p>
+            <a:r>
+              <a:rPr lang="en-US" altLang="zh-CN" sz="2400">
+                <a:latin typeface="Comic Sans MS" panose="030F0702030302020204" charset="0"/>
+              </a:rPr>
+              <a:t>just dialog</a:t>
+            </a:r>
+            <a:endParaRPr lang="en-US" altLang="zh-CN" sz="2400">
+              <a:latin typeface="Comic Sans MS" panose="030F0702030302020204" charset="0"/>
+            </a:endParaRPr>
+          </a:p>
+          <a:p>
+            <a:r>
+              <a:rPr lang="en-US" altLang="zh-CN" sz="2400">
+                <a:latin typeface="Comic Sans MS" panose="030F0702030302020204" charset="0"/>
+              </a:rPr>
+              <a:t>login &amp;&amp; register</a:t>
+            </a:r>
+            <a:endParaRPr lang="en-US" altLang="zh-CN" sz="2400">
+              <a:latin typeface="Comic Sans MS" panose="030F0702030302020204" charset="0"/>
+            </a:endParaRPr>
+          </a:p>
+          <a:p>
+            <a:r>
+              <a:rPr lang="en-US" altLang="zh-CN" sz="2400">
+                <a:latin typeface="Comic Sans MS" panose="030F0702030302020204" charset="0"/>
+              </a:rPr>
+              <a:t>flex</a:t>
+            </a:r>
+            <a:endParaRPr lang="en-US" altLang="zh-CN" sz="2400">
+              <a:latin typeface="Comic Sans MS" panose="030F0702030302020204" charset="0"/>
+            </a:endParaRPr>
+          </a:p>
+          <a:p>
+            <a:r>
+              <a:rPr lang="en-US" altLang="zh-CN" sz="2400">
+                <a:latin typeface="Comic Sans MS" panose="030F0702030302020204" charset="0"/>
+              </a:rPr>
+              <a:t>px2rem</a:t>
+            </a:r>
+            <a:endParaRPr lang="en-US" altLang="zh-CN" sz="2400">
+              <a:latin typeface="Comic Sans MS" panose="030F0702030302020204" charset="0"/>
+            </a:endParaRPr>
+          </a:p>
+        </p:txBody>
+      </p:sp>
+      <p:sp>
+        <p:nvSpPr>
+          <p:cNvPr id="2" name="文本框 1"/>
+          <p:cNvSpPr txBox="1"/>
+          <p:nvPr/>
+        </p:nvSpPr>
+        <p:spPr>
+          <a:xfrm>
+            <a:off x="4429760" y="2575560"/>
+            <a:ext cx="2621280" cy="768350"/>
+          </a:xfrm>
+          <a:prstGeom prst="rect">
+            <a:avLst/>
+          </a:prstGeom>
+          <a:noFill/>
+        </p:spPr>
+        <p:txBody>
+          <a:bodyPr wrap="none" rtlCol="0">
+            <a:spAutoFit/>
+          </a:bodyPr>
+          <a:p>
+            <a:r>
+              <a:rPr lang="en-US" altLang="zh-CN" sz="4400" b="1"/>
+              <a:t>WELCOME</a:t>
+            </a:r>
+            <a:endParaRPr lang="en-US" altLang="zh-CN" sz="4400" b="1"/>
+          </a:p>
+        </p:txBody>
+      </p:sp>
+    </p:spTree>
+  </p:cSld>
+  <p:clrMapOvr>
+    <a:masterClrMapping/>
+  </p:clrMapOvr>
+</p:sld>
+</file>
+
+<file path=ppt/slides/slide19.xml><?xml version="1.0" encoding="utf-8"?>
+<p:sld xmlns:a="http://schemas.openxmlformats.org/drawingml/2006/main" xmlns:r="http://schemas.openxmlformats.org/officeDocument/2006/relationships" xmlns:p="http://schemas.openxmlformats.org/presentationml/2006/main">
+  <p:cSld>
+    <p:spTree>
+      <p:nvGrpSpPr>
+        <p:cNvPr id="1" name=""/>
+        <p:cNvGrpSpPr/>
+        <p:nvPr/>
+      </p:nvGrpSpPr>
+      <p:grpSpPr/>
+      <p:pic>
+        <p:nvPicPr>
+          <p:cNvPr id="12" name="图片 11"/>
+          <p:cNvPicPr>
+            <a:picLocks noChangeAspect="1"/>
+          </p:cNvPicPr>
+          <p:nvPr/>
+        </p:nvPicPr>
+        <p:blipFill>
+          <a:blip r:embed="rId1"/>
+          <a:stretch>
+            <a:fillRect/>
+          </a:stretch>
+        </p:blipFill>
+        <p:spPr>
+          <a:xfrm>
+            <a:off x="6076950" y="2089150"/>
+            <a:ext cx="5038090" cy="4514215"/>
+          </a:xfrm>
+          <a:prstGeom prst="rect">
+            <a:avLst/>
+          </a:prstGeom>
+        </p:spPr>
+      </p:pic>
+      <p:sp>
+        <p:nvSpPr>
+          <p:cNvPr id="11" name="文本框 10"/>
+          <p:cNvSpPr txBox="1"/>
+          <p:nvPr/>
+        </p:nvSpPr>
+        <p:spPr>
+          <a:xfrm>
+            <a:off x="8890" y="6350"/>
+            <a:ext cx="4561840" cy="922020"/>
+          </a:xfrm>
+          <a:prstGeom prst="rect">
+            <a:avLst/>
+          </a:prstGeom>
+          <a:noFill/>
+        </p:spPr>
+        <p:txBody>
+          <a:bodyPr wrap="none" rtlCol="0">
+            <a:spAutoFit/>
+          </a:bodyPr>
+          <a:p>
+            <a:r>
+              <a:rPr lang="en-US" altLang="zh-CN" sz="5400">
+                <a:latin typeface="Comic Sans MS" panose="030F0702030302020204" charset="0"/>
+              </a:rPr>
+              <a:t>Register Page</a:t>
+            </a:r>
+            <a:endParaRPr lang="en-US" altLang="zh-CN" sz="5400">
+              <a:latin typeface="Comic Sans MS" panose="030F0702030302020204" charset="0"/>
+            </a:endParaRPr>
+          </a:p>
+        </p:txBody>
+      </p:sp>
+      <p:pic>
+        <p:nvPicPr>
+          <p:cNvPr id="5" name="图片 4"/>
+          <p:cNvPicPr>
+            <a:picLocks noChangeAspect="1"/>
+          </p:cNvPicPr>
+          <p:nvPr/>
+        </p:nvPicPr>
+        <p:blipFill>
+          <a:blip r:embed="rId2"/>
+          <a:stretch>
+            <a:fillRect/>
+          </a:stretch>
+        </p:blipFill>
+        <p:spPr>
+          <a:xfrm>
+            <a:off x="8890" y="2809240"/>
+            <a:ext cx="3323590" cy="4009390"/>
+          </a:xfrm>
+          <a:prstGeom prst="rect">
+            <a:avLst/>
+          </a:prstGeom>
+        </p:spPr>
+      </p:pic>
+      <p:pic>
+        <p:nvPicPr>
+          <p:cNvPr id="8" name="图片 7"/>
+          <p:cNvPicPr>
+            <a:picLocks noChangeAspect="1"/>
+          </p:cNvPicPr>
+          <p:nvPr/>
+        </p:nvPicPr>
+        <p:blipFill>
+          <a:blip r:embed="rId3"/>
+          <a:stretch>
+            <a:fillRect/>
+          </a:stretch>
+        </p:blipFill>
+        <p:spPr>
+          <a:xfrm>
+            <a:off x="1811655" y="1521460"/>
+            <a:ext cx="3104515" cy="4104640"/>
+          </a:xfrm>
+          <a:prstGeom prst="rect">
+            <a:avLst/>
+          </a:prstGeom>
+        </p:spPr>
+      </p:pic>
+      <p:pic>
+        <p:nvPicPr>
+          <p:cNvPr id="9" name="图片 8"/>
+          <p:cNvPicPr>
+            <a:picLocks noChangeAspect="1"/>
+          </p:cNvPicPr>
+          <p:nvPr/>
+        </p:nvPicPr>
+        <p:blipFill>
+          <a:blip r:embed="rId4"/>
+          <a:stretch>
+            <a:fillRect/>
+          </a:stretch>
+        </p:blipFill>
+        <p:spPr>
+          <a:xfrm>
+            <a:off x="2820670" y="1192530"/>
+            <a:ext cx="3152140" cy="4114165"/>
+          </a:xfrm>
+          <a:prstGeom prst="rect">
+            <a:avLst/>
+          </a:prstGeom>
+        </p:spPr>
+      </p:pic>
+      <p:pic>
+        <p:nvPicPr>
+          <p:cNvPr id="10" name="图片 9"/>
+          <p:cNvPicPr>
+            <a:picLocks noChangeAspect="1"/>
+          </p:cNvPicPr>
+          <p:nvPr/>
+        </p:nvPicPr>
+        <p:blipFill>
+          <a:blip r:embed="rId5"/>
+          <a:stretch>
+            <a:fillRect/>
+          </a:stretch>
+        </p:blipFill>
+        <p:spPr>
+          <a:xfrm>
+            <a:off x="3481705" y="1143000"/>
+            <a:ext cx="5228590" cy="4571365"/>
+          </a:xfrm>
+          <a:prstGeom prst="rect">
+            <a:avLst/>
+          </a:prstGeom>
+        </p:spPr>
+      </p:pic>
+      <p:pic>
+        <p:nvPicPr>
+          <p:cNvPr id="14" name="图片 13"/>
+          <p:cNvPicPr>
+            <a:picLocks noChangeAspect="1"/>
+          </p:cNvPicPr>
+          <p:nvPr/>
+        </p:nvPicPr>
+        <p:blipFill>
+          <a:blip r:embed="rId6"/>
+          <a:stretch>
+            <a:fillRect/>
+          </a:stretch>
+        </p:blipFill>
+        <p:spPr>
+          <a:xfrm>
+            <a:off x="5972810" y="1624330"/>
+            <a:ext cx="5847715" cy="5095240"/>
+          </a:xfrm>
+          <a:prstGeom prst="rect">
+            <a:avLst/>
+          </a:prstGeom>
+        </p:spPr>
+      </p:pic>
+      <p:pic>
+        <p:nvPicPr>
+          <p:cNvPr id="13" name="图片 12"/>
+          <p:cNvPicPr>
+            <a:picLocks noChangeAspect="1"/>
+          </p:cNvPicPr>
+          <p:nvPr/>
+        </p:nvPicPr>
+        <p:blipFill>
+          <a:blip r:embed="rId7"/>
+          <a:stretch>
+            <a:fillRect/>
+          </a:stretch>
+        </p:blipFill>
+        <p:spPr>
+          <a:xfrm>
+            <a:off x="5697855" y="280670"/>
+            <a:ext cx="5295265" cy="6295390"/>
+          </a:xfrm>
+          <a:prstGeom prst="rect">
+            <a:avLst/>
+          </a:prstGeom>
+        </p:spPr>
+      </p:pic>
+    </p:spTree>
+  </p:cSld>
+  <p:clrMapOvr>
+    <a:masterClrMapping/>
+  </p:clrMapOvr>
+</p:sld>
+</file>
+
 <file path=ppt/slides/slide2.xml><?xml version="1.0" encoding="utf-8"?>
 <p:sld xmlns:a="http://schemas.openxmlformats.org/drawingml/2006/main" xmlns:r="http://schemas.openxmlformats.org/officeDocument/2006/relationships" xmlns:p="http://schemas.openxmlformats.org/presentationml/2006/main">
   <p:cSld>

--- a/界面设计.pptx
+++ b/界面设计.pptx
@@ -19,48 +19,51 @@
     <p:sldId id="288" r:id="rId14"/>
     <p:sldId id="261" r:id="rId15"/>
     <p:sldId id="262" r:id="rId16"/>
-    <p:sldId id="263" r:id="rId17"/>
-    <p:sldId id="265" r:id="rId18"/>
-    <p:sldId id="294" r:id="rId19"/>
-    <p:sldId id="295" r:id="rId20"/>
-    <p:sldId id="293" r:id="rId21"/>
+    <p:sldId id="299" r:id="rId17"/>
+    <p:sldId id="297" r:id="rId18"/>
+    <p:sldId id="298" r:id="rId19"/>
+    <p:sldId id="263" r:id="rId20"/>
+    <p:sldId id="265" r:id="rId21"/>
+    <p:sldId id="294" r:id="rId22"/>
+    <p:sldId id="295" r:id="rId23"/>
+    <p:sldId id="293" r:id="rId24"/>
   </p:sldIdLst>
   <p:sldSz cx="12192000" cy="6858000"/>
   <p:notesSz cx="6858000" cy="9144000"/>
   <p:embeddedFontLst>
     <p:embeddedFont>
       <p:font typeface="Aharoni" panose="02010803020104030203" charset="0"/>
-      <p:bold r:id="rId25"/>
+      <p:bold r:id="rId28"/>
     </p:embeddedFont>
     <p:embeddedFont>
       <p:font typeface="方正隶变_GBK" panose="02000000000000000000" charset="-122"/>
-      <p:regular r:id="rId26"/>
+      <p:regular r:id="rId29"/>
     </p:embeddedFont>
     <p:embeddedFont>
       <p:font typeface="Comic Sans MS" panose="030F0702030302020204" charset="0"/>
-      <p:regular r:id="rId27"/>
-      <p:bold r:id="rId28"/>
-    </p:embeddedFont>
-    <p:embeddedFont>
-      <p:font typeface="Gabriola" panose="04040605051002020D02" charset="0"/>
-      <p:regular r:id="rId29"/>
-    </p:embeddedFont>
-    <p:embeddedFont>
-      <p:font typeface="Segoe Print" panose="02000600000000000000" charset="0"/>
       <p:regular r:id="rId30"/>
       <p:bold r:id="rId31"/>
     </p:embeddedFont>
     <p:embeddedFont>
+      <p:font typeface="Gabriola" panose="04040605051002020D02" charset="0"/>
+      <p:regular r:id="rId32"/>
+    </p:embeddedFont>
+    <p:embeddedFont>
+      <p:font typeface="Segoe Print" panose="02000600000000000000" charset="0"/>
+      <p:regular r:id="rId33"/>
+      <p:bold r:id="rId34"/>
+    </p:embeddedFont>
+    <p:embeddedFont>
       <p:font typeface="Mangal" panose="02040503050203030202" charset="0"/>
-      <p:regular r:id="rId32"/>
-      <p:bold r:id="rId33"/>
+      <p:regular r:id="rId35"/>
+      <p:bold r:id="rId36"/>
     </p:embeddedFont>
     <p:embeddedFont>
       <p:font typeface="Calibri" panose="020F0502020204030204" charset="0"/>
-      <p:regular r:id="rId34"/>
-      <p:bold r:id="rId35"/>
-      <p:italic r:id="rId36"/>
-      <p:boldItalic r:id="rId37"/>
+      <p:regular r:id="rId37"/>
+      <p:bold r:id="rId38"/>
+      <p:italic r:id="rId39"/>
+      <p:boldItalic r:id="rId40"/>
     </p:embeddedFont>
   </p:embeddedFontLst>
   <p:defaultTextStyle>
@@ -4838,39 +4841,6 @@
       <p:grpSpPr/>
       <p:sp>
         <p:nvSpPr>
-          <p:cNvPr id="11" name="文本框 10"/>
-          <p:cNvSpPr txBox="1"/>
-          <p:nvPr/>
-        </p:nvSpPr>
-        <p:spPr>
-          <a:xfrm>
-            <a:off x="8890" y="6350"/>
-            <a:ext cx="6091555" cy="922020"/>
-          </a:xfrm>
-          <a:prstGeom prst="rect">
-            <a:avLst/>
-          </a:prstGeom>
-          <a:noFill/>
-        </p:spPr>
-        <p:txBody>
-          <a:bodyPr wrap="none" rtlCol="0">
-            <a:spAutoFit/>
-          </a:bodyPr>
-          <a:p>
-            <a:r>
-              <a:rPr lang="en-US" altLang="zh-CN" sz="5400">
-                <a:latin typeface="Comic Sans MS" panose="030F0702030302020204" charset="0"/>
-              </a:rPr>
-              <a:t>RequestShow Page</a:t>
-            </a:r>
-            <a:endParaRPr lang="en-US" altLang="zh-CN" sz="5400">
-              <a:latin typeface="Comic Sans MS" panose="030F0702030302020204" charset="0"/>
-            </a:endParaRPr>
-          </a:p>
-        </p:txBody>
-      </p:sp>
-      <p:sp>
-        <p:nvSpPr>
           <p:cNvPr id="2" name="矩形 1"/>
           <p:cNvSpPr/>
           <p:nvPr/>
@@ -5037,6 +5007,47 @@
       </p:sp>
       <p:sp>
         <p:nvSpPr>
+          <p:cNvPr id="9" name="矩形 8"/>
+          <p:cNvSpPr/>
+          <p:nvPr/>
+        </p:nvSpPr>
+        <p:spPr>
+          <a:xfrm>
+            <a:off x="6597650" y="2030095"/>
+            <a:ext cx="5383530" cy="782320"/>
+          </a:xfrm>
+          <a:prstGeom prst="rect">
+            <a:avLst/>
+          </a:prstGeom>
+          <a:noFill/>
+          <a:ln w="31750"/>
+        </p:spPr>
+        <p:style>
+          <a:lnRef idx="2">
+            <a:schemeClr val="accent1">
+              <a:shade val="50000"/>
+            </a:schemeClr>
+          </a:lnRef>
+          <a:fillRef idx="1">
+            <a:schemeClr val="accent1"/>
+          </a:fillRef>
+          <a:effectRef idx="0">
+            <a:schemeClr val="accent1"/>
+          </a:effectRef>
+          <a:fontRef idx="minor">
+            <a:schemeClr val="lt1"/>
+          </a:fontRef>
+        </p:style>
+        <p:txBody>
+          <a:bodyPr rtlCol="0" anchor="ctr"/>
+          <a:p>
+            <a:pPr algn="ctr"/>
+            <a:endParaRPr lang="zh-CN" altLang="en-US"/>
+          </a:p>
+        </p:txBody>
+      </p:sp>
+      <p:sp>
+        <p:nvSpPr>
           <p:cNvPr id="21" name="文本框 20"/>
           <p:cNvSpPr txBox="1"/>
           <p:nvPr/>
@@ -5066,14 +5077,55 @@
       </p:sp>
       <p:sp>
         <p:nvSpPr>
+          <p:cNvPr id="5" name="矩形 4"/>
+          <p:cNvSpPr/>
+          <p:nvPr/>
+        </p:nvSpPr>
+        <p:spPr>
+          <a:xfrm>
+            <a:off x="6597015" y="2812415"/>
+            <a:ext cx="5384165" cy="3803015"/>
+          </a:xfrm>
+          <a:prstGeom prst="rect">
+            <a:avLst/>
+          </a:prstGeom>
+          <a:noFill/>
+          <a:ln w="31750"/>
+        </p:spPr>
+        <p:style>
+          <a:lnRef idx="2">
+            <a:schemeClr val="accent1">
+              <a:shade val="50000"/>
+            </a:schemeClr>
+          </a:lnRef>
+          <a:fillRef idx="1">
+            <a:schemeClr val="accent1"/>
+          </a:fillRef>
+          <a:effectRef idx="0">
+            <a:schemeClr val="accent1"/>
+          </a:effectRef>
+          <a:fontRef idx="minor">
+            <a:schemeClr val="lt1"/>
+          </a:fontRef>
+        </p:style>
+        <p:txBody>
+          <a:bodyPr rtlCol="0" anchor="ctr"/>
+          <a:p>
+            <a:pPr algn="ctr"/>
+            <a:endParaRPr lang="zh-CN" altLang="en-US"/>
+          </a:p>
+        </p:txBody>
+      </p:sp>
+      <p:sp>
+        <p:nvSpPr>
           <p:cNvPr id="6" name="文本框 5"/>
           <p:cNvSpPr txBox="1"/>
           <p:nvPr/>
         </p:nvSpPr>
         <p:spPr>
           <a:xfrm>
-            <a:off x="8470265" y="3244850"/>
-            <a:ext cx="1489710" cy="368300"/>
+            <a:off x="7282180" y="2237105"/>
+            <a:ext cx="1638935" cy="368300"/>
           </a:xfrm>
           <a:prstGeom prst="rect">
             <a:avLst/>
@@ -5087,12 +5139,158 @@
           <a:p>
             <a:r>
               <a:rPr lang="en-US" altLang="zh-CN" b="1"/>
-              <a:t>Params Detail</a:t>
+              <a:t>Interface Detail</a:t>
             </a:r>
             <a:endParaRPr lang="en-US" altLang="zh-CN" b="1"/>
           </a:p>
         </p:txBody>
       </p:sp>
+      <p:sp>
+        <p:nvSpPr>
+          <p:cNvPr id="10" name="文本框 9"/>
+          <p:cNvSpPr txBox="1"/>
+          <p:nvPr/>
+        </p:nvSpPr>
+        <p:spPr>
+          <a:xfrm>
+            <a:off x="8391525" y="4530090"/>
+            <a:ext cx="1796415" cy="368300"/>
+          </a:xfrm>
+          <a:prstGeom prst="rect">
+            <a:avLst/>
+          </a:prstGeom>
+          <a:noFill/>
+        </p:spPr>
+        <p:txBody>
+          <a:bodyPr wrap="none" rtlCol="0">
+            <a:spAutoFit/>
+          </a:bodyPr>
+          <a:p>
+            <a:r>
+              <a:rPr lang="en-US" altLang="zh-CN" b="1"/>
+              <a:t>response records</a:t>
+            </a:r>
+            <a:endParaRPr lang="en-US" altLang="zh-CN" b="1"/>
+          </a:p>
+        </p:txBody>
+      </p:sp>
+      <p:sp>
+        <p:nvSpPr>
+          <p:cNvPr id="12" name="文本框 11"/>
+          <p:cNvSpPr txBox="1"/>
+          <p:nvPr/>
+        </p:nvSpPr>
+        <p:spPr>
+          <a:xfrm>
+            <a:off x="8890" y="6350"/>
+            <a:ext cx="3761105" cy="922020"/>
+          </a:xfrm>
+          <a:prstGeom prst="rect">
+            <a:avLst/>
+          </a:prstGeom>
+          <a:noFill/>
+        </p:spPr>
+        <p:txBody>
+          <a:bodyPr wrap="none" rtlCol="0">
+            <a:spAutoFit/>
+          </a:bodyPr>
+          <a:p>
+            <a:r>
+              <a:rPr lang="en-US" altLang="zh-CN" sz="5400">
+                <a:latin typeface="Comic Sans MS" panose="030F0702030302020204" charset="0"/>
+              </a:rPr>
+              <a:t>Detail Page</a:t>
+            </a:r>
+            <a:endParaRPr lang="en-US" altLang="zh-CN" sz="5400">
+              <a:latin typeface="Comic Sans MS" panose="030F0702030302020204" charset="0"/>
+            </a:endParaRPr>
+          </a:p>
+        </p:txBody>
+      </p:sp>
+      <p:grpSp>
+        <p:nvGrpSpPr>
+          <p:cNvPr id="17" name="组合 16"/>
+          <p:cNvGrpSpPr/>
+          <p:nvPr/>
+        </p:nvGrpSpPr>
+        <p:grpSpPr>
+          <a:xfrm>
+            <a:off x="9598660" y="2030095"/>
+            <a:ext cx="2383155" cy="686435"/>
+            <a:chOff x="6165" y="8047"/>
+            <a:chExt cx="3739" cy="1977"/>
+          </a:xfrm>
+        </p:grpSpPr>
+        <p:sp>
+          <p:nvSpPr>
+            <p:cNvPr id="13" name="圆角矩形 12"/>
+            <p:cNvSpPr/>
+            <p:nvPr/>
+          </p:nvSpPr>
+          <p:spPr>
+            <a:xfrm>
+              <a:off x="6165" y="8047"/>
+              <a:ext cx="3739" cy="1977"/>
+            </a:xfrm>
+            <a:prstGeom prst="roundRect">
+              <a:avLst/>
+            </a:prstGeom>
+            <a:noFill/>
+          </p:spPr>
+          <p:style>
+            <a:lnRef idx="2">
+              <a:schemeClr val="accent1">
+                <a:shade val="50000"/>
+              </a:schemeClr>
+            </a:lnRef>
+            <a:fillRef idx="1">
+              <a:schemeClr val="accent1"/>
+            </a:fillRef>
+            <a:effectRef idx="0">
+              <a:schemeClr val="accent1"/>
+            </a:effectRef>
+            <a:fontRef idx="minor">
+              <a:schemeClr val="lt1"/>
+            </a:fontRef>
+          </p:style>
+          <p:txBody>
+            <a:bodyPr rtlCol="0" anchor="ctr"/>
+            <a:p>
+              <a:pPr algn="ctr"/>
+              <a:endParaRPr lang="zh-CN" altLang="en-US"/>
+            </a:p>
+          </p:txBody>
+        </p:sp>
+        <p:sp>
+          <p:nvSpPr>
+            <p:cNvPr id="16" name="文本框 15"/>
+            <p:cNvSpPr txBox="1"/>
+            <p:nvPr/>
+          </p:nvSpPr>
+          <p:spPr>
+            <a:xfrm>
+              <a:off x="6826" y="8745"/>
+              <a:ext cx="2580" cy="1061"/>
+            </a:xfrm>
+            <a:prstGeom prst="rect">
+              <a:avLst/>
+            </a:prstGeom>
+            <a:noFill/>
+          </p:spPr>
+          <p:txBody>
+            <a:bodyPr wrap="square" rtlCol="0">
+              <a:spAutoFit/>
+            </a:bodyPr>
+            <a:p>
+              <a:r>
+                <a:rPr lang="en-US" altLang="zh-CN" b="1"/>
+                <a:t>Operation Area</a:t>
+              </a:r>
+              <a:endParaRPr lang="en-US" altLang="zh-CN" b="1"/>
+            </a:p>
+          </p:txBody>
+        </p:sp>
+      </p:grpSp>
     </p:spTree>
   </p:cSld>
   <p:clrMapOvr>
@@ -5102,6 +5300,668 @@
 </file>
 
 <file path=ppt/slides/slide16.xml><?xml version="1.0" encoding="utf-8"?>
+<p:sld xmlns:a="http://schemas.openxmlformats.org/drawingml/2006/main" xmlns:r="http://schemas.openxmlformats.org/officeDocument/2006/relationships" xmlns:p="http://schemas.openxmlformats.org/presentationml/2006/main">
+  <p:cSld>
+    <p:spTree>
+      <p:nvGrpSpPr>
+        <p:cNvPr id="1" name=""/>
+        <p:cNvGrpSpPr/>
+        <p:nvPr/>
+      </p:nvGrpSpPr>
+      <p:grpSpPr/>
+      <p:sp>
+        <p:nvSpPr>
+          <p:cNvPr id="11" name="文本框 10"/>
+          <p:cNvSpPr txBox="1"/>
+          <p:nvPr/>
+        </p:nvSpPr>
+        <p:spPr>
+          <a:xfrm>
+            <a:off x="8890" y="6350"/>
+            <a:ext cx="3761105" cy="922020"/>
+          </a:xfrm>
+          <a:prstGeom prst="rect">
+            <a:avLst/>
+          </a:prstGeom>
+          <a:noFill/>
+        </p:spPr>
+        <p:txBody>
+          <a:bodyPr wrap="none" rtlCol="0">
+            <a:spAutoFit/>
+          </a:bodyPr>
+          <a:p>
+            <a:r>
+              <a:rPr lang="en-US" altLang="zh-CN" sz="5400">
+                <a:latin typeface="Comic Sans MS" panose="030F0702030302020204" charset="0"/>
+              </a:rPr>
+              <a:t>Detail Page</a:t>
+            </a:r>
+            <a:endParaRPr lang="en-US" altLang="zh-CN" sz="5400">
+              <a:latin typeface="Comic Sans MS" panose="030F0702030302020204" charset="0"/>
+            </a:endParaRPr>
+          </a:p>
+        </p:txBody>
+      </p:sp>
+      <p:sp>
+        <p:nvSpPr>
+          <p:cNvPr id="2" name="矩形 1"/>
+          <p:cNvSpPr/>
+          <p:nvPr/>
+        </p:nvSpPr>
+        <p:spPr>
+          <a:xfrm>
+            <a:off x="3618865" y="1192530"/>
+            <a:ext cx="8547100" cy="5626100"/>
+          </a:xfrm>
+          <a:prstGeom prst="rect">
+            <a:avLst/>
+          </a:prstGeom>
+          <a:solidFill>
+            <a:schemeClr val="bg1"/>
+          </a:solidFill>
+          <a:ln w="38100"/>
+        </p:spPr>
+        <p:style>
+          <a:lnRef idx="2">
+            <a:schemeClr val="accent1">
+              <a:shade val="50000"/>
+            </a:schemeClr>
+          </a:lnRef>
+          <a:fillRef idx="1">
+            <a:schemeClr val="accent1"/>
+          </a:fillRef>
+          <a:effectRef idx="0">
+            <a:schemeClr val="accent1"/>
+          </a:effectRef>
+          <a:fontRef idx="minor">
+            <a:schemeClr val="lt1"/>
+          </a:fontRef>
+        </p:style>
+        <p:txBody>
+          <a:bodyPr rtlCol="0" anchor="ctr"/>
+          <a:p>
+            <a:pPr algn="ctr"/>
+            <a:endParaRPr lang="zh-CN" altLang="en-US"/>
+          </a:p>
+        </p:txBody>
+      </p:sp>
+      <p:sp>
+        <p:nvSpPr>
+          <p:cNvPr id="3" name="矩形 2"/>
+          <p:cNvSpPr/>
+          <p:nvPr/>
+        </p:nvSpPr>
+        <p:spPr>
+          <a:xfrm>
+            <a:off x="3806825" y="2030730"/>
+            <a:ext cx="2590800" cy="2267585"/>
+          </a:xfrm>
+          <a:prstGeom prst="rect">
+            <a:avLst/>
+          </a:prstGeom>
+          <a:noFill/>
+          <a:ln w="31750"/>
+        </p:spPr>
+        <p:style>
+          <a:lnRef idx="2">
+            <a:schemeClr val="accent1">
+              <a:shade val="50000"/>
+            </a:schemeClr>
+          </a:lnRef>
+          <a:fillRef idx="1">
+            <a:schemeClr val="accent1"/>
+          </a:fillRef>
+          <a:effectRef idx="0">
+            <a:schemeClr val="accent1"/>
+          </a:effectRef>
+          <a:fontRef idx="minor">
+            <a:schemeClr val="lt1"/>
+          </a:fontRef>
+        </p:style>
+        <p:txBody>
+          <a:bodyPr rtlCol="0" anchor="ctr"/>
+          <a:p>
+            <a:pPr algn="ctr"/>
+            <a:endParaRPr lang="zh-CN" altLang="en-US"/>
+          </a:p>
+        </p:txBody>
+      </p:sp>
+      <p:sp>
+        <p:nvSpPr>
+          <p:cNvPr id="4" name="矩形 3"/>
+          <p:cNvSpPr/>
+          <p:nvPr/>
+        </p:nvSpPr>
+        <p:spPr>
+          <a:xfrm>
+            <a:off x="6597650" y="2030730"/>
+            <a:ext cx="5384165" cy="4584700"/>
+          </a:xfrm>
+          <a:prstGeom prst="rect">
+            <a:avLst/>
+          </a:prstGeom>
+          <a:noFill/>
+          <a:ln w="31750"/>
+        </p:spPr>
+        <p:style>
+          <a:lnRef idx="2">
+            <a:schemeClr val="accent1">
+              <a:shade val="50000"/>
+            </a:schemeClr>
+          </a:lnRef>
+          <a:fillRef idx="1">
+            <a:schemeClr val="accent1"/>
+          </a:fillRef>
+          <a:effectRef idx="0">
+            <a:schemeClr val="accent1"/>
+          </a:effectRef>
+          <a:fontRef idx="minor">
+            <a:schemeClr val="lt1"/>
+          </a:fontRef>
+        </p:style>
+        <p:txBody>
+          <a:bodyPr rtlCol="0" anchor="ctr"/>
+          <a:p>
+            <a:pPr algn="ctr"/>
+            <a:endParaRPr lang="zh-CN" altLang="en-US"/>
+          </a:p>
+        </p:txBody>
+      </p:sp>
+      <p:sp>
+        <p:nvSpPr>
+          <p:cNvPr id="7" name="矩形 6"/>
+          <p:cNvSpPr/>
+          <p:nvPr/>
+        </p:nvSpPr>
+        <p:spPr>
+          <a:xfrm flipV="1">
+            <a:off x="3620135" y="1191895"/>
+            <a:ext cx="8545830" cy="674370"/>
+          </a:xfrm>
+          <a:prstGeom prst="rect">
+            <a:avLst/>
+          </a:prstGeom>
+          <a:noFill/>
+          <a:ln w="31750"/>
+        </p:spPr>
+        <p:style>
+          <a:lnRef idx="2">
+            <a:schemeClr val="accent1">
+              <a:shade val="50000"/>
+            </a:schemeClr>
+          </a:lnRef>
+          <a:fillRef idx="1">
+            <a:schemeClr val="accent1"/>
+          </a:fillRef>
+          <a:effectRef idx="0">
+            <a:schemeClr val="accent1"/>
+          </a:effectRef>
+          <a:fontRef idx="minor">
+            <a:schemeClr val="lt1"/>
+          </a:fontRef>
+        </p:style>
+        <p:txBody>
+          <a:bodyPr rtlCol="0" anchor="ctr"/>
+          <a:p>
+            <a:pPr algn="ctr"/>
+            <a:endParaRPr lang="zh-CN" altLang="en-US"/>
+          </a:p>
+        </p:txBody>
+      </p:sp>
+      <p:sp>
+        <p:nvSpPr>
+          <p:cNvPr id="21" name="文本框 20"/>
+          <p:cNvSpPr txBox="1"/>
+          <p:nvPr/>
+        </p:nvSpPr>
+        <p:spPr>
+          <a:xfrm>
+            <a:off x="4098925" y="2348230"/>
+            <a:ext cx="1489075" cy="368300"/>
+          </a:xfrm>
+          <a:prstGeom prst="rect">
+            <a:avLst/>
+          </a:prstGeom>
+          <a:noFill/>
+        </p:spPr>
+        <p:txBody>
+          <a:bodyPr wrap="none" rtlCol="0">
+            <a:spAutoFit/>
+          </a:bodyPr>
+          <a:p>
+            <a:r>
+              <a:rPr lang="en-US" altLang="zh-CN" b="1"/>
+              <a:t>Interface Tree</a:t>
+            </a:r>
+            <a:endParaRPr lang="en-US" altLang="zh-CN" b="1"/>
+          </a:p>
+        </p:txBody>
+      </p:sp>
+      <p:sp>
+        <p:nvSpPr>
+          <p:cNvPr id="10" name="文本框 9"/>
+          <p:cNvSpPr txBox="1"/>
+          <p:nvPr/>
+        </p:nvSpPr>
+        <p:spPr>
+          <a:xfrm>
+            <a:off x="8217535" y="3763645"/>
+            <a:ext cx="2292350" cy="368300"/>
+          </a:xfrm>
+          <a:prstGeom prst="rect">
+            <a:avLst/>
+          </a:prstGeom>
+          <a:noFill/>
+        </p:spPr>
+        <p:txBody>
+          <a:bodyPr wrap="none" rtlCol="0">
+            <a:spAutoFit/>
+          </a:bodyPr>
+          <a:p>
+            <a:r>
+              <a:rPr lang="en-US" altLang="zh-CN" b="1"/>
+              <a:t>response records Area</a:t>
+            </a:r>
+            <a:endParaRPr lang="en-US" altLang="zh-CN" b="1"/>
+          </a:p>
+        </p:txBody>
+      </p:sp>
+      <p:sp>
+        <p:nvSpPr>
+          <p:cNvPr id="12" name="矩形 11"/>
+          <p:cNvSpPr/>
+          <p:nvPr/>
+        </p:nvSpPr>
+        <p:spPr>
+          <a:xfrm>
+            <a:off x="3806825" y="4358640"/>
+            <a:ext cx="2590800" cy="2267585"/>
+          </a:xfrm>
+          <a:prstGeom prst="rect">
+            <a:avLst/>
+          </a:prstGeom>
+          <a:noFill/>
+          <a:ln w="31750"/>
+        </p:spPr>
+        <p:style>
+          <a:lnRef idx="2">
+            <a:schemeClr val="accent1">
+              <a:shade val="50000"/>
+            </a:schemeClr>
+          </a:lnRef>
+          <a:fillRef idx="1">
+            <a:schemeClr val="accent1"/>
+          </a:fillRef>
+          <a:effectRef idx="0">
+            <a:schemeClr val="accent1"/>
+          </a:effectRef>
+          <a:fontRef idx="minor">
+            <a:schemeClr val="lt1"/>
+          </a:fontRef>
+        </p:style>
+        <p:txBody>
+          <a:bodyPr rtlCol="0" anchor="ctr"/>
+          <a:p>
+            <a:pPr algn="ctr"/>
+            <a:endParaRPr lang="zh-CN" altLang="en-US"/>
+          </a:p>
+        </p:txBody>
+      </p:sp>
+      <p:sp>
+        <p:nvSpPr>
+          <p:cNvPr id="13" name="文本框 12"/>
+          <p:cNvSpPr txBox="1"/>
+          <p:nvPr/>
+        </p:nvSpPr>
+        <p:spPr>
+          <a:xfrm>
+            <a:off x="4283075" y="5307965"/>
+            <a:ext cx="1638935" cy="368300"/>
+          </a:xfrm>
+          <a:prstGeom prst="rect">
+            <a:avLst/>
+          </a:prstGeom>
+          <a:noFill/>
+        </p:spPr>
+        <p:txBody>
+          <a:bodyPr wrap="none" rtlCol="0">
+            <a:spAutoFit/>
+          </a:bodyPr>
+          <a:p>
+            <a:r>
+              <a:rPr lang="en-US" altLang="zh-CN" b="1"/>
+              <a:t>Interface Detail</a:t>
+            </a:r>
+            <a:endParaRPr lang="en-US" altLang="zh-CN" b="1"/>
+          </a:p>
+        </p:txBody>
+      </p:sp>
+    </p:spTree>
+  </p:cSld>
+  <p:clrMapOvr>
+    <a:masterClrMapping/>
+  </p:clrMapOvr>
+</p:sld>
+</file>
+
+<file path=ppt/slides/slide17.xml><?xml version="1.0" encoding="utf-8"?>
+<p:sld xmlns:a="http://schemas.openxmlformats.org/drawingml/2006/main" xmlns:r="http://schemas.openxmlformats.org/officeDocument/2006/relationships" xmlns:p="http://schemas.openxmlformats.org/presentationml/2006/main">
+  <p:cSld>
+    <p:spTree>
+      <p:nvGrpSpPr>
+        <p:cNvPr id="1" name=""/>
+        <p:cNvGrpSpPr/>
+        <p:nvPr/>
+      </p:nvGrpSpPr>
+      <p:grpSpPr/>
+      <p:pic>
+        <p:nvPicPr>
+          <p:cNvPr id="15" name="图片 14"/>
+          <p:cNvPicPr>
+            <a:picLocks noChangeAspect="1"/>
+          </p:cNvPicPr>
+          <p:nvPr/>
+        </p:nvPicPr>
+        <p:blipFill>
+          <a:blip r:embed="rId1"/>
+          <a:stretch>
+            <a:fillRect/>
+          </a:stretch>
+        </p:blipFill>
+        <p:spPr>
+          <a:xfrm>
+            <a:off x="35560" y="32385"/>
+            <a:ext cx="8915400" cy="6174740"/>
+          </a:xfrm>
+          <a:prstGeom prst="rect">
+            <a:avLst/>
+          </a:prstGeom>
+        </p:spPr>
+      </p:pic>
+    </p:spTree>
+  </p:cSld>
+  <p:clrMapOvr>
+    <a:masterClrMapping/>
+  </p:clrMapOvr>
+</p:sld>
+</file>
+
+<file path=ppt/slides/slide18.xml><?xml version="1.0" encoding="utf-8"?>
+<p:sld xmlns:a="http://schemas.openxmlformats.org/drawingml/2006/main" xmlns:r="http://schemas.openxmlformats.org/officeDocument/2006/relationships" xmlns:p="http://schemas.openxmlformats.org/presentationml/2006/main">
+  <p:cSld>
+    <p:spTree>
+      <p:nvGrpSpPr>
+        <p:cNvPr id="1" name=""/>
+        <p:cNvGrpSpPr/>
+        <p:nvPr/>
+      </p:nvGrpSpPr>
+      <p:grpSpPr/>
+      <p:sp>
+        <p:nvSpPr>
+          <p:cNvPr id="11" name="文本框 10"/>
+          <p:cNvSpPr txBox="1"/>
+          <p:nvPr/>
+        </p:nvSpPr>
+        <p:spPr>
+          <a:xfrm>
+            <a:off x="8890" y="6350"/>
+            <a:ext cx="6091555" cy="922020"/>
+          </a:xfrm>
+          <a:prstGeom prst="rect">
+            <a:avLst/>
+          </a:prstGeom>
+          <a:noFill/>
+        </p:spPr>
+        <p:txBody>
+          <a:bodyPr wrap="none" rtlCol="0">
+            <a:spAutoFit/>
+          </a:bodyPr>
+          <a:p>
+            <a:r>
+              <a:rPr lang="en-US" altLang="zh-CN" sz="5400">
+                <a:latin typeface="Comic Sans MS" panose="030F0702030302020204" charset="0"/>
+              </a:rPr>
+              <a:t>RequestShow Page</a:t>
+            </a:r>
+            <a:endParaRPr lang="en-US" altLang="zh-CN" sz="5400">
+              <a:latin typeface="Comic Sans MS" panose="030F0702030302020204" charset="0"/>
+            </a:endParaRPr>
+          </a:p>
+        </p:txBody>
+      </p:sp>
+      <p:sp>
+        <p:nvSpPr>
+          <p:cNvPr id="2" name="矩形 1"/>
+          <p:cNvSpPr/>
+          <p:nvPr/>
+        </p:nvSpPr>
+        <p:spPr>
+          <a:xfrm>
+            <a:off x="3618865" y="1192530"/>
+            <a:ext cx="8547100" cy="5626100"/>
+          </a:xfrm>
+          <a:prstGeom prst="rect">
+            <a:avLst/>
+          </a:prstGeom>
+          <a:solidFill>
+            <a:schemeClr val="bg1"/>
+          </a:solidFill>
+          <a:ln w="38100"/>
+        </p:spPr>
+        <p:style>
+          <a:lnRef idx="2">
+            <a:schemeClr val="accent1">
+              <a:shade val="50000"/>
+            </a:schemeClr>
+          </a:lnRef>
+          <a:fillRef idx="1">
+            <a:schemeClr val="accent1"/>
+          </a:fillRef>
+          <a:effectRef idx="0">
+            <a:schemeClr val="accent1"/>
+          </a:effectRef>
+          <a:fontRef idx="minor">
+            <a:schemeClr val="lt1"/>
+          </a:fontRef>
+        </p:style>
+        <p:txBody>
+          <a:bodyPr rtlCol="0" anchor="ctr"/>
+          <a:p>
+            <a:pPr algn="ctr"/>
+            <a:endParaRPr lang="zh-CN" altLang="en-US"/>
+          </a:p>
+        </p:txBody>
+      </p:sp>
+      <p:sp>
+        <p:nvSpPr>
+          <p:cNvPr id="3" name="矩形 2"/>
+          <p:cNvSpPr/>
+          <p:nvPr/>
+        </p:nvSpPr>
+        <p:spPr>
+          <a:xfrm>
+            <a:off x="3806825" y="2030730"/>
+            <a:ext cx="2590800" cy="4584700"/>
+          </a:xfrm>
+          <a:prstGeom prst="rect">
+            <a:avLst/>
+          </a:prstGeom>
+          <a:noFill/>
+          <a:ln w="31750"/>
+        </p:spPr>
+        <p:style>
+          <a:lnRef idx="2">
+            <a:schemeClr val="accent1">
+              <a:shade val="50000"/>
+            </a:schemeClr>
+          </a:lnRef>
+          <a:fillRef idx="1">
+            <a:schemeClr val="accent1"/>
+          </a:fillRef>
+          <a:effectRef idx="0">
+            <a:schemeClr val="accent1"/>
+          </a:effectRef>
+          <a:fontRef idx="minor">
+            <a:schemeClr val="lt1"/>
+          </a:fontRef>
+        </p:style>
+        <p:txBody>
+          <a:bodyPr rtlCol="0" anchor="ctr"/>
+          <a:p>
+            <a:pPr algn="ctr"/>
+            <a:endParaRPr lang="zh-CN" altLang="en-US"/>
+          </a:p>
+        </p:txBody>
+      </p:sp>
+      <p:sp>
+        <p:nvSpPr>
+          <p:cNvPr id="4" name="矩形 3"/>
+          <p:cNvSpPr/>
+          <p:nvPr/>
+        </p:nvSpPr>
+        <p:spPr>
+          <a:xfrm>
+            <a:off x="6597650" y="2030730"/>
+            <a:ext cx="5384165" cy="4584700"/>
+          </a:xfrm>
+          <a:prstGeom prst="rect">
+            <a:avLst/>
+          </a:prstGeom>
+          <a:noFill/>
+          <a:ln w="31750"/>
+        </p:spPr>
+        <p:style>
+          <a:lnRef idx="2">
+            <a:schemeClr val="accent1">
+              <a:shade val="50000"/>
+            </a:schemeClr>
+          </a:lnRef>
+          <a:fillRef idx="1">
+            <a:schemeClr val="accent1"/>
+          </a:fillRef>
+          <a:effectRef idx="0">
+            <a:schemeClr val="accent1"/>
+          </a:effectRef>
+          <a:fontRef idx="minor">
+            <a:schemeClr val="lt1"/>
+          </a:fontRef>
+        </p:style>
+        <p:txBody>
+          <a:bodyPr rtlCol="0" anchor="ctr"/>
+          <a:p>
+            <a:pPr algn="ctr"/>
+            <a:endParaRPr lang="zh-CN" altLang="en-US"/>
+          </a:p>
+        </p:txBody>
+      </p:sp>
+      <p:sp>
+        <p:nvSpPr>
+          <p:cNvPr id="7" name="矩形 6"/>
+          <p:cNvSpPr/>
+          <p:nvPr/>
+        </p:nvSpPr>
+        <p:spPr>
+          <a:xfrm flipV="1">
+            <a:off x="3620135" y="1191895"/>
+            <a:ext cx="8545830" cy="674370"/>
+          </a:xfrm>
+          <a:prstGeom prst="rect">
+            <a:avLst/>
+          </a:prstGeom>
+          <a:noFill/>
+          <a:ln w="31750"/>
+        </p:spPr>
+        <p:style>
+          <a:lnRef idx="2">
+            <a:schemeClr val="accent1">
+              <a:shade val="50000"/>
+            </a:schemeClr>
+          </a:lnRef>
+          <a:fillRef idx="1">
+            <a:schemeClr val="accent1"/>
+          </a:fillRef>
+          <a:effectRef idx="0">
+            <a:schemeClr val="accent1"/>
+          </a:effectRef>
+          <a:fontRef idx="minor">
+            <a:schemeClr val="lt1"/>
+          </a:fontRef>
+        </p:style>
+        <p:txBody>
+          <a:bodyPr rtlCol="0" anchor="ctr"/>
+          <a:p>
+            <a:pPr algn="ctr"/>
+            <a:endParaRPr lang="zh-CN" altLang="en-US"/>
+          </a:p>
+        </p:txBody>
+      </p:sp>
+      <p:sp>
+        <p:nvSpPr>
+          <p:cNvPr id="21" name="文本框 20"/>
+          <p:cNvSpPr txBox="1"/>
+          <p:nvPr/>
+        </p:nvSpPr>
+        <p:spPr>
+          <a:xfrm>
+            <a:off x="4098925" y="2348230"/>
+            <a:ext cx="1489075" cy="368300"/>
+          </a:xfrm>
+          <a:prstGeom prst="rect">
+            <a:avLst/>
+          </a:prstGeom>
+          <a:noFill/>
+        </p:spPr>
+        <p:txBody>
+          <a:bodyPr wrap="none" rtlCol="0">
+            <a:spAutoFit/>
+          </a:bodyPr>
+          <a:p>
+            <a:r>
+              <a:rPr lang="en-US" altLang="zh-CN" b="1"/>
+              <a:t>Interface Tree</a:t>
+            </a:r>
+            <a:endParaRPr lang="en-US" altLang="zh-CN" b="1"/>
+          </a:p>
+        </p:txBody>
+      </p:sp>
+      <p:sp>
+        <p:nvSpPr>
+          <p:cNvPr id="6" name="文本框 5"/>
+          <p:cNvSpPr txBox="1"/>
+          <p:nvPr/>
+        </p:nvSpPr>
+        <p:spPr>
+          <a:xfrm>
+            <a:off x="8470265" y="3244850"/>
+            <a:ext cx="1489710" cy="368300"/>
+          </a:xfrm>
+          <a:prstGeom prst="rect">
+            <a:avLst/>
+          </a:prstGeom>
+          <a:noFill/>
+        </p:spPr>
+        <p:txBody>
+          <a:bodyPr wrap="none" rtlCol="0">
+            <a:spAutoFit/>
+          </a:bodyPr>
+          <a:p>
+            <a:r>
+              <a:rPr lang="en-US" altLang="zh-CN" b="1"/>
+              <a:t>Params Detail</a:t>
+            </a:r>
+            <a:endParaRPr lang="en-US" altLang="zh-CN" b="1"/>
+          </a:p>
+        </p:txBody>
+      </p:sp>
+    </p:spTree>
+  </p:cSld>
+  <p:clrMapOvr>
+    <a:masterClrMapping/>
+  </p:clrMapOvr>
+</p:sld>
+</file>
+
+<file path=ppt/slides/slide19.xml><?xml version="1.0" encoding="utf-8"?>
 <p:sld xmlns:a="http://schemas.openxmlformats.org/drawingml/2006/main" xmlns:r="http://schemas.openxmlformats.org/officeDocument/2006/relationships" xmlns:p="http://schemas.openxmlformats.org/presentationml/2006/main">
   <p:cSld>
     <p:spTree>
@@ -5462,585 +6322,6 @@
 </p:sld>
 </file>
 
-<file path=ppt/slides/slide17.xml><?xml version="1.0" encoding="utf-8"?>
-<p:sld xmlns:a="http://schemas.openxmlformats.org/drawingml/2006/main" xmlns:r="http://schemas.openxmlformats.org/officeDocument/2006/relationships" xmlns:p="http://schemas.openxmlformats.org/presentationml/2006/main">
-  <p:cSld>
-    <p:spTree>
-      <p:nvGrpSpPr>
-        <p:cNvPr id="1" name=""/>
-        <p:cNvGrpSpPr/>
-        <p:nvPr/>
-      </p:nvGrpSpPr>
-      <p:grpSpPr/>
-      <p:pic>
-        <p:nvPicPr>
-          <p:cNvPr id="15" name="图片 14"/>
-          <p:cNvPicPr>
-            <a:picLocks noChangeAspect="1"/>
-          </p:cNvPicPr>
-          <p:nvPr/>
-        </p:nvPicPr>
-        <p:blipFill>
-          <a:blip r:embed="rId1"/>
-          <a:stretch>
-            <a:fillRect/>
-          </a:stretch>
-        </p:blipFill>
-        <p:spPr>
-          <a:xfrm>
-            <a:off x="2394585" y="1140460"/>
-            <a:ext cx="4501515" cy="5280025"/>
-          </a:xfrm>
-          <a:prstGeom prst="rect">
-            <a:avLst/>
-          </a:prstGeom>
-        </p:spPr>
-      </p:pic>
-      <p:sp>
-        <p:nvSpPr>
-          <p:cNvPr id="11" name="文本框 10"/>
-          <p:cNvSpPr txBox="1"/>
-          <p:nvPr/>
-        </p:nvSpPr>
-        <p:spPr>
-          <a:xfrm>
-            <a:off x="8890" y="6350"/>
-            <a:ext cx="4561840" cy="3230245"/>
-          </a:xfrm>
-          <a:prstGeom prst="rect">
-            <a:avLst/>
-          </a:prstGeom>
-          <a:noFill/>
-        </p:spPr>
-        <p:txBody>
-          <a:bodyPr wrap="none" rtlCol="0">
-            <a:spAutoFit/>
-          </a:bodyPr>
-          <a:p>
-            <a:r>
-              <a:rPr lang="en-US" altLang="zh-CN" sz="5400">
-                <a:latin typeface="Comic Sans MS" panose="030F0702030302020204" charset="0"/>
-              </a:rPr>
-              <a:t>Register Page</a:t>
-            </a:r>
-            <a:endParaRPr lang="en-US" altLang="zh-CN" sz="5400">
-              <a:latin typeface="Comic Sans MS" panose="030F0702030302020204" charset="0"/>
-            </a:endParaRPr>
-          </a:p>
-          <a:p>
-            <a:endParaRPr lang="en-US" altLang="zh-CN" sz="5400">
-              <a:latin typeface="Comic Sans MS" panose="030F0702030302020204" charset="0"/>
-            </a:endParaRPr>
-          </a:p>
-          <a:p>
-            <a:r>
-              <a:rPr lang="en-US" altLang="zh-CN" sz="2400">
-                <a:latin typeface="Comic Sans MS" panose="030F0702030302020204" charset="0"/>
-              </a:rPr>
-              <a:t>just dialog</a:t>
-            </a:r>
-            <a:endParaRPr lang="en-US" altLang="zh-CN" sz="2400">
-              <a:latin typeface="Comic Sans MS" panose="030F0702030302020204" charset="0"/>
-            </a:endParaRPr>
-          </a:p>
-          <a:p>
-            <a:r>
-              <a:rPr lang="en-US" altLang="zh-CN" sz="2400">
-                <a:latin typeface="Comic Sans MS" panose="030F0702030302020204" charset="0"/>
-              </a:rPr>
-              <a:t>login &amp;&amp; register</a:t>
-            </a:r>
-            <a:endParaRPr lang="en-US" altLang="zh-CN" sz="2400">
-              <a:latin typeface="Comic Sans MS" panose="030F0702030302020204" charset="0"/>
-            </a:endParaRPr>
-          </a:p>
-          <a:p>
-            <a:r>
-              <a:rPr lang="en-US" altLang="zh-CN" sz="2400">
-                <a:latin typeface="Comic Sans MS" panose="030F0702030302020204" charset="0"/>
-              </a:rPr>
-              <a:t>flex</a:t>
-            </a:r>
-            <a:endParaRPr lang="en-US" altLang="zh-CN" sz="2400">
-              <a:latin typeface="Comic Sans MS" panose="030F0702030302020204" charset="0"/>
-            </a:endParaRPr>
-          </a:p>
-          <a:p>
-            <a:r>
-              <a:rPr lang="en-US" altLang="zh-CN" sz="2400">
-                <a:latin typeface="Comic Sans MS" panose="030F0702030302020204" charset="0"/>
-              </a:rPr>
-              <a:t>px2rem</a:t>
-            </a:r>
-            <a:endParaRPr lang="en-US" altLang="zh-CN" sz="2400">
-              <a:latin typeface="Comic Sans MS" panose="030F0702030302020204" charset="0"/>
-            </a:endParaRPr>
-          </a:p>
-        </p:txBody>
-      </p:sp>
-      <p:sp>
-        <p:nvSpPr>
-          <p:cNvPr id="4" name="矩形 3"/>
-          <p:cNvSpPr/>
-          <p:nvPr/>
-        </p:nvSpPr>
-        <p:spPr>
-          <a:xfrm>
-            <a:off x="2788285" y="1565275"/>
-            <a:ext cx="3714115" cy="4430395"/>
-          </a:xfrm>
-          <a:prstGeom prst="rect">
-            <a:avLst/>
-          </a:prstGeom>
-          <a:solidFill>
-            <a:schemeClr val="bg1"/>
-          </a:solidFill>
-          <a:ln w="31750"/>
-        </p:spPr>
-        <p:style>
-          <a:lnRef idx="2">
-            <a:schemeClr val="accent1">
-              <a:shade val="50000"/>
-            </a:schemeClr>
-          </a:lnRef>
-          <a:fillRef idx="1">
-            <a:schemeClr val="accent1"/>
-          </a:fillRef>
-          <a:effectRef idx="0">
-            <a:schemeClr val="accent1"/>
-          </a:effectRef>
-          <a:fontRef idx="minor">
-            <a:schemeClr val="lt1"/>
-          </a:fontRef>
-        </p:style>
-        <p:txBody>
-          <a:bodyPr rtlCol="0" anchor="ctr"/>
-          <a:p>
-            <a:pPr algn="ctr"/>
-            <a:endParaRPr lang="zh-CN" altLang="en-US"/>
-          </a:p>
-        </p:txBody>
-      </p:sp>
-      <p:sp>
-        <p:nvSpPr>
-          <p:cNvPr id="14" name="文本框 13"/>
-          <p:cNvSpPr txBox="1"/>
-          <p:nvPr/>
-        </p:nvSpPr>
-        <p:spPr>
-          <a:xfrm>
-            <a:off x="7242175" y="2098040"/>
-            <a:ext cx="2329180" cy="706755"/>
-          </a:xfrm>
-          <a:prstGeom prst="rect">
-            <a:avLst/>
-          </a:prstGeom>
-          <a:noFill/>
-        </p:spPr>
-        <p:txBody>
-          <a:bodyPr wrap="none" rtlCol="0" anchor="t">
-            <a:spAutoFit/>
-          </a:bodyPr>
-          <a:p>
-            <a:r>
-              <a:rPr lang="en-US" altLang="zh-CN" sz="4000">
-                <a:latin typeface="Comic Sans MS" panose="030F0702030302020204" charset="0"/>
-                <a:sym typeface="+mn-ea"/>
-              </a:rPr>
-              <a:t>Welcome</a:t>
-            </a:r>
-            <a:endParaRPr lang="en-US" altLang="zh-CN" sz="4000">
-              <a:latin typeface="Comic Sans MS" panose="030F0702030302020204" charset="0"/>
-              <a:sym typeface="+mn-ea"/>
-            </a:endParaRPr>
-          </a:p>
-        </p:txBody>
-      </p:sp>
-      <p:sp>
-        <p:nvSpPr>
-          <p:cNvPr id="16" name="文本框 15"/>
-          <p:cNvSpPr txBox="1"/>
-          <p:nvPr/>
-        </p:nvSpPr>
-        <p:spPr>
-          <a:xfrm>
-            <a:off x="8185150" y="3396615"/>
-            <a:ext cx="2621280" cy="768350"/>
-          </a:xfrm>
-          <a:prstGeom prst="rect">
-            <a:avLst/>
-          </a:prstGeom>
-          <a:noFill/>
-        </p:spPr>
-        <p:txBody>
-          <a:bodyPr wrap="none" rtlCol="0">
-            <a:spAutoFit/>
-          </a:bodyPr>
-          <a:p>
-            <a:r>
-              <a:rPr lang="en-US" altLang="zh-CN" sz="4400" b="1"/>
-              <a:t>WELCOME</a:t>
-            </a:r>
-            <a:endParaRPr lang="en-US" altLang="zh-CN" sz="4400" b="1"/>
-          </a:p>
-        </p:txBody>
-      </p:sp>
-    </p:spTree>
-  </p:cSld>
-  <p:clrMapOvr>
-    <a:masterClrMapping/>
-  </p:clrMapOvr>
-</p:sld>
-</file>
-
-<file path=ppt/slides/slide18.xml><?xml version="1.0" encoding="utf-8"?>
-<p:sld xmlns:a="http://schemas.openxmlformats.org/drawingml/2006/main" xmlns:r="http://schemas.openxmlformats.org/officeDocument/2006/relationships" xmlns:p="http://schemas.openxmlformats.org/presentationml/2006/main">
-  <p:cSld>
-    <p:spTree>
-      <p:nvGrpSpPr>
-        <p:cNvPr id="1" name=""/>
-        <p:cNvGrpSpPr/>
-        <p:nvPr/>
-      </p:nvGrpSpPr>
-      <p:grpSpPr/>
-      <p:sp>
-        <p:nvSpPr>
-          <p:cNvPr id="11" name="文本框 10"/>
-          <p:cNvSpPr txBox="1"/>
-          <p:nvPr/>
-        </p:nvSpPr>
-        <p:spPr>
-          <a:xfrm>
-            <a:off x="8890" y="6350"/>
-            <a:ext cx="4561840" cy="3230245"/>
-          </a:xfrm>
-          <a:prstGeom prst="rect">
-            <a:avLst/>
-          </a:prstGeom>
-          <a:noFill/>
-        </p:spPr>
-        <p:txBody>
-          <a:bodyPr wrap="none" rtlCol="0">
-            <a:spAutoFit/>
-          </a:bodyPr>
-          <a:p>
-            <a:r>
-              <a:rPr lang="en-US" altLang="zh-CN" sz="5400">
-                <a:latin typeface="Comic Sans MS" panose="030F0702030302020204" charset="0"/>
-              </a:rPr>
-              <a:t>Register Page</a:t>
-            </a:r>
-            <a:endParaRPr lang="en-US" altLang="zh-CN" sz="5400">
-              <a:latin typeface="Comic Sans MS" panose="030F0702030302020204" charset="0"/>
-            </a:endParaRPr>
-          </a:p>
-          <a:p>
-            <a:endParaRPr lang="en-US" altLang="zh-CN" sz="5400">
-              <a:latin typeface="Comic Sans MS" panose="030F0702030302020204" charset="0"/>
-            </a:endParaRPr>
-          </a:p>
-          <a:p>
-            <a:r>
-              <a:rPr lang="en-US" altLang="zh-CN" sz="2400">
-                <a:latin typeface="Comic Sans MS" panose="030F0702030302020204" charset="0"/>
-              </a:rPr>
-              <a:t>just dialog</a:t>
-            </a:r>
-            <a:endParaRPr lang="en-US" altLang="zh-CN" sz="2400">
-              <a:latin typeface="Comic Sans MS" panose="030F0702030302020204" charset="0"/>
-            </a:endParaRPr>
-          </a:p>
-          <a:p>
-            <a:r>
-              <a:rPr lang="en-US" altLang="zh-CN" sz="2400">
-                <a:latin typeface="Comic Sans MS" panose="030F0702030302020204" charset="0"/>
-              </a:rPr>
-              <a:t>login &amp;&amp; register</a:t>
-            </a:r>
-            <a:endParaRPr lang="en-US" altLang="zh-CN" sz="2400">
-              <a:latin typeface="Comic Sans MS" panose="030F0702030302020204" charset="0"/>
-            </a:endParaRPr>
-          </a:p>
-          <a:p>
-            <a:r>
-              <a:rPr lang="en-US" altLang="zh-CN" sz="2400">
-                <a:latin typeface="Comic Sans MS" panose="030F0702030302020204" charset="0"/>
-              </a:rPr>
-              <a:t>flex</a:t>
-            </a:r>
-            <a:endParaRPr lang="en-US" altLang="zh-CN" sz="2400">
-              <a:latin typeface="Comic Sans MS" panose="030F0702030302020204" charset="0"/>
-            </a:endParaRPr>
-          </a:p>
-          <a:p>
-            <a:r>
-              <a:rPr lang="en-US" altLang="zh-CN" sz="2400">
-                <a:latin typeface="Comic Sans MS" panose="030F0702030302020204" charset="0"/>
-              </a:rPr>
-              <a:t>px2rem</a:t>
-            </a:r>
-            <a:endParaRPr lang="en-US" altLang="zh-CN" sz="2400">
-              <a:latin typeface="Comic Sans MS" panose="030F0702030302020204" charset="0"/>
-            </a:endParaRPr>
-          </a:p>
-        </p:txBody>
-      </p:sp>
-      <p:sp>
-        <p:nvSpPr>
-          <p:cNvPr id="2" name="文本框 1"/>
-          <p:cNvSpPr txBox="1"/>
-          <p:nvPr/>
-        </p:nvSpPr>
-        <p:spPr>
-          <a:xfrm>
-            <a:off x="4429760" y="2575560"/>
-            <a:ext cx="2621280" cy="768350"/>
-          </a:xfrm>
-          <a:prstGeom prst="rect">
-            <a:avLst/>
-          </a:prstGeom>
-          <a:noFill/>
-        </p:spPr>
-        <p:txBody>
-          <a:bodyPr wrap="none" rtlCol="0">
-            <a:spAutoFit/>
-          </a:bodyPr>
-          <a:p>
-            <a:r>
-              <a:rPr lang="en-US" altLang="zh-CN" sz="4400" b="1"/>
-              <a:t>WELCOME</a:t>
-            </a:r>
-            <a:endParaRPr lang="en-US" altLang="zh-CN" sz="4400" b="1"/>
-          </a:p>
-        </p:txBody>
-      </p:sp>
-    </p:spTree>
-  </p:cSld>
-  <p:clrMapOvr>
-    <a:masterClrMapping/>
-  </p:clrMapOvr>
-</p:sld>
-</file>
-
-<file path=ppt/slides/slide19.xml><?xml version="1.0" encoding="utf-8"?>
-<p:sld xmlns:a="http://schemas.openxmlformats.org/drawingml/2006/main" xmlns:r="http://schemas.openxmlformats.org/officeDocument/2006/relationships" xmlns:p="http://schemas.openxmlformats.org/presentationml/2006/main">
-  <p:cSld>
-    <p:spTree>
-      <p:nvGrpSpPr>
-        <p:cNvPr id="1" name=""/>
-        <p:cNvGrpSpPr/>
-        <p:nvPr/>
-      </p:nvGrpSpPr>
-      <p:grpSpPr/>
-      <p:pic>
-        <p:nvPicPr>
-          <p:cNvPr id="12" name="图片 11"/>
-          <p:cNvPicPr>
-            <a:picLocks noChangeAspect="1"/>
-          </p:cNvPicPr>
-          <p:nvPr/>
-        </p:nvPicPr>
-        <p:blipFill>
-          <a:blip r:embed="rId1"/>
-          <a:stretch>
-            <a:fillRect/>
-          </a:stretch>
-        </p:blipFill>
-        <p:spPr>
-          <a:xfrm>
-            <a:off x="6076950" y="2089150"/>
-            <a:ext cx="5038090" cy="4514215"/>
-          </a:xfrm>
-          <a:prstGeom prst="rect">
-            <a:avLst/>
-          </a:prstGeom>
-        </p:spPr>
-      </p:pic>
-      <p:sp>
-        <p:nvSpPr>
-          <p:cNvPr id="11" name="文本框 10"/>
-          <p:cNvSpPr txBox="1"/>
-          <p:nvPr/>
-        </p:nvSpPr>
-        <p:spPr>
-          <a:xfrm>
-            <a:off x="8890" y="6350"/>
-            <a:ext cx="4561840" cy="922020"/>
-          </a:xfrm>
-          <a:prstGeom prst="rect">
-            <a:avLst/>
-          </a:prstGeom>
-          <a:noFill/>
-        </p:spPr>
-        <p:txBody>
-          <a:bodyPr wrap="none" rtlCol="0">
-            <a:spAutoFit/>
-          </a:bodyPr>
-          <a:p>
-            <a:r>
-              <a:rPr lang="en-US" altLang="zh-CN" sz="5400">
-                <a:latin typeface="Comic Sans MS" panose="030F0702030302020204" charset="0"/>
-              </a:rPr>
-              <a:t>Register Page</a:t>
-            </a:r>
-            <a:endParaRPr lang="en-US" altLang="zh-CN" sz="5400">
-              <a:latin typeface="Comic Sans MS" panose="030F0702030302020204" charset="0"/>
-            </a:endParaRPr>
-          </a:p>
-        </p:txBody>
-      </p:sp>
-      <p:pic>
-        <p:nvPicPr>
-          <p:cNvPr id="5" name="图片 4"/>
-          <p:cNvPicPr>
-            <a:picLocks noChangeAspect="1"/>
-          </p:cNvPicPr>
-          <p:nvPr/>
-        </p:nvPicPr>
-        <p:blipFill>
-          <a:blip r:embed="rId2"/>
-          <a:stretch>
-            <a:fillRect/>
-          </a:stretch>
-        </p:blipFill>
-        <p:spPr>
-          <a:xfrm>
-            <a:off x="8890" y="2809240"/>
-            <a:ext cx="3323590" cy="4009390"/>
-          </a:xfrm>
-          <a:prstGeom prst="rect">
-            <a:avLst/>
-          </a:prstGeom>
-        </p:spPr>
-      </p:pic>
-      <p:pic>
-        <p:nvPicPr>
-          <p:cNvPr id="8" name="图片 7"/>
-          <p:cNvPicPr>
-            <a:picLocks noChangeAspect="1"/>
-          </p:cNvPicPr>
-          <p:nvPr/>
-        </p:nvPicPr>
-        <p:blipFill>
-          <a:blip r:embed="rId3"/>
-          <a:stretch>
-            <a:fillRect/>
-          </a:stretch>
-        </p:blipFill>
-        <p:spPr>
-          <a:xfrm>
-            <a:off x="1811655" y="1521460"/>
-            <a:ext cx="3104515" cy="4104640"/>
-          </a:xfrm>
-          <a:prstGeom prst="rect">
-            <a:avLst/>
-          </a:prstGeom>
-        </p:spPr>
-      </p:pic>
-      <p:pic>
-        <p:nvPicPr>
-          <p:cNvPr id="9" name="图片 8"/>
-          <p:cNvPicPr>
-            <a:picLocks noChangeAspect="1"/>
-          </p:cNvPicPr>
-          <p:nvPr/>
-        </p:nvPicPr>
-        <p:blipFill>
-          <a:blip r:embed="rId4"/>
-          <a:stretch>
-            <a:fillRect/>
-          </a:stretch>
-        </p:blipFill>
-        <p:spPr>
-          <a:xfrm>
-            <a:off x="2820670" y="1192530"/>
-            <a:ext cx="3152140" cy="4114165"/>
-          </a:xfrm>
-          <a:prstGeom prst="rect">
-            <a:avLst/>
-          </a:prstGeom>
-        </p:spPr>
-      </p:pic>
-      <p:pic>
-        <p:nvPicPr>
-          <p:cNvPr id="10" name="图片 9"/>
-          <p:cNvPicPr>
-            <a:picLocks noChangeAspect="1"/>
-          </p:cNvPicPr>
-          <p:nvPr/>
-        </p:nvPicPr>
-        <p:blipFill>
-          <a:blip r:embed="rId5"/>
-          <a:stretch>
-            <a:fillRect/>
-          </a:stretch>
-        </p:blipFill>
-        <p:spPr>
-          <a:xfrm>
-            <a:off x="3481705" y="1143000"/>
-            <a:ext cx="5228590" cy="4571365"/>
-          </a:xfrm>
-          <a:prstGeom prst="rect">
-            <a:avLst/>
-          </a:prstGeom>
-        </p:spPr>
-      </p:pic>
-      <p:pic>
-        <p:nvPicPr>
-          <p:cNvPr id="14" name="图片 13"/>
-          <p:cNvPicPr>
-            <a:picLocks noChangeAspect="1"/>
-          </p:cNvPicPr>
-          <p:nvPr/>
-        </p:nvPicPr>
-        <p:blipFill>
-          <a:blip r:embed="rId6"/>
-          <a:stretch>
-            <a:fillRect/>
-          </a:stretch>
-        </p:blipFill>
-        <p:spPr>
-          <a:xfrm>
-            <a:off x="5972810" y="1624330"/>
-            <a:ext cx="5847715" cy="5095240"/>
-          </a:xfrm>
-          <a:prstGeom prst="rect">
-            <a:avLst/>
-          </a:prstGeom>
-        </p:spPr>
-      </p:pic>
-      <p:pic>
-        <p:nvPicPr>
-          <p:cNvPr id="13" name="图片 12"/>
-          <p:cNvPicPr>
-            <a:picLocks noChangeAspect="1"/>
-          </p:cNvPicPr>
-          <p:nvPr/>
-        </p:nvPicPr>
-        <p:blipFill>
-          <a:blip r:embed="rId7"/>
-          <a:stretch>
-            <a:fillRect/>
-          </a:stretch>
-        </p:blipFill>
-        <p:spPr>
-          <a:xfrm>
-            <a:off x="5697855" y="280670"/>
-            <a:ext cx="5295265" cy="6295390"/>
-          </a:xfrm>
-          <a:prstGeom prst="rect">
-            <a:avLst/>
-          </a:prstGeom>
-        </p:spPr>
-      </p:pic>
-    </p:spTree>
-  </p:cSld>
-  <p:clrMapOvr>
-    <a:masterClrMapping/>
-  </p:clrMapOvr>
-</p:sld>
-</file>
-
 <file path=ppt/slides/slide2.xml><?xml version="1.0" encoding="utf-8"?>
 <p:sld xmlns:a="http://schemas.openxmlformats.org/drawingml/2006/main" xmlns:r="http://schemas.openxmlformats.org/officeDocument/2006/relationships" xmlns:p="http://schemas.openxmlformats.org/presentationml/2006/main">
   <p:cSld>
@@ -6162,6 +6443,585 @@
           </p:txBody>
         </p:sp>
       </p:grpSp>
+    </p:spTree>
+  </p:cSld>
+  <p:clrMapOvr>
+    <a:masterClrMapping/>
+  </p:clrMapOvr>
+</p:sld>
+</file>
+
+<file path=ppt/slides/slide20.xml><?xml version="1.0" encoding="utf-8"?>
+<p:sld xmlns:a="http://schemas.openxmlformats.org/drawingml/2006/main" xmlns:r="http://schemas.openxmlformats.org/officeDocument/2006/relationships" xmlns:p="http://schemas.openxmlformats.org/presentationml/2006/main">
+  <p:cSld>
+    <p:spTree>
+      <p:nvGrpSpPr>
+        <p:cNvPr id="1" name=""/>
+        <p:cNvGrpSpPr/>
+        <p:nvPr/>
+      </p:nvGrpSpPr>
+      <p:grpSpPr/>
+      <p:pic>
+        <p:nvPicPr>
+          <p:cNvPr id="15" name="图片 14"/>
+          <p:cNvPicPr>
+            <a:picLocks noChangeAspect="1"/>
+          </p:cNvPicPr>
+          <p:nvPr/>
+        </p:nvPicPr>
+        <p:blipFill>
+          <a:blip r:embed="rId1"/>
+          <a:stretch>
+            <a:fillRect/>
+          </a:stretch>
+        </p:blipFill>
+        <p:spPr>
+          <a:xfrm>
+            <a:off x="2394585" y="1140460"/>
+            <a:ext cx="4501515" cy="5280025"/>
+          </a:xfrm>
+          <a:prstGeom prst="rect">
+            <a:avLst/>
+          </a:prstGeom>
+        </p:spPr>
+      </p:pic>
+      <p:sp>
+        <p:nvSpPr>
+          <p:cNvPr id="11" name="文本框 10"/>
+          <p:cNvSpPr txBox="1"/>
+          <p:nvPr/>
+        </p:nvSpPr>
+        <p:spPr>
+          <a:xfrm>
+            <a:off x="8890" y="6350"/>
+            <a:ext cx="4561840" cy="3230245"/>
+          </a:xfrm>
+          <a:prstGeom prst="rect">
+            <a:avLst/>
+          </a:prstGeom>
+          <a:noFill/>
+        </p:spPr>
+        <p:txBody>
+          <a:bodyPr wrap="none" rtlCol="0">
+            <a:spAutoFit/>
+          </a:bodyPr>
+          <a:p>
+            <a:r>
+              <a:rPr lang="en-US" altLang="zh-CN" sz="5400">
+                <a:latin typeface="Comic Sans MS" panose="030F0702030302020204" charset="0"/>
+              </a:rPr>
+              <a:t>Register Page</a:t>
+            </a:r>
+            <a:endParaRPr lang="en-US" altLang="zh-CN" sz="5400">
+              <a:latin typeface="Comic Sans MS" panose="030F0702030302020204" charset="0"/>
+            </a:endParaRPr>
+          </a:p>
+          <a:p>
+            <a:endParaRPr lang="en-US" altLang="zh-CN" sz="5400">
+              <a:latin typeface="Comic Sans MS" panose="030F0702030302020204" charset="0"/>
+            </a:endParaRPr>
+          </a:p>
+          <a:p>
+            <a:r>
+              <a:rPr lang="en-US" altLang="zh-CN" sz="2400">
+                <a:latin typeface="Comic Sans MS" panose="030F0702030302020204" charset="0"/>
+              </a:rPr>
+              <a:t>just dialog</a:t>
+            </a:r>
+            <a:endParaRPr lang="en-US" altLang="zh-CN" sz="2400">
+              <a:latin typeface="Comic Sans MS" panose="030F0702030302020204" charset="0"/>
+            </a:endParaRPr>
+          </a:p>
+          <a:p>
+            <a:r>
+              <a:rPr lang="en-US" altLang="zh-CN" sz="2400">
+                <a:latin typeface="Comic Sans MS" panose="030F0702030302020204" charset="0"/>
+              </a:rPr>
+              <a:t>login &amp;&amp; register</a:t>
+            </a:r>
+            <a:endParaRPr lang="en-US" altLang="zh-CN" sz="2400">
+              <a:latin typeface="Comic Sans MS" panose="030F0702030302020204" charset="0"/>
+            </a:endParaRPr>
+          </a:p>
+          <a:p>
+            <a:r>
+              <a:rPr lang="en-US" altLang="zh-CN" sz="2400">
+                <a:latin typeface="Comic Sans MS" panose="030F0702030302020204" charset="0"/>
+              </a:rPr>
+              <a:t>flex</a:t>
+            </a:r>
+            <a:endParaRPr lang="en-US" altLang="zh-CN" sz="2400">
+              <a:latin typeface="Comic Sans MS" panose="030F0702030302020204" charset="0"/>
+            </a:endParaRPr>
+          </a:p>
+          <a:p>
+            <a:r>
+              <a:rPr lang="en-US" altLang="zh-CN" sz="2400">
+                <a:latin typeface="Comic Sans MS" panose="030F0702030302020204" charset="0"/>
+              </a:rPr>
+              <a:t>px2rem</a:t>
+            </a:r>
+            <a:endParaRPr lang="en-US" altLang="zh-CN" sz="2400">
+              <a:latin typeface="Comic Sans MS" panose="030F0702030302020204" charset="0"/>
+            </a:endParaRPr>
+          </a:p>
+        </p:txBody>
+      </p:sp>
+      <p:sp>
+        <p:nvSpPr>
+          <p:cNvPr id="4" name="矩形 3"/>
+          <p:cNvSpPr/>
+          <p:nvPr/>
+        </p:nvSpPr>
+        <p:spPr>
+          <a:xfrm>
+            <a:off x="2788285" y="1565275"/>
+            <a:ext cx="3714115" cy="4430395"/>
+          </a:xfrm>
+          <a:prstGeom prst="rect">
+            <a:avLst/>
+          </a:prstGeom>
+          <a:solidFill>
+            <a:schemeClr val="bg1"/>
+          </a:solidFill>
+          <a:ln w="31750"/>
+        </p:spPr>
+        <p:style>
+          <a:lnRef idx="2">
+            <a:schemeClr val="accent1">
+              <a:shade val="50000"/>
+            </a:schemeClr>
+          </a:lnRef>
+          <a:fillRef idx="1">
+            <a:schemeClr val="accent1"/>
+          </a:fillRef>
+          <a:effectRef idx="0">
+            <a:schemeClr val="accent1"/>
+          </a:effectRef>
+          <a:fontRef idx="minor">
+            <a:schemeClr val="lt1"/>
+          </a:fontRef>
+        </p:style>
+        <p:txBody>
+          <a:bodyPr rtlCol="0" anchor="ctr"/>
+          <a:p>
+            <a:pPr algn="ctr"/>
+            <a:endParaRPr lang="zh-CN" altLang="en-US"/>
+          </a:p>
+        </p:txBody>
+      </p:sp>
+      <p:sp>
+        <p:nvSpPr>
+          <p:cNvPr id="14" name="文本框 13"/>
+          <p:cNvSpPr txBox="1"/>
+          <p:nvPr/>
+        </p:nvSpPr>
+        <p:spPr>
+          <a:xfrm>
+            <a:off x="7242175" y="2098040"/>
+            <a:ext cx="2329180" cy="706755"/>
+          </a:xfrm>
+          <a:prstGeom prst="rect">
+            <a:avLst/>
+          </a:prstGeom>
+          <a:noFill/>
+        </p:spPr>
+        <p:txBody>
+          <a:bodyPr wrap="none" rtlCol="0" anchor="t">
+            <a:spAutoFit/>
+          </a:bodyPr>
+          <a:p>
+            <a:r>
+              <a:rPr lang="en-US" altLang="zh-CN" sz="4000">
+                <a:latin typeface="Comic Sans MS" panose="030F0702030302020204" charset="0"/>
+                <a:sym typeface="+mn-ea"/>
+              </a:rPr>
+              <a:t>Welcome</a:t>
+            </a:r>
+            <a:endParaRPr lang="en-US" altLang="zh-CN" sz="4000">
+              <a:latin typeface="Comic Sans MS" panose="030F0702030302020204" charset="0"/>
+              <a:sym typeface="+mn-ea"/>
+            </a:endParaRPr>
+          </a:p>
+        </p:txBody>
+      </p:sp>
+      <p:sp>
+        <p:nvSpPr>
+          <p:cNvPr id="16" name="文本框 15"/>
+          <p:cNvSpPr txBox="1"/>
+          <p:nvPr/>
+        </p:nvSpPr>
+        <p:spPr>
+          <a:xfrm>
+            <a:off x="8185150" y="3396615"/>
+            <a:ext cx="2621280" cy="768350"/>
+          </a:xfrm>
+          <a:prstGeom prst="rect">
+            <a:avLst/>
+          </a:prstGeom>
+          <a:noFill/>
+        </p:spPr>
+        <p:txBody>
+          <a:bodyPr wrap="none" rtlCol="0">
+            <a:spAutoFit/>
+          </a:bodyPr>
+          <a:p>
+            <a:r>
+              <a:rPr lang="en-US" altLang="zh-CN" sz="4400" b="1"/>
+              <a:t>WELCOME</a:t>
+            </a:r>
+            <a:endParaRPr lang="en-US" altLang="zh-CN" sz="4400" b="1"/>
+          </a:p>
+        </p:txBody>
+      </p:sp>
+    </p:spTree>
+  </p:cSld>
+  <p:clrMapOvr>
+    <a:masterClrMapping/>
+  </p:clrMapOvr>
+</p:sld>
+</file>
+
+<file path=ppt/slides/slide21.xml><?xml version="1.0" encoding="utf-8"?>
+<p:sld xmlns:a="http://schemas.openxmlformats.org/drawingml/2006/main" xmlns:r="http://schemas.openxmlformats.org/officeDocument/2006/relationships" xmlns:p="http://schemas.openxmlformats.org/presentationml/2006/main">
+  <p:cSld>
+    <p:spTree>
+      <p:nvGrpSpPr>
+        <p:cNvPr id="1" name=""/>
+        <p:cNvGrpSpPr/>
+        <p:nvPr/>
+      </p:nvGrpSpPr>
+      <p:grpSpPr/>
+      <p:sp>
+        <p:nvSpPr>
+          <p:cNvPr id="11" name="文本框 10"/>
+          <p:cNvSpPr txBox="1"/>
+          <p:nvPr/>
+        </p:nvSpPr>
+        <p:spPr>
+          <a:xfrm>
+            <a:off x="8890" y="6350"/>
+            <a:ext cx="4561840" cy="3230245"/>
+          </a:xfrm>
+          <a:prstGeom prst="rect">
+            <a:avLst/>
+          </a:prstGeom>
+          <a:noFill/>
+        </p:spPr>
+        <p:txBody>
+          <a:bodyPr wrap="none" rtlCol="0">
+            <a:spAutoFit/>
+          </a:bodyPr>
+          <a:p>
+            <a:r>
+              <a:rPr lang="en-US" altLang="zh-CN" sz="5400">
+                <a:latin typeface="Comic Sans MS" panose="030F0702030302020204" charset="0"/>
+              </a:rPr>
+              <a:t>Register Page</a:t>
+            </a:r>
+            <a:endParaRPr lang="en-US" altLang="zh-CN" sz="5400">
+              <a:latin typeface="Comic Sans MS" panose="030F0702030302020204" charset="0"/>
+            </a:endParaRPr>
+          </a:p>
+          <a:p>
+            <a:endParaRPr lang="en-US" altLang="zh-CN" sz="5400">
+              <a:latin typeface="Comic Sans MS" panose="030F0702030302020204" charset="0"/>
+            </a:endParaRPr>
+          </a:p>
+          <a:p>
+            <a:r>
+              <a:rPr lang="en-US" altLang="zh-CN" sz="2400">
+                <a:latin typeface="Comic Sans MS" panose="030F0702030302020204" charset="0"/>
+              </a:rPr>
+              <a:t>just dialog</a:t>
+            </a:r>
+            <a:endParaRPr lang="en-US" altLang="zh-CN" sz="2400">
+              <a:latin typeface="Comic Sans MS" panose="030F0702030302020204" charset="0"/>
+            </a:endParaRPr>
+          </a:p>
+          <a:p>
+            <a:r>
+              <a:rPr lang="en-US" altLang="zh-CN" sz="2400">
+                <a:latin typeface="Comic Sans MS" panose="030F0702030302020204" charset="0"/>
+              </a:rPr>
+              <a:t>login &amp;&amp; register</a:t>
+            </a:r>
+            <a:endParaRPr lang="en-US" altLang="zh-CN" sz="2400">
+              <a:latin typeface="Comic Sans MS" panose="030F0702030302020204" charset="0"/>
+            </a:endParaRPr>
+          </a:p>
+          <a:p>
+            <a:r>
+              <a:rPr lang="en-US" altLang="zh-CN" sz="2400">
+                <a:latin typeface="Comic Sans MS" panose="030F0702030302020204" charset="0"/>
+              </a:rPr>
+              <a:t>flex</a:t>
+            </a:r>
+            <a:endParaRPr lang="en-US" altLang="zh-CN" sz="2400">
+              <a:latin typeface="Comic Sans MS" panose="030F0702030302020204" charset="0"/>
+            </a:endParaRPr>
+          </a:p>
+          <a:p>
+            <a:r>
+              <a:rPr lang="en-US" altLang="zh-CN" sz="2400">
+                <a:latin typeface="Comic Sans MS" panose="030F0702030302020204" charset="0"/>
+              </a:rPr>
+              <a:t>px2rem</a:t>
+            </a:r>
+            <a:endParaRPr lang="en-US" altLang="zh-CN" sz="2400">
+              <a:latin typeface="Comic Sans MS" panose="030F0702030302020204" charset="0"/>
+            </a:endParaRPr>
+          </a:p>
+        </p:txBody>
+      </p:sp>
+      <p:sp>
+        <p:nvSpPr>
+          <p:cNvPr id="2" name="文本框 1"/>
+          <p:cNvSpPr txBox="1"/>
+          <p:nvPr/>
+        </p:nvSpPr>
+        <p:spPr>
+          <a:xfrm>
+            <a:off x="4429760" y="2575560"/>
+            <a:ext cx="2621280" cy="768350"/>
+          </a:xfrm>
+          <a:prstGeom prst="rect">
+            <a:avLst/>
+          </a:prstGeom>
+          <a:noFill/>
+        </p:spPr>
+        <p:txBody>
+          <a:bodyPr wrap="none" rtlCol="0">
+            <a:spAutoFit/>
+          </a:bodyPr>
+          <a:p>
+            <a:r>
+              <a:rPr lang="en-US" altLang="zh-CN" sz="4400" b="1"/>
+              <a:t>WELCOME</a:t>
+            </a:r>
+            <a:endParaRPr lang="en-US" altLang="zh-CN" sz="4400" b="1"/>
+          </a:p>
+        </p:txBody>
+      </p:sp>
+    </p:spTree>
+  </p:cSld>
+  <p:clrMapOvr>
+    <a:masterClrMapping/>
+  </p:clrMapOvr>
+</p:sld>
+</file>
+
+<file path=ppt/slides/slide22.xml><?xml version="1.0" encoding="utf-8"?>
+<p:sld xmlns:a="http://schemas.openxmlformats.org/drawingml/2006/main" xmlns:r="http://schemas.openxmlformats.org/officeDocument/2006/relationships" xmlns:p="http://schemas.openxmlformats.org/presentationml/2006/main">
+  <p:cSld>
+    <p:spTree>
+      <p:nvGrpSpPr>
+        <p:cNvPr id="1" name=""/>
+        <p:cNvGrpSpPr/>
+        <p:nvPr/>
+      </p:nvGrpSpPr>
+      <p:grpSpPr/>
+      <p:pic>
+        <p:nvPicPr>
+          <p:cNvPr id="12" name="图片 11"/>
+          <p:cNvPicPr>
+            <a:picLocks noChangeAspect="1"/>
+          </p:cNvPicPr>
+          <p:nvPr/>
+        </p:nvPicPr>
+        <p:blipFill>
+          <a:blip r:embed="rId1"/>
+          <a:stretch>
+            <a:fillRect/>
+          </a:stretch>
+        </p:blipFill>
+        <p:spPr>
+          <a:xfrm>
+            <a:off x="6076950" y="2089150"/>
+            <a:ext cx="5038090" cy="4514215"/>
+          </a:xfrm>
+          <a:prstGeom prst="rect">
+            <a:avLst/>
+          </a:prstGeom>
+        </p:spPr>
+      </p:pic>
+      <p:sp>
+        <p:nvSpPr>
+          <p:cNvPr id="11" name="文本框 10"/>
+          <p:cNvSpPr txBox="1"/>
+          <p:nvPr/>
+        </p:nvSpPr>
+        <p:spPr>
+          <a:xfrm>
+            <a:off x="8890" y="6350"/>
+            <a:ext cx="4561840" cy="922020"/>
+          </a:xfrm>
+          <a:prstGeom prst="rect">
+            <a:avLst/>
+          </a:prstGeom>
+          <a:noFill/>
+        </p:spPr>
+        <p:txBody>
+          <a:bodyPr wrap="none" rtlCol="0">
+            <a:spAutoFit/>
+          </a:bodyPr>
+          <a:p>
+            <a:r>
+              <a:rPr lang="en-US" altLang="zh-CN" sz="5400">
+                <a:latin typeface="Comic Sans MS" panose="030F0702030302020204" charset="0"/>
+              </a:rPr>
+              <a:t>Register Page</a:t>
+            </a:r>
+            <a:endParaRPr lang="en-US" altLang="zh-CN" sz="5400">
+              <a:latin typeface="Comic Sans MS" panose="030F0702030302020204" charset="0"/>
+            </a:endParaRPr>
+          </a:p>
+        </p:txBody>
+      </p:sp>
+      <p:pic>
+        <p:nvPicPr>
+          <p:cNvPr id="5" name="图片 4"/>
+          <p:cNvPicPr>
+            <a:picLocks noChangeAspect="1"/>
+          </p:cNvPicPr>
+          <p:nvPr/>
+        </p:nvPicPr>
+        <p:blipFill>
+          <a:blip r:embed="rId2"/>
+          <a:stretch>
+            <a:fillRect/>
+          </a:stretch>
+        </p:blipFill>
+        <p:spPr>
+          <a:xfrm>
+            <a:off x="8890" y="2809240"/>
+            <a:ext cx="3323590" cy="4009390"/>
+          </a:xfrm>
+          <a:prstGeom prst="rect">
+            <a:avLst/>
+          </a:prstGeom>
+        </p:spPr>
+      </p:pic>
+      <p:pic>
+        <p:nvPicPr>
+          <p:cNvPr id="8" name="图片 7"/>
+          <p:cNvPicPr>
+            <a:picLocks noChangeAspect="1"/>
+          </p:cNvPicPr>
+          <p:nvPr/>
+        </p:nvPicPr>
+        <p:blipFill>
+          <a:blip r:embed="rId3"/>
+          <a:stretch>
+            <a:fillRect/>
+          </a:stretch>
+        </p:blipFill>
+        <p:spPr>
+          <a:xfrm>
+            <a:off x="1811655" y="1521460"/>
+            <a:ext cx="3104515" cy="4104640"/>
+          </a:xfrm>
+          <a:prstGeom prst="rect">
+            <a:avLst/>
+          </a:prstGeom>
+        </p:spPr>
+      </p:pic>
+      <p:pic>
+        <p:nvPicPr>
+          <p:cNvPr id="9" name="图片 8"/>
+          <p:cNvPicPr>
+            <a:picLocks noChangeAspect="1"/>
+          </p:cNvPicPr>
+          <p:nvPr/>
+        </p:nvPicPr>
+        <p:blipFill>
+          <a:blip r:embed="rId4"/>
+          <a:stretch>
+            <a:fillRect/>
+          </a:stretch>
+        </p:blipFill>
+        <p:spPr>
+          <a:xfrm>
+            <a:off x="2820670" y="1192530"/>
+            <a:ext cx="3152140" cy="4114165"/>
+          </a:xfrm>
+          <a:prstGeom prst="rect">
+            <a:avLst/>
+          </a:prstGeom>
+        </p:spPr>
+      </p:pic>
+      <p:pic>
+        <p:nvPicPr>
+          <p:cNvPr id="10" name="图片 9"/>
+          <p:cNvPicPr>
+            <a:picLocks noChangeAspect="1"/>
+          </p:cNvPicPr>
+          <p:nvPr/>
+        </p:nvPicPr>
+        <p:blipFill>
+          <a:blip r:embed="rId5"/>
+          <a:stretch>
+            <a:fillRect/>
+          </a:stretch>
+        </p:blipFill>
+        <p:spPr>
+          <a:xfrm>
+            <a:off x="3481705" y="1143000"/>
+            <a:ext cx="5228590" cy="4571365"/>
+          </a:xfrm>
+          <a:prstGeom prst="rect">
+            <a:avLst/>
+          </a:prstGeom>
+        </p:spPr>
+      </p:pic>
+      <p:pic>
+        <p:nvPicPr>
+          <p:cNvPr id="14" name="图片 13"/>
+          <p:cNvPicPr>
+            <a:picLocks noChangeAspect="1"/>
+          </p:cNvPicPr>
+          <p:nvPr/>
+        </p:nvPicPr>
+        <p:blipFill>
+          <a:blip r:embed="rId6"/>
+          <a:stretch>
+            <a:fillRect/>
+          </a:stretch>
+        </p:blipFill>
+        <p:spPr>
+          <a:xfrm>
+            <a:off x="5972810" y="1624330"/>
+            <a:ext cx="5847715" cy="5095240"/>
+          </a:xfrm>
+          <a:prstGeom prst="rect">
+            <a:avLst/>
+          </a:prstGeom>
+        </p:spPr>
+      </p:pic>
+      <p:pic>
+        <p:nvPicPr>
+          <p:cNvPr id="13" name="图片 12"/>
+          <p:cNvPicPr>
+            <a:picLocks noChangeAspect="1"/>
+          </p:cNvPicPr>
+          <p:nvPr/>
+        </p:nvPicPr>
+        <p:blipFill>
+          <a:blip r:embed="rId7"/>
+          <a:stretch>
+            <a:fillRect/>
+          </a:stretch>
+        </p:blipFill>
+        <p:spPr>
+          <a:xfrm>
+            <a:off x="5697855" y="280670"/>
+            <a:ext cx="5295265" cy="6295390"/>
+          </a:xfrm>
+          <a:prstGeom prst="rect">
+            <a:avLst/>
+          </a:prstGeom>
+        </p:spPr>
+      </p:pic>
     </p:spTree>
   </p:cSld>
   <p:clrMapOvr>

--- a/界面设计.pptx
+++ b/界面设计.pptx
@@ -6,64 +6,68 @@
   </p:sldMasterIdLst>
   <p:sldIdLst>
     <p:sldId id="257" r:id="rId3"/>
-    <p:sldId id="274" r:id="rId4"/>
-    <p:sldId id="275" r:id="rId5"/>
-    <p:sldId id="276" r:id="rId6"/>
-    <p:sldId id="259" r:id="rId7"/>
-    <p:sldId id="258" r:id="rId8"/>
-    <p:sldId id="266" r:id="rId9"/>
-    <p:sldId id="267" r:id="rId10"/>
-    <p:sldId id="268" r:id="rId11"/>
-    <p:sldId id="260" r:id="rId12"/>
-    <p:sldId id="287" r:id="rId13"/>
-    <p:sldId id="288" r:id="rId14"/>
-    <p:sldId id="261" r:id="rId15"/>
-    <p:sldId id="262" r:id="rId16"/>
-    <p:sldId id="299" r:id="rId17"/>
-    <p:sldId id="297" r:id="rId18"/>
-    <p:sldId id="298" r:id="rId19"/>
-    <p:sldId id="263" r:id="rId20"/>
-    <p:sldId id="265" r:id="rId21"/>
-    <p:sldId id="294" r:id="rId22"/>
-    <p:sldId id="295" r:id="rId23"/>
-    <p:sldId id="293" r:id="rId24"/>
+    <p:sldId id="328" r:id="rId4"/>
+    <p:sldId id="274" r:id="rId5"/>
+    <p:sldId id="307" r:id="rId6"/>
+    <p:sldId id="275" r:id="rId7"/>
+    <p:sldId id="276" r:id="rId8"/>
+    <p:sldId id="259" r:id="rId9"/>
+    <p:sldId id="258" r:id="rId10"/>
+    <p:sldId id="266" r:id="rId11"/>
+    <p:sldId id="267" r:id="rId12"/>
+    <p:sldId id="329" r:id="rId13"/>
+    <p:sldId id="330" r:id="rId14"/>
+    <p:sldId id="268" r:id="rId15"/>
+    <p:sldId id="260" r:id="rId16"/>
+    <p:sldId id="287" r:id="rId17"/>
+    <p:sldId id="288" r:id="rId18"/>
+    <p:sldId id="261" r:id="rId19"/>
+    <p:sldId id="262" r:id="rId20"/>
+    <p:sldId id="299" r:id="rId21"/>
+    <p:sldId id="297" r:id="rId22"/>
+    <p:sldId id="298" r:id="rId23"/>
+    <p:sldId id="263" r:id="rId24"/>
+    <p:sldId id="265" r:id="rId25"/>
+    <p:sldId id="294" r:id="rId26"/>
+    <p:sldId id="295" r:id="rId27"/>
+    <p:sldId id="293" r:id="rId28"/>
   </p:sldIdLst>
   <p:sldSz cx="12192000" cy="6858000"/>
   <p:notesSz cx="6858000" cy="9144000"/>
   <p:embeddedFontLst>
     <p:embeddedFont>
       <p:font typeface="Aharoni" panose="02010803020104030203" charset="0"/>
-      <p:bold r:id="rId28"/>
+      <p:bold r:id="rId32"/>
     </p:embeddedFont>
     <p:embeddedFont>
       <p:font typeface="方正隶变_GBK" panose="02000000000000000000" charset="-122"/>
-      <p:regular r:id="rId29"/>
+      <p:regular r:id="rId33"/>
     </p:embeddedFont>
     <p:embeddedFont>
       <p:font typeface="Comic Sans MS" panose="030F0702030302020204" charset="0"/>
-      <p:regular r:id="rId30"/>
-      <p:bold r:id="rId31"/>
+      <p:regular r:id="rId34"/>
+      <p:bold r:id="rId35"/>
     </p:embeddedFont>
     <p:embeddedFont>
       <p:font typeface="Gabriola" panose="04040605051002020D02" charset="0"/>
-      <p:regular r:id="rId32"/>
+      <p:regular r:id="rId36"/>
     </p:embeddedFont>
     <p:embeddedFont>
       <p:font typeface="Segoe Print" panose="02000600000000000000" charset="0"/>
-      <p:regular r:id="rId33"/>
-      <p:bold r:id="rId34"/>
+      <p:regular r:id="rId37"/>
+      <p:bold r:id="rId38"/>
     </p:embeddedFont>
     <p:embeddedFont>
       <p:font typeface="Mangal" panose="02040503050203030202" charset="0"/>
-      <p:regular r:id="rId35"/>
-      <p:bold r:id="rId36"/>
+      <p:regular r:id="rId39"/>
+      <p:bold r:id="rId40"/>
     </p:embeddedFont>
     <p:embeddedFont>
       <p:font typeface="Calibri" panose="020F0502020204030204" charset="0"/>
-      <p:regular r:id="rId37"/>
-      <p:bold r:id="rId38"/>
-      <p:italic r:id="rId39"/>
-      <p:boldItalic r:id="rId40"/>
+      <p:regular r:id="rId41"/>
+      <p:bold r:id="rId42"/>
+      <p:italic r:id="rId43"/>
+      <p:boldItalic r:id="rId44"/>
     </p:embeddedFont>
   </p:embeddedFontLst>
   <p:defaultTextStyle>
@@ -3154,6 +3158,848 @@
 <file path=ppt/slides/slide10.xml><?xml version="1.0" encoding="utf-8"?>
 <p:sld xmlns:a="http://schemas.openxmlformats.org/drawingml/2006/main" xmlns:r="http://schemas.openxmlformats.org/officeDocument/2006/relationships" xmlns:p="http://schemas.openxmlformats.org/presentationml/2006/main">
   <p:cSld>
+    <p:bg>
+      <p:bgPr>
+        <a:noFill/>
+        <a:effectLst/>
+      </p:bgPr>
+    </p:bg>
+    <p:spTree>
+      <p:nvGrpSpPr>
+        <p:cNvPr id="1" name=""/>
+        <p:cNvGrpSpPr/>
+        <p:nvPr/>
+      </p:nvGrpSpPr>
+      <p:grpSpPr/>
+      <p:grpSp>
+        <p:nvGrpSpPr>
+          <p:cNvPr id="10" name="组合 9"/>
+          <p:cNvGrpSpPr/>
+          <p:nvPr/>
+        </p:nvGrpSpPr>
+        <p:grpSpPr>
+          <a:xfrm>
+            <a:off x="1698625" y="2236470"/>
+            <a:ext cx="7865110" cy="1612900"/>
+            <a:chOff x="2675" y="3522"/>
+            <a:chExt cx="12386" cy="2540"/>
+          </a:xfrm>
+        </p:grpSpPr>
+        <p:sp>
+          <p:nvSpPr>
+            <p:cNvPr id="6" name="圆角矩形 5"/>
+            <p:cNvSpPr/>
+            <p:nvPr/>
+          </p:nvSpPr>
+          <p:spPr>
+            <a:xfrm>
+              <a:off x="2675" y="3522"/>
+              <a:ext cx="6314" cy="2540"/>
+            </a:xfrm>
+            <a:prstGeom prst="roundRect">
+              <a:avLst/>
+            </a:prstGeom>
+            <a:solidFill>
+              <a:srgbClr val="D12924"/>
+            </a:solidFill>
+            <a:ln w="66675">
+              <a:solidFill>
+                <a:srgbClr val="D12924"/>
+              </a:solidFill>
+            </a:ln>
+          </p:spPr>
+          <p:style>
+            <a:lnRef idx="2">
+              <a:schemeClr val="accent1">
+                <a:shade val="50000"/>
+              </a:schemeClr>
+            </a:lnRef>
+            <a:fillRef idx="1">
+              <a:schemeClr val="accent1"/>
+            </a:fillRef>
+            <a:effectRef idx="0">
+              <a:schemeClr val="accent1"/>
+            </a:effectRef>
+            <a:fontRef idx="minor">
+              <a:schemeClr val="lt1"/>
+            </a:fontRef>
+          </p:style>
+          <p:txBody>
+            <a:bodyPr rtlCol="0" anchor="ctr"/>
+            <a:p>
+              <a:pPr algn="ctr"/>
+              <a:endParaRPr lang="zh-CN" altLang="en-US"/>
+            </a:p>
+          </p:txBody>
+        </p:sp>
+        <p:sp>
+          <p:nvSpPr>
+            <p:cNvPr id="7" name="圆角矩形 6"/>
+            <p:cNvSpPr/>
+            <p:nvPr/>
+          </p:nvSpPr>
+          <p:spPr>
+            <a:xfrm>
+              <a:off x="7925" y="3522"/>
+              <a:ext cx="7135" cy="2540"/>
+            </a:xfrm>
+            <a:prstGeom prst="roundRect">
+              <a:avLst/>
+            </a:prstGeom>
+            <a:noFill/>
+            <a:ln w="66675">
+              <a:solidFill>
+                <a:srgbClr val="D12924"/>
+              </a:solidFill>
+            </a:ln>
+          </p:spPr>
+          <p:style>
+            <a:lnRef idx="2">
+              <a:schemeClr val="accent1">
+                <a:shade val="50000"/>
+              </a:schemeClr>
+            </a:lnRef>
+            <a:fillRef idx="1">
+              <a:schemeClr val="accent1"/>
+            </a:fillRef>
+            <a:effectRef idx="0">
+              <a:schemeClr val="accent1"/>
+            </a:effectRef>
+            <a:fontRef idx="minor">
+              <a:schemeClr val="lt1"/>
+            </a:fontRef>
+          </p:style>
+          <p:txBody>
+            <a:bodyPr rtlCol="0" anchor="ctr"/>
+            <a:p>
+              <a:pPr algn="ctr"/>
+              <a:endParaRPr lang="zh-CN" altLang="en-US"/>
+            </a:p>
+          </p:txBody>
+        </p:sp>
+        <p:sp>
+          <p:nvSpPr>
+            <p:cNvPr id="8" name="文本框 7"/>
+            <p:cNvSpPr txBox="1"/>
+            <p:nvPr/>
+          </p:nvSpPr>
+          <p:spPr>
+            <a:xfrm>
+              <a:off x="2704" y="3751"/>
+              <a:ext cx="6255" cy="2082"/>
+            </a:xfrm>
+            <a:prstGeom prst="rect">
+              <a:avLst/>
+            </a:prstGeom>
+            <a:noFill/>
+          </p:spPr>
+          <p:txBody>
+            <a:bodyPr wrap="none" rtlCol="0">
+              <a:spAutoFit/>
+            </a:bodyPr>
+            <a:p>
+              <a:r>
+                <a:rPr lang="en-US" altLang="zh-CN" sz="8000" b="1">
+                  <a:solidFill>
+                    <a:schemeClr val="bg1"/>
+                  </a:solidFill>
+                  <a:uFillTx/>
+                  <a:latin typeface="Mangal" panose="02040503050203030202" charset="0"/>
+                  <a:ea typeface="方正隶变_GBK" panose="02000000000000000000" charset="-122"/>
+                </a:rPr>
+                <a:t>Heioray</a:t>
+              </a:r>
+              <a:endParaRPr lang="en-US" altLang="zh-CN" sz="8000" b="1">
+                <a:solidFill>
+                  <a:schemeClr val="bg1"/>
+                </a:solidFill>
+                <a:uFillTx/>
+                <a:latin typeface="Mangal" panose="02040503050203030202" charset="0"/>
+                <a:ea typeface="方正隶变_GBK" panose="02000000000000000000" charset="-122"/>
+              </a:endParaRPr>
+            </a:p>
+          </p:txBody>
+        </p:sp>
+        <p:sp>
+          <p:nvSpPr>
+            <p:cNvPr id="9" name="文本框 8"/>
+            <p:cNvSpPr txBox="1"/>
+            <p:nvPr/>
+          </p:nvSpPr>
+          <p:spPr>
+            <a:xfrm>
+              <a:off x="8989" y="3751"/>
+              <a:ext cx="6073" cy="2082"/>
+            </a:xfrm>
+            <a:prstGeom prst="rect">
+              <a:avLst/>
+            </a:prstGeom>
+            <a:noFill/>
+          </p:spPr>
+          <p:txBody>
+            <a:bodyPr wrap="none" rtlCol="0">
+              <a:spAutoFit/>
+            </a:bodyPr>
+            <a:p>
+              <a:r>
+                <a:rPr lang="en-US" altLang="zh-CN" sz="8000" b="1">
+                  <a:solidFill>
+                    <a:srgbClr val="D12924"/>
+                  </a:solidFill>
+                  <a:uFillTx/>
+                  <a:latin typeface="Mangal" panose="02040503050203030202" charset="0"/>
+                  <a:ea typeface="方正隶变_GBK" panose="02000000000000000000" charset="-122"/>
+                </a:rPr>
+                <a:t>Studios</a:t>
+              </a:r>
+              <a:endParaRPr lang="en-US" altLang="zh-CN" sz="8000" b="1">
+                <a:solidFill>
+                  <a:srgbClr val="D12924"/>
+                </a:solidFill>
+                <a:uFillTx/>
+                <a:latin typeface="Mangal" panose="02040503050203030202" charset="0"/>
+                <a:ea typeface="方正隶变_GBK" panose="02000000000000000000" charset="-122"/>
+              </a:endParaRPr>
+            </a:p>
+          </p:txBody>
+        </p:sp>
+      </p:grpSp>
+    </p:spTree>
+  </p:cSld>
+  <p:clrMapOvr>
+    <a:masterClrMapping/>
+  </p:clrMapOvr>
+</p:sld>
+</file>
+
+<file path=ppt/slides/slide11.xml><?xml version="1.0" encoding="utf-8"?>
+<p:sld xmlns:a="http://schemas.openxmlformats.org/drawingml/2006/main" xmlns:r="http://schemas.openxmlformats.org/officeDocument/2006/relationships" xmlns:p="http://schemas.openxmlformats.org/presentationml/2006/main">
+  <p:cSld>
+    <p:bg>
+      <p:bgPr>
+        <a:noFill/>
+        <a:effectLst/>
+      </p:bgPr>
+    </p:bg>
+    <p:spTree>
+      <p:nvGrpSpPr>
+        <p:cNvPr id="1" name=""/>
+        <p:cNvGrpSpPr/>
+        <p:nvPr/>
+      </p:nvGrpSpPr>
+      <p:grpSpPr/>
+      <p:grpSp>
+        <p:nvGrpSpPr>
+          <p:cNvPr id="10" name="组合 9"/>
+          <p:cNvGrpSpPr/>
+          <p:nvPr/>
+        </p:nvGrpSpPr>
+        <p:grpSpPr>
+          <a:xfrm>
+            <a:off x="2847975" y="1908175"/>
+            <a:ext cx="3772535" cy="1535430"/>
+            <a:chOff x="6427" y="3522"/>
+            <a:chExt cx="6518" cy="2540"/>
+          </a:xfrm>
+        </p:grpSpPr>
+        <p:sp>
+          <p:nvSpPr>
+            <p:cNvPr id="6" name="圆角矩形 5"/>
+            <p:cNvSpPr/>
+            <p:nvPr/>
+          </p:nvSpPr>
+          <p:spPr>
+            <a:xfrm>
+              <a:off x="6427" y="3522"/>
+              <a:ext cx="2562" cy="2540"/>
+            </a:xfrm>
+            <a:prstGeom prst="roundRect">
+              <a:avLst/>
+            </a:prstGeom>
+            <a:solidFill>
+              <a:srgbClr val="D12924"/>
+            </a:solidFill>
+            <a:ln w="66675">
+              <a:solidFill>
+                <a:srgbClr val="D12924"/>
+              </a:solidFill>
+            </a:ln>
+          </p:spPr>
+          <p:style>
+            <a:lnRef idx="2">
+              <a:schemeClr val="accent1">
+                <a:shade val="50000"/>
+              </a:schemeClr>
+            </a:lnRef>
+            <a:fillRef idx="1">
+              <a:schemeClr val="accent1"/>
+            </a:fillRef>
+            <a:effectRef idx="0">
+              <a:schemeClr val="accent1"/>
+            </a:effectRef>
+            <a:fontRef idx="minor">
+              <a:schemeClr val="lt1"/>
+            </a:fontRef>
+          </p:style>
+          <p:txBody>
+            <a:bodyPr rtlCol="0" anchor="ctr"/>
+            <a:p>
+              <a:pPr algn="ctr"/>
+              <a:endParaRPr lang="zh-CN" altLang="en-US"/>
+            </a:p>
+          </p:txBody>
+        </p:sp>
+        <p:sp>
+          <p:nvSpPr>
+            <p:cNvPr id="7" name="圆角矩形 6"/>
+            <p:cNvSpPr/>
+            <p:nvPr/>
+          </p:nvSpPr>
+          <p:spPr>
+            <a:xfrm>
+              <a:off x="7924" y="3522"/>
+              <a:ext cx="4836" cy="2540"/>
+            </a:xfrm>
+            <a:prstGeom prst="roundRect">
+              <a:avLst/>
+            </a:prstGeom>
+            <a:noFill/>
+            <a:ln w="66675">
+              <a:solidFill>
+                <a:srgbClr val="D12924"/>
+              </a:solidFill>
+            </a:ln>
+          </p:spPr>
+          <p:style>
+            <a:lnRef idx="2">
+              <a:schemeClr val="accent1">
+                <a:shade val="50000"/>
+              </a:schemeClr>
+            </a:lnRef>
+            <a:fillRef idx="1">
+              <a:schemeClr val="accent1"/>
+            </a:fillRef>
+            <a:effectRef idx="0">
+              <a:schemeClr val="accent1"/>
+            </a:effectRef>
+            <a:fontRef idx="minor">
+              <a:schemeClr val="lt1"/>
+            </a:fontRef>
+          </p:style>
+          <p:txBody>
+            <a:bodyPr rtlCol="0" anchor="ctr"/>
+            <a:p>
+              <a:pPr algn="ctr"/>
+              <a:endParaRPr lang="zh-CN" altLang="en-US"/>
+            </a:p>
+          </p:txBody>
+        </p:sp>
+        <p:sp>
+          <p:nvSpPr>
+            <p:cNvPr id="8" name="文本框 7"/>
+            <p:cNvSpPr txBox="1"/>
+            <p:nvPr/>
+          </p:nvSpPr>
+          <p:spPr>
+            <a:xfrm>
+              <a:off x="6540" y="3751"/>
+              <a:ext cx="2149" cy="2187"/>
+            </a:xfrm>
+            <a:prstGeom prst="rect">
+              <a:avLst/>
+            </a:prstGeom>
+            <a:noFill/>
+          </p:spPr>
+          <p:txBody>
+            <a:bodyPr wrap="square" rtlCol="0">
+              <a:spAutoFit/>
+            </a:bodyPr>
+            <a:p>
+              <a:r>
+                <a:rPr lang="en-US" altLang="zh-CN" sz="8000" b="1">
+                  <a:solidFill>
+                    <a:schemeClr val="bg1"/>
+                  </a:solidFill>
+                  <a:uFillTx/>
+                  <a:latin typeface="Mangal" panose="02040503050203030202" charset="0"/>
+                  <a:ea typeface="方正隶变_GBK" panose="02000000000000000000" charset="-122"/>
+                </a:rPr>
+                <a:t>Hi</a:t>
+              </a:r>
+              <a:endParaRPr lang="en-US" altLang="zh-CN" sz="8000" b="1">
+                <a:solidFill>
+                  <a:schemeClr val="bg1"/>
+                </a:solidFill>
+                <a:uFillTx/>
+                <a:latin typeface="Mangal" panose="02040503050203030202" charset="0"/>
+                <a:ea typeface="方正隶变_GBK" panose="02000000000000000000" charset="-122"/>
+              </a:endParaRPr>
+            </a:p>
+          </p:txBody>
+        </p:sp>
+        <p:sp>
+          <p:nvSpPr>
+            <p:cNvPr id="9" name="文本框 8"/>
+            <p:cNvSpPr txBox="1"/>
+            <p:nvPr/>
+          </p:nvSpPr>
+          <p:spPr>
+            <a:xfrm>
+              <a:off x="8989" y="3751"/>
+              <a:ext cx="3956" cy="2187"/>
+            </a:xfrm>
+            <a:prstGeom prst="rect">
+              <a:avLst/>
+            </a:prstGeom>
+            <a:noFill/>
+          </p:spPr>
+          <p:txBody>
+            <a:bodyPr wrap="square" rtlCol="0">
+              <a:spAutoFit/>
+            </a:bodyPr>
+            <a:p>
+              <a:r>
+                <a:rPr lang="en-US" altLang="zh-CN" sz="8000" b="1">
+                  <a:solidFill>
+                    <a:srgbClr val="D12924"/>
+                  </a:solidFill>
+                  <a:uFillTx/>
+                  <a:latin typeface="Mangal" panose="02040503050203030202" charset="0"/>
+                  <a:ea typeface="方正隶变_GBK" panose="02000000000000000000" charset="-122"/>
+                </a:rPr>
+                <a:t>Rap</a:t>
+              </a:r>
+              <a:endParaRPr lang="en-US" altLang="zh-CN" sz="8000" b="1">
+                <a:solidFill>
+                  <a:srgbClr val="D12924"/>
+                </a:solidFill>
+                <a:uFillTx/>
+                <a:latin typeface="Mangal" panose="02040503050203030202" charset="0"/>
+                <a:ea typeface="方正隶变_GBK" panose="02000000000000000000" charset="-122"/>
+              </a:endParaRPr>
+            </a:p>
+          </p:txBody>
+        </p:sp>
+      </p:grpSp>
+    </p:spTree>
+  </p:cSld>
+  <p:clrMapOvr>
+    <a:masterClrMapping/>
+  </p:clrMapOvr>
+</p:sld>
+</file>
+
+<file path=ppt/slides/slide12.xml><?xml version="1.0" encoding="utf-8"?>
+<p:sld xmlns:a="http://schemas.openxmlformats.org/drawingml/2006/main" xmlns:r="http://schemas.openxmlformats.org/officeDocument/2006/relationships" xmlns:p="http://schemas.openxmlformats.org/presentationml/2006/main">
+  <p:cSld>
+    <p:spTree>
+      <p:nvGrpSpPr>
+        <p:cNvPr id="1" name=""/>
+        <p:cNvGrpSpPr/>
+        <p:nvPr/>
+      </p:nvGrpSpPr>
+      <p:grpSpPr/>
+      <p:sp>
+        <p:nvSpPr>
+          <p:cNvPr id="8" name="矩形 7"/>
+          <p:cNvSpPr/>
+          <p:nvPr/>
+        </p:nvSpPr>
+        <p:spPr>
+          <a:xfrm>
+            <a:off x="1302385" y="2902585"/>
+            <a:ext cx="5741670" cy="2214880"/>
+          </a:xfrm>
+          <a:prstGeom prst="rect">
+            <a:avLst/>
+          </a:prstGeom>
+        </p:spPr>
+        <p:style>
+          <a:lnRef idx="2">
+            <a:schemeClr val="accent1">
+              <a:shade val="50000"/>
+            </a:schemeClr>
+          </a:lnRef>
+          <a:fillRef idx="1">
+            <a:schemeClr val="accent1"/>
+          </a:fillRef>
+          <a:effectRef idx="0">
+            <a:schemeClr val="accent1"/>
+          </a:effectRef>
+          <a:fontRef idx="minor">
+            <a:schemeClr val="lt1"/>
+          </a:fontRef>
+        </p:style>
+        <p:txBody>
+          <a:bodyPr rtlCol="0" anchor="ctr"/>
+          <a:p>
+            <a:pPr algn="ctr"/>
+            <a:endParaRPr lang="zh-CN" altLang="en-US"/>
+          </a:p>
+        </p:txBody>
+      </p:sp>
+      <p:pic>
+        <p:nvPicPr>
+          <p:cNvPr id="2" name="图片 1"/>
+          <p:cNvPicPr>
+            <a:picLocks noChangeAspect="1"/>
+          </p:cNvPicPr>
+          <p:nvPr/>
+        </p:nvPicPr>
+        <p:blipFill>
+          <a:blip r:embed="rId1"/>
+          <a:stretch>
+            <a:fillRect/>
+          </a:stretch>
+        </p:blipFill>
+        <p:spPr>
+          <a:xfrm>
+            <a:off x="1049020" y="208915"/>
+            <a:ext cx="5095240" cy="2466975"/>
+          </a:xfrm>
+          <a:prstGeom prst="rect">
+            <a:avLst/>
+          </a:prstGeom>
+        </p:spPr>
+      </p:pic>
+      <p:pic>
+        <p:nvPicPr>
+          <p:cNvPr id="7" name="图片 6"/>
+          <p:cNvPicPr>
+            <a:picLocks noChangeAspect="1"/>
+          </p:cNvPicPr>
+          <p:nvPr/>
+        </p:nvPicPr>
+        <p:blipFill>
+          <a:blip r:embed="rId2"/>
+          <a:stretch>
+            <a:fillRect/>
+          </a:stretch>
+        </p:blipFill>
+        <p:spPr>
+          <a:xfrm>
+            <a:off x="1303020" y="2903220"/>
+            <a:ext cx="2223135" cy="2214245"/>
+          </a:xfrm>
+          <a:prstGeom prst="rect">
+            <a:avLst/>
+          </a:prstGeom>
+        </p:spPr>
+      </p:pic>
+      <p:grpSp>
+        <p:nvGrpSpPr>
+          <p:cNvPr id="6" name="组合 5"/>
+          <p:cNvGrpSpPr/>
+          <p:nvPr/>
+        </p:nvGrpSpPr>
+        <p:grpSpPr>
+          <a:xfrm>
+            <a:off x="1302385" y="2902585"/>
+            <a:ext cx="5741670" cy="2214880"/>
+            <a:chOff x="2032" y="4509"/>
+            <a:chExt cx="9042" cy="3488"/>
+          </a:xfrm>
+        </p:grpSpPr>
+        <p:sp>
+          <p:nvSpPr>
+            <p:cNvPr id="3" name="文本框 2"/>
+            <p:cNvSpPr txBox="1"/>
+            <p:nvPr/>
+          </p:nvSpPr>
+          <p:spPr>
+            <a:xfrm>
+              <a:off x="5632" y="4509"/>
+              <a:ext cx="5442" cy="3488"/>
+            </a:xfrm>
+            <a:prstGeom prst="rect">
+              <a:avLst/>
+            </a:prstGeom>
+            <a:noFill/>
+          </p:spPr>
+          <p:txBody>
+            <a:bodyPr wrap="none" rtlCol="0">
+              <a:spAutoFit/>
+            </a:bodyPr>
+            <a:p>
+              <a:r>
+                <a:rPr lang="en-US" altLang="zh-CN" sz="13800">
+                  <a:solidFill>
+                    <a:schemeClr val="bg1"/>
+                  </a:solidFill>
+                  <a:uFillTx/>
+                  <a:latin typeface="Aharoni" panose="02010803020104030203" charset="0"/>
+                  <a:ea typeface="方正隶变_GBK" panose="02000000000000000000" charset="-122"/>
+                </a:rPr>
+                <a:t>Rap</a:t>
+              </a:r>
+              <a:endParaRPr lang="en-US" altLang="zh-CN" sz="13800">
+                <a:solidFill>
+                  <a:schemeClr val="bg1"/>
+                </a:solidFill>
+                <a:uFillTx/>
+                <a:latin typeface="Aharoni" panose="02010803020104030203" charset="0"/>
+                <a:ea typeface="方正隶变_GBK" panose="02000000000000000000" charset="-122"/>
+              </a:endParaRPr>
+            </a:p>
+          </p:txBody>
+        </p:sp>
+        <p:sp>
+          <p:nvSpPr>
+            <p:cNvPr id="4" name="文本框 3"/>
+            <p:cNvSpPr txBox="1"/>
+            <p:nvPr/>
+          </p:nvSpPr>
+          <p:spPr>
+            <a:xfrm>
+              <a:off x="2032" y="4509"/>
+              <a:ext cx="3066" cy="3488"/>
+            </a:xfrm>
+            <a:prstGeom prst="rect">
+              <a:avLst/>
+            </a:prstGeom>
+            <a:noFill/>
+          </p:spPr>
+          <p:txBody>
+            <a:bodyPr wrap="none" rtlCol="0">
+              <a:spAutoFit/>
+            </a:bodyPr>
+            <a:p>
+              <a:r>
+                <a:rPr lang="en-US" altLang="zh-CN" sz="13800">
+                  <a:solidFill>
+                    <a:schemeClr val="tx1"/>
+                  </a:solidFill>
+                  <a:uFillTx/>
+                  <a:latin typeface="Aharoni" panose="02010803020104030203" charset="0"/>
+                  <a:ea typeface="方正隶变_GBK" panose="02000000000000000000" charset="-122"/>
+                </a:rPr>
+                <a:t>Hi</a:t>
+              </a:r>
+              <a:endParaRPr lang="en-US" altLang="zh-CN" sz="13800">
+                <a:solidFill>
+                  <a:schemeClr val="tx1"/>
+                </a:solidFill>
+                <a:uFillTx/>
+                <a:latin typeface="Aharoni" panose="02010803020104030203" charset="0"/>
+                <a:ea typeface="方正隶变_GBK" panose="02000000000000000000" charset="-122"/>
+              </a:endParaRPr>
+            </a:p>
+          </p:txBody>
+        </p:sp>
+      </p:grpSp>
+    </p:spTree>
+  </p:cSld>
+  <p:clrMapOvr>
+    <a:masterClrMapping/>
+  </p:clrMapOvr>
+</p:sld>
+</file>
+
+<file path=ppt/slides/slide13.xml><?xml version="1.0" encoding="utf-8"?>
+<p:sld xmlns:a="http://schemas.openxmlformats.org/drawingml/2006/main" xmlns:r="http://schemas.openxmlformats.org/officeDocument/2006/relationships" xmlns:p="http://schemas.openxmlformats.org/presentationml/2006/main">
+  <p:cSld>
+    <p:bg>
+      <p:bgPr>
+        <a:noFill/>
+        <a:effectLst/>
+      </p:bgPr>
+    </p:bg>
+    <p:spTree>
+      <p:nvGrpSpPr>
+        <p:cNvPr id="1" name=""/>
+        <p:cNvGrpSpPr/>
+        <p:nvPr/>
+      </p:nvGrpSpPr>
+      <p:grpSpPr/>
+      <p:sp>
+        <p:nvSpPr>
+          <p:cNvPr id="6" name="圆角矩形 5"/>
+          <p:cNvSpPr/>
+          <p:nvPr/>
+        </p:nvSpPr>
+        <p:spPr>
+          <a:xfrm>
+            <a:off x="1582420" y="2149475"/>
+            <a:ext cx="4009390" cy="1612900"/>
+          </a:xfrm>
+          <a:prstGeom prst="roundRect">
+            <a:avLst/>
+          </a:prstGeom>
+          <a:solidFill>
+            <a:srgbClr val="D12924"/>
+          </a:solidFill>
+          <a:ln w="66675">
+            <a:solidFill>
+              <a:srgbClr val="D12924"/>
+            </a:solidFill>
+          </a:ln>
+        </p:spPr>
+        <p:style>
+          <a:lnRef idx="2">
+            <a:schemeClr val="accent1">
+              <a:shade val="50000"/>
+            </a:schemeClr>
+          </a:lnRef>
+          <a:fillRef idx="1">
+            <a:schemeClr val="accent1"/>
+          </a:fillRef>
+          <a:effectRef idx="0">
+            <a:schemeClr val="accent1"/>
+          </a:effectRef>
+          <a:fontRef idx="minor">
+            <a:schemeClr val="lt1"/>
+          </a:fontRef>
+        </p:style>
+        <p:txBody>
+          <a:bodyPr rtlCol="0" anchor="ctr"/>
+          <a:p>
+            <a:pPr algn="ctr"/>
+            <a:endParaRPr lang="zh-CN" altLang="en-US"/>
+          </a:p>
+        </p:txBody>
+      </p:sp>
+      <p:sp>
+        <p:nvSpPr>
+          <p:cNvPr id="7" name="圆角矩形 6"/>
+          <p:cNvSpPr/>
+          <p:nvPr/>
+        </p:nvSpPr>
+        <p:spPr>
+          <a:xfrm>
+            <a:off x="5438775" y="2535555"/>
+            <a:ext cx="4530725" cy="1612900"/>
+          </a:xfrm>
+          <a:prstGeom prst="roundRect">
+            <a:avLst/>
+          </a:prstGeom>
+          <a:noFill/>
+          <a:ln w="66675">
+            <a:solidFill>
+              <a:srgbClr val="D12924"/>
+            </a:solidFill>
+          </a:ln>
+        </p:spPr>
+        <p:style>
+          <a:lnRef idx="2">
+            <a:schemeClr val="accent1">
+              <a:shade val="50000"/>
+            </a:schemeClr>
+          </a:lnRef>
+          <a:fillRef idx="1">
+            <a:schemeClr val="accent1"/>
+          </a:fillRef>
+          <a:effectRef idx="0">
+            <a:schemeClr val="accent1"/>
+          </a:effectRef>
+          <a:fontRef idx="minor">
+            <a:schemeClr val="lt1"/>
+          </a:fontRef>
+        </p:style>
+        <p:txBody>
+          <a:bodyPr rtlCol="0" anchor="ctr"/>
+          <a:p>
+            <a:pPr algn="ctr"/>
+            <a:endParaRPr lang="zh-CN" altLang="en-US"/>
+          </a:p>
+        </p:txBody>
+      </p:sp>
+      <p:sp>
+        <p:nvSpPr>
+          <p:cNvPr id="8" name="文本框 7"/>
+          <p:cNvSpPr txBox="1"/>
+          <p:nvPr/>
+        </p:nvSpPr>
+        <p:spPr>
+          <a:xfrm>
+            <a:off x="1707515" y="2381885"/>
+            <a:ext cx="3971925" cy="1322070"/>
+          </a:xfrm>
+          <a:prstGeom prst="rect">
+            <a:avLst/>
+          </a:prstGeom>
+          <a:noFill/>
+        </p:spPr>
+        <p:txBody>
+          <a:bodyPr wrap="none" rtlCol="0">
+            <a:spAutoFit/>
+          </a:bodyPr>
+          <a:p>
+            <a:r>
+              <a:rPr lang="en-US" altLang="zh-CN" sz="8000" b="1">
+                <a:solidFill>
+                  <a:schemeClr val="bg1"/>
+                </a:solidFill>
+                <a:uFillTx/>
+                <a:latin typeface="Mangal" panose="02040503050203030202" charset="0"/>
+                <a:ea typeface="方正隶变_GBK" panose="02000000000000000000" charset="-122"/>
+              </a:rPr>
+              <a:t>Heioray</a:t>
+            </a:r>
+            <a:endParaRPr lang="en-US" altLang="zh-CN" sz="8000" b="1">
+              <a:solidFill>
+                <a:schemeClr val="bg1"/>
+              </a:solidFill>
+              <a:uFillTx/>
+              <a:latin typeface="Mangal" panose="02040503050203030202" charset="0"/>
+              <a:ea typeface="方正隶变_GBK" panose="02000000000000000000" charset="-122"/>
+            </a:endParaRPr>
+          </a:p>
+        </p:txBody>
+      </p:sp>
+      <p:sp>
+        <p:nvSpPr>
+          <p:cNvPr id="9" name="文本框 8"/>
+          <p:cNvSpPr txBox="1"/>
+          <p:nvPr/>
+        </p:nvSpPr>
+        <p:spPr>
+          <a:xfrm>
+            <a:off x="5698490" y="2381885"/>
+            <a:ext cx="3856355" cy="1322070"/>
+          </a:xfrm>
+          <a:prstGeom prst="rect">
+            <a:avLst/>
+          </a:prstGeom>
+          <a:noFill/>
+        </p:spPr>
+        <p:txBody>
+          <a:bodyPr wrap="none" rtlCol="0">
+            <a:spAutoFit/>
+          </a:bodyPr>
+          <a:p>
+            <a:r>
+              <a:rPr lang="en-US" altLang="zh-CN" sz="8000" b="1">
+                <a:solidFill>
+                  <a:srgbClr val="D12924"/>
+                </a:solidFill>
+                <a:uFillTx/>
+                <a:latin typeface="Mangal" panose="02040503050203030202" charset="0"/>
+                <a:ea typeface="方正隶变_GBK" panose="02000000000000000000" charset="-122"/>
+              </a:rPr>
+              <a:t>Studios</a:t>
+            </a:r>
+            <a:endParaRPr lang="en-US" altLang="zh-CN" sz="8000" b="1">
+              <a:solidFill>
+                <a:srgbClr val="D12924"/>
+              </a:solidFill>
+              <a:uFillTx/>
+              <a:latin typeface="Mangal" panose="02040503050203030202" charset="0"/>
+              <a:ea typeface="方正隶变_GBK" panose="02000000000000000000" charset="-122"/>
+            </a:endParaRPr>
+          </a:p>
+        </p:txBody>
+      </p:sp>
+    </p:spTree>
+  </p:cSld>
+  <p:clrMapOvr>
+    <a:masterClrMapping/>
+  </p:clrMapOvr>
+</p:sld>
+</file>
+
+<file path=ppt/slides/slide14.xml><?xml version="1.0" encoding="utf-8"?>
+<p:sld xmlns:a="http://schemas.openxmlformats.org/drawingml/2006/main" xmlns:r="http://schemas.openxmlformats.org/officeDocument/2006/relationships" xmlns:p="http://schemas.openxmlformats.org/presentationml/2006/main">
+  <p:cSld>
     <p:spTree>
       <p:nvGrpSpPr>
         <p:cNvPr id="1" name=""/>
@@ -3290,7 +4136,7 @@
 </p:sld>
 </file>
 
-<file path=ppt/slides/slide11.xml><?xml version="1.0" encoding="utf-8"?>
+<file path=ppt/slides/slide15.xml><?xml version="1.0" encoding="utf-8"?>
 <p:sld xmlns:a="http://schemas.openxmlformats.org/drawingml/2006/main" xmlns:r="http://schemas.openxmlformats.org/officeDocument/2006/relationships" xmlns:p="http://schemas.openxmlformats.org/presentationml/2006/main">
   <p:cSld>
     <p:spTree>
@@ -3465,7 +4311,7 @@
 </p:sld>
 </file>
 
-<file path=ppt/slides/slide12.xml><?xml version="1.0" encoding="utf-8"?>
+<file path=ppt/slides/slide16.xml><?xml version="1.0" encoding="utf-8"?>
 <p:sld xmlns:a="http://schemas.openxmlformats.org/drawingml/2006/main" xmlns:r="http://schemas.openxmlformats.org/officeDocument/2006/relationships" xmlns:p="http://schemas.openxmlformats.org/presentationml/2006/main">
   <p:cSld>
     <p:spTree>
@@ -3686,7 +4532,7 @@
 </p:sld>
 </file>
 
-<file path=ppt/slides/slide13.xml><?xml version="1.0" encoding="utf-8"?>
+<file path=ppt/slides/slide17.xml><?xml version="1.0" encoding="utf-8"?>
 <p:sld xmlns:a="http://schemas.openxmlformats.org/drawingml/2006/main" xmlns:r="http://schemas.openxmlformats.org/officeDocument/2006/relationships" xmlns:p="http://schemas.openxmlformats.org/presentationml/2006/main">
   <p:cSld>
     <p:spTree>
@@ -4373,7 +5219,7 @@
 </p:sld>
 </file>
 
-<file path=ppt/slides/slide14.xml><?xml version="1.0" encoding="utf-8"?>
+<file path=ppt/slides/slide18.xml><?xml version="1.0" encoding="utf-8"?>
 <p:sld xmlns:a="http://schemas.openxmlformats.org/drawingml/2006/main" xmlns:r="http://schemas.openxmlformats.org/officeDocument/2006/relationships" xmlns:p="http://schemas.openxmlformats.org/presentationml/2006/main">
   <p:cSld>
     <p:spTree>
@@ -4829,7 +5675,7 @@
 </p:sld>
 </file>
 
-<file path=ppt/slides/slide15.xml><?xml version="1.0" encoding="utf-8"?>
+<file path=ppt/slides/slide19.xml><?xml version="1.0" encoding="utf-8"?>
 <p:sld xmlns:a="http://schemas.openxmlformats.org/drawingml/2006/main" xmlns:r="http://schemas.openxmlformats.org/officeDocument/2006/relationships" xmlns:p="http://schemas.openxmlformats.org/presentationml/2006/main">
   <p:cSld>
     <p:spTree>
@@ -5299,7 +6145,197 @@
 </p:sld>
 </file>
 
-<file path=ppt/slides/slide16.xml><?xml version="1.0" encoding="utf-8"?>
+<file path=ppt/slides/slide2.xml><?xml version="1.0" encoding="utf-8"?>
+<p:sld xmlns:a="http://schemas.openxmlformats.org/drawingml/2006/main" xmlns:r="http://schemas.openxmlformats.org/officeDocument/2006/relationships" xmlns:p="http://schemas.openxmlformats.org/presentationml/2006/main">
+  <p:cSld>
+    <p:spTree>
+      <p:nvGrpSpPr>
+        <p:cNvPr id="1" name=""/>
+        <p:cNvGrpSpPr/>
+        <p:nvPr/>
+      </p:nvGrpSpPr>
+      <p:grpSpPr/>
+      <p:sp>
+        <p:nvSpPr>
+          <p:cNvPr id="2" name="文本框 1"/>
+          <p:cNvSpPr txBox="1"/>
+          <p:nvPr/>
+        </p:nvSpPr>
+        <p:spPr>
+          <a:xfrm>
+            <a:off x="332740" y="6350"/>
+            <a:ext cx="3575685" cy="2214880"/>
+          </a:xfrm>
+          <a:prstGeom prst="rect">
+            <a:avLst/>
+          </a:prstGeom>
+          <a:noFill/>
+        </p:spPr>
+        <p:txBody>
+          <a:bodyPr wrap="none" rtlCol="0">
+            <a:spAutoFit/>
+          </a:bodyPr>
+          <a:p>
+            <a:r>
+              <a:rPr lang="en-US" altLang="zh-CN" sz="13800">
+                <a:solidFill>
+                  <a:schemeClr val="tx1"/>
+                </a:solidFill>
+                <a:uFillTx/>
+                <a:latin typeface="Aharoni" panose="02010803020104030203" charset="0"/>
+                <a:ea typeface="方正隶变_GBK" panose="02000000000000000000" charset="-122"/>
+              </a:rPr>
+              <a:t>RAP</a:t>
+            </a:r>
+            <a:endParaRPr lang="en-US" altLang="zh-CN" sz="13800">
+              <a:solidFill>
+                <a:schemeClr val="tx1"/>
+              </a:solidFill>
+              <a:uFillTx/>
+              <a:latin typeface="Aharoni" panose="02010803020104030203" charset="0"/>
+              <a:ea typeface="方正隶变_GBK" panose="02000000000000000000" charset="-122"/>
+            </a:endParaRPr>
+          </a:p>
+        </p:txBody>
+      </p:sp>
+      <p:sp>
+        <p:nvSpPr>
+          <p:cNvPr id="3" name="文本框 2"/>
+          <p:cNvSpPr txBox="1"/>
+          <p:nvPr/>
+        </p:nvSpPr>
+        <p:spPr>
+          <a:xfrm>
+            <a:off x="332740" y="1770380"/>
+            <a:ext cx="3478530" cy="2214880"/>
+          </a:xfrm>
+          <a:prstGeom prst="rect">
+            <a:avLst/>
+          </a:prstGeom>
+          <a:noFill/>
+        </p:spPr>
+        <p:txBody>
+          <a:bodyPr wrap="none" rtlCol="0">
+            <a:spAutoFit/>
+          </a:bodyPr>
+          <a:p>
+            <a:r>
+              <a:rPr lang="en-US" altLang="zh-CN" sz="13800">
+                <a:solidFill>
+                  <a:schemeClr val="tx1"/>
+                </a:solidFill>
+                <a:uFillTx/>
+                <a:latin typeface="Comic Sans MS" panose="030F0702030302020204" charset="0"/>
+                <a:ea typeface="方正隶变_GBK" panose="02000000000000000000" charset="-122"/>
+              </a:rPr>
+              <a:t>RAP</a:t>
+            </a:r>
+            <a:endParaRPr lang="en-US" altLang="zh-CN" sz="13800">
+              <a:solidFill>
+                <a:schemeClr val="tx1"/>
+              </a:solidFill>
+              <a:uFillTx/>
+              <a:latin typeface="Comic Sans MS" panose="030F0702030302020204" charset="0"/>
+              <a:ea typeface="方正隶变_GBK" panose="02000000000000000000" charset="-122"/>
+            </a:endParaRPr>
+          </a:p>
+        </p:txBody>
+      </p:sp>
+      <p:sp>
+        <p:nvSpPr>
+          <p:cNvPr id="4" name="文本框 3"/>
+          <p:cNvSpPr txBox="1"/>
+          <p:nvPr/>
+        </p:nvSpPr>
+        <p:spPr>
+          <a:xfrm>
+            <a:off x="332740" y="3778250"/>
+            <a:ext cx="2604770" cy="2214880"/>
+          </a:xfrm>
+          <a:prstGeom prst="rect">
+            <a:avLst/>
+          </a:prstGeom>
+          <a:noFill/>
+        </p:spPr>
+        <p:txBody>
+          <a:bodyPr wrap="none" rtlCol="0">
+            <a:spAutoFit/>
+          </a:bodyPr>
+          <a:p>
+            <a:r>
+              <a:rPr lang="en-US" altLang="zh-CN" sz="13800">
+                <a:solidFill>
+                  <a:schemeClr val="tx1"/>
+                </a:solidFill>
+                <a:uFillTx/>
+                <a:latin typeface="Gabriola" panose="04040605051002020D02" charset="0"/>
+                <a:ea typeface="方正隶变_GBK" panose="02000000000000000000" charset="-122"/>
+              </a:rPr>
+              <a:t>RAP</a:t>
+            </a:r>
+            <a:endParaRPr lang="en-US" altLang="zh-CN" sz="13800">
+              <a:solidFill>
+                <a:schemeClr val="tx1"/>
+              </a:solidFill>
+              <a:uFillTx/>
+              <a:latin typeface="Gabriola" panose="04040605051002020D02" charset="0"/>
+              <a:ea typeface="方正隶变_GBK" panose="02000000000000000000" charset="-122"/>
+            </a:endParaRPr>
+          </a:p>
+        </p:txBody>
+      </p:sp>
+      <p:sp>
+        <p:nvSpPr>
+          <p:cNvPr id="5" name="文本框 4"/>
+          <p:cNvSpPr txBox="1"/>
+          <p:nvPr/>
+        </p:nvSpPr>
+        <p:spPr>
+          <a:xfrm>
+            <a:off x="4878070" y="2085975"/>
+            <a:ext cx="6680835" cy="2214880"/>
+          </a:xfrm>
+          <a:prstGeom prst="rect">
+            <a:avLst/>
+          </a:prstGeom>
+          <a:noFill/>
+        </p:spPr>
+        <p:txBody>
+          <a:bodyPr wrap="none" rtlCol="0">
+            <a:spAutoFit/>
+          </a:bodyPr>
+          <a:p>
+            <a:r>
+              <a:rPr lang="en-US" altLang="zh-CN" sz="13800">
+                <a:solidFill>
+                  <a:schemeClr val="tx1"/>
+                </a:solidFill>
+                <a:uFillTx/>
+                <a:latin typeface="Segoe Print" panose="02000600000000000000" charset="0"/>
+                <a:ea typeface="方正隶变_GBK" panose="02000000000000000000" charset="-122"/>
+              </a:rPr>
+              <a:t>Hi RAP</a:t>
+            </a:r>
+            <a:endParaRPr lang="en-US" altLang="zh-CN" sz="13800">
+              <a:solidFill>
+                <a:schemeClr val="tx1"/>
+              </a:solidFill>
+              <a:uFillTx/>
+              <a:latin typeface="Segoe Print" panose="02000600000000000000" charset="0"/>
+              <a:ea typeface="方正隶变_GBK" panose="02000000000000000000" charset="-122"/>
+            </a:endParaRPr>
+          </a:p>
+        </p:txBody>
+      </p:sp>
+    </p:spTree>
+  </p:cSld>
+  <p:clrMapOvr>
+    <a:masterClrMapping/>
+  </p:clrMapOvr>
+</p:sld>
+</file>
+
+<file path=ppt/slides/slide20.xml><?xml version="1.0" encoding="utf-8"?>
 <p:sld xmlns:a="http://schemas.openxmlformats.org/drawingml/2006/main" xmlns:r="http://schemas.openxmlformats.org/officeDocument/2006/relationships" xmlns:p="http://schemas.openxmlformats.org/presentationml/2006/main">
   <p:cSld>
     <p:spTree>
@@ -5644,7 +6680,7 @@
 </p:sld>
 </file>
 
-<file path=ppt/slides/slide17.xml><?xml version="1.0" encoding="utf-8"?>
+<file path=ppt/slides/slide21.xml><?xml version="1.0" encoding="utf-8"?>
 <p:sld xmlns:a="http://schemas.openxmlformats.org/drawingml/2006/main" xmlns:r="http://schemas.openxmlformats.org/officeDocument/2006/relationships" xmlns:p="http://schemas.openxmlformats.org/presentationml/2006/main">
   <p:cSld>
     <p:spTree>
@@ -5686,7 +6722,7 @@
 </p:sld>
 </file>
 
-<file path=ppt/slides/slide18.xml><?xml version="1.0" encoding="utf-8"?>
+<file path=ppt/slides/slide22.xml><?xml version="1.0" encoding="utf-8"?>
 <p:sld xmlns:a="http://schemas.openxmlformats.org/drawingml/2006/main" xmlns:r="http://schemas.openxmlformats.org/officeDocument/2006/relationships" xmlns:p="http://schemas.openxmlformats.org/presentationml/2006/main">
   <p:cSld>
     <p:spTree>
@@ -5961,7 +6997,7 @@
 </p:sld>
 </file>
 
-<file path=ppt/slides/slide19.xml><?xml version="1.0" encoding="utf-8"?>
+<file path=ppt/slides/slide23.xml><?xml version="1.0" encoding="utf-8"?>
 <p:sld xmlns:a="http://schemas.openxmlformats.org/drawingml/2006/main" xmlns:r="http://schemas.openxmlformats.org/officeDocument/2006/relationships" xmlns:p="http://schemas.openxmlformats.org/presentationml/2006/main">
   <p:cSld>
     <p:spTree>
@@ -6322,7 +7358,586 @@
 </p:sld>
 </file>
 
-<file path=ppt/slides/slide2.xml><?xml version="1.0" encoding="utf-8"?>
+<file path=ppt/slides/slide24.xml><?xml version="1.0" encoding="utf-8"?>
+<p:sld xmlns:a="http://schemas.openxmlformats.org/drawingml/2006/main" xmlns:r="http://schemas.openxmlformats.org/officeDocument/2006/relationships" xmlns:p="http://schemas.openxmlformats.org/presentationml/2006/main">
+  <p:cSld>
+    <p:spTree>
+      <p:nvGrpSpPr>
+        <p:cNvPr id="1" name=""/>
+        <p:cNvGrpSpPr/>
+        <p:nvPr/>
+      </p:nvGrpSpPr>
+      <p:grpSpPr/>
+      <p:pic>
+        <p:nvPicPr>
+          <p:cNvPr id="15" name="图片 14"/>
+          <p:cNvPicPr>
+            <a:picLocks noChangeAspect="1"/>
+          </p:cNvPicPr>
+          <p:nvPr/>
+        </p:nvPicPr>
+        <p:blipFill>
+          <a:blip r:embed="rId1"/>
+          <a:stretch>
+            <a:fillRect/>
+          </a:stretch>
+        </p:blipFill>
+        <p:spPr>
+          <a:xfrm>
+            <a:off x="2394585" y="1140460"/>
+            <a:ext cx="4501515" cy="5280025"/>
+          </a:xfrm>
+          <a:prstGeom prst="rect">
+            <a:avLst/>
+          </a:prstGeom>
+        </p:spPr>
+      </p:pic>
+      <p:sp>
+        <p:nvSpPr>
+          <p:cNvPr id="11" name="文本框 10"/>
+          <p:cNvSpPr txBox="1"/>
+          <p:nvPr/>
+        </p:nvSpPr>
+        <p:spPr>
+          <a:xfrm>
+            <a:off x="8890" y="6350"/>
+            <a:ext cx="4561840" cy="3230245"/>
+          </a:xfrm>
+          <a:prstGeom prst="rect">
+            <a:avLst/>
+          </a:prstGeom>
+          <a:noFill/>
+        </p:spPr>
+        <p:txBody>
+          <a:bodyPr wrap="none" rtlCol="0">
+            <a:spAutoFit/>
+          </a:bodyPr>
+          <a:p>
+            <a:r>
+              <a:rPr lang="en-US" altLang="zh-CN" sz="5400">
+                <a:latin typeface="Comic Sans MS" panose="030F0702030302020204" charset="0"/>
+              </a:rPr>
+              <a:t>Register Page</a:t>
+            </a:r>
+            <a:endParaRPr lang="en-US" altLang="zh-CN" sz="5400">
+              <a:latin typeface="Comic Sans MS" panose="030F0702030302020204" charset="0"/>
+            </a:endParaRPr>
+          </a:p>
+          <a:p>
+            <a:endParaRPr lang="en-US" altLang="zh-CN" sz="5400">
+              <a:latin typeface="Comic Sans MS" panose="030F0702030302020204" charset="0"/>
+            </a:endParaRPr>
+          </a:p>
+          <a:p>
+            <a:r>
+              <a:rPr lang="en-US" altLang="zh-CN" sz="2400">
+                <a:latin typeface="Comic Sans MS" panose="030F0702030302020204" charset="0"/>
+              </a:rPr>
+              <a:t>just dialog</a:t>
+            </a:r>
+            <a:endParaRPr lang="en-US" altLang="zh-CN" sz="2400">
+              <a:latin typeface="Comic Sans MS" panose="030F0702030302020204" charset="0"/>
+            </a:endParaRPr>
+          </a:p>
+          <a:p>
+            <a:r>
+              <a:rPr lang="en-US" altLang="zh-CN" sz="2400">
+                <a:latin typeface="Comic Sans MS" panose="030F0702030302020204" charset="0"/>
+              </a:rPr>
+              <a:t>login &amp;&amp; register</a:t>
+            </a:r>
+            <a:endParaRPr lang="en-US" altLang="zh-CN" sz="2400">
+              <a:latin typeface="Comic Sans MS" panose="030F0702030302020204" charset="0"/>
+            </a:endParaRPr>
+          </a:p>
+          <a:p>
+            <a:r>
+              <a:rPr lang="en-US" altLang="zh-CN" sz="2400">
+                <a:latin typeface="Comic Sans MS" panose="030F0702030302020204" charset="0"/>
+              </a:rPr>
+              <a:t>flex</a:t>
+            </a:r>
+            <a:endParaRPr lang="en-US" altLang="zh-CN" sz="2400">
+              <a:latin typeface="Comic Sans MS" panose="030F0702030302020204" charset="0"/>
+            </a:endParaRPr>
+          </a:p>
+          <a:p>
+            <a:r>
+              <a:rPr lang="en-US" altLang="zh-CN" sz="2400">
+                <a:latin typeface="Comic Sans MS" panose="030F0702030302020204" charset="0"/>
+              </a:rPr>
+              <a:t>px2rem</a:t>
+            </a:r>
+            <a:endParaRPr lang="en-US" altLang="zh-CN" sz="2400">
+              <a:latin typeface="Comic Sans MS" panose="030F0702030302020204" charset="0"/>
+            </a:endParaRPr>
+          </a:p>
+        </p:txBody>
+      </p:sp>
+      <p:sp>
+        <p:nvSpPr>
+          <p:cNvPr id="4" name="矩形 3"/>
+          <p:cNvSpPr/>
+          <p:nvPr/>
+        </p:nvSpPr>
+        <p:spPr>
+          <a:xfrm>
+            <a:off x="2788285" y="1565275"/>
+            <a:ext cx="3714115" cy="4430395"/>
+          </a:xfrm>
+          <a:prstGeom prst="rect">
+            <a:avLst/>
+          </a:prstGeom>
+          <a:solidFill>
+            <a:schemeClr val="bg1"/>
+          </a:solidFill>
+          <a:ln w="31750"/>
+        </p:spPr>
+        <p:style>
+          <a:lnRef idx="2">
+            <a:schemeClr val="accent1">
+              <a:shade val="50000"/>
+            </a:schemeClr>
+          </a:lnRef>
+          <a:fillRef idx="1">
+            <a:schemeClr val="accent1"/>
+          </a:fillRef>
+          <a:effectRef idx="0">
+            <a:schemeClr val="accent1"/>
+          </a:effectRef>
+          <a:fontRef idx="minor">
+            <a:schemeClr val="lt1"/>
+          </a:fontRef>
+        </p:style>
+        <p:txBody>
+          <a:bodyPr rtlCol="0" anchor="ctr"/>
+          <a:p>
+            <a:pPr algn="ctr"/>
+            <a:endParaRPr lang="zh-CN" altLang="en-US"/>
+          </a:p>
+        </p:txBody>
+      </p:sp>
+      <p:sp>
+        <p:nvSpPr>
+          <p:cNvPr id="14" name="文本框 13"/>
+          <p:cNvSpPr txBox="1"/>
+          <p:nvPr/>
+        </p:nvSpPr>
+        <p:spPr>
+          <a:xfrm>
+            <a:off x="7242175" y="2098040"/>
+            <a:ext cx="2329180" cy="706755"/>
+          </a:xfrm>
+          <a:prstGeom prst="rect">
+            <a:avLst/>
+          </a:prstGeom>
+          <a:noFill/>
+        </p:spPr>
+        <p:txBody>
+          <a:bodyPr wrap="none" rtlCol="0" anchor="t">
+            <a:spAutoFit/>
+          </a:bodyPr>
+          <a:p>
+            <a:r>
+              <a:rPr lang="en-US" altLang="zh-CN" sz="4000">
+                <a:latin typeface="Comic Sans MS" panose="030F0702030302020204" charset="0"/>
+                <a:sym typeface="+mn-ea"/>
+              </a:rPr>
+              <a:t>Welcome</a:t>
+            </a:r>
+            <a:endParaRPr lang="en-US" altLang="zh-CN" sz="4000">
+              <a:latin typeface="Comic Sans MS" panose="030F0702030302020204" charset="0"/>
+              <a:sym typeface="+mn-ea"/>
+            </a:endParaRPr>
+          </a:p>
+        </p:txBody>
+      </p:sp>
+      <p:sp>
+        <p:nvSpPr>
+          <p:cNvPr id="16" name="文本框 15"/>
+          <p:cNvSpPr txBox="1"/>
+          <p:nvPr/>
+        </p:nvSpPr>
+        <p:spPr>
+          <a:xfrm>
+            <a:off x="8185150" y="3396615"/>
+            <a:ext cx="2621280" cy="768350"/>
+          </a:xfrm>
+          <a:prstGeom prst="rect">
+            <a:avLst/>
+          </a:prstGeom>
+          <a:noFill/>
+        </p:spPr>
+        <p:txBody>
+          <a:bodyPr wrap="none" rtlCol="0">
+            <a:spAutoFit/>
+          </a:bodyPr>
+          <a:p>
+            <a:r>
+              <a:rPr lang="en-US" altLang="zh-CN" sz="4400" b="1"/>
+              <a:t>WELCOME</a:t>
+            </a:r>
+            <a:endParaRPr lang="en-US" altLang="zh-CN" sz="4400" b="1"/>
+          </a:p>
+        </p:txBody>
+      </p:sp>
+    </p:spTree>
+  </p:cSld>
+  <p:clrMapOvr>
+    <a:masterClrMapping/>
+  </p:clrMapOvr>
+</p:sld>
+</file>
+
+<file path=ppt/slides/slide25.xml><?xml version="1.0" encoding="utf-8"?>
+<p:sld xmlns:a="http://schemas.openxmlformats.org/drawingml/2006/main" xmlns:r="http://schemas.openxmlformats.org/officeDocument/2006/relationships" xmlns:p="http://schemas.openxmlformats.org/presentationml/2006/main">
+  <p:cSld>
+    <p:spTree>
+      <p:nvGrpSpPr>
+        <p:cNvPr id="1" name=""/>
+        <p:cNvGrpSpPr/>
+        <p:nvPr/>
+      </p:nvGrpSpPr>
+      <p:grpSpPr/>
+      <p:sp>
+        <p:nvSpPr>
+          <p:cNvPr id="11" name="文本框 10"/>
+          <p:cNvSpPr txBox="1"/>
+          <p:nvPr/>
+        </p:nvSpPr>
+        <p:spPr>
+          <a:xfrm>
+            <a:off x="8890" y="6350"/>
+            <a:ext cx="4561840" cy="3230245"/>
+          </a:xfrm>
+          <a:prstGeom prst="rect">
+            <a:avLst/>
+          </a:prstGeom>
+          <a:noFill/>
+        </p:spPr>
+        <p:txBody>
+          <a:bodyPr wrap="none" rtlCol="0">
+            <a:spAutoFit/>
+          </a:bodyPr>
+          <a:p>
+            <a:r>
+              <a:rPr lang="en-US" altLang="zh-CN" sz="5400">
+                <a:latin typeface="Comic Sans MS" panose="030F0702030302020204" charset="0"/>
+              </a:rPr>
+              <a:t>Register Page</a:t>
+            </a:r>
+            <a:endParaRPr lang="en-US" altLang="zh-CN" sz="5400">
+              <a:latin typeface="Comic Sans MS" panose="030F0702030302020204" charset="0"/>
+            </a:endParaRPr>
+          </a:p>
+          <a:p>
+            <a:endParaRPr lang="en-US" altLang="zh-CN" sz="5400">
+              <a:latin typeface="Comic Sans MS" panose="030F0702030302020204" charset="0"/>
+            </a:endParaRPr>
+          </a:p>
+          <a:p>
+            <a:r>
+              <a:rPr lang="en-US" altLang="zh-CN" sz="2400">
+                <a:latin typeface="Comic Sans MS" panose="030F0702030302020204" charset="0"/>
+              </a:rPr>
+              <a:t>just dialog</a:t>
+            </a:r>
+            <a:endParaRPr lang="en-US" altLang="zh-CN" sz="2400">
+              <a:latin typeface="Comic Sans MS" panose="030F0702030302020204" charset="0"/>
+            </a:endParaRPr>
+          </a:p>
+          <a:p>
+            <a:r>
+              <a:rPr lang="en-US" altLang="zh-CN" sz="2400">
+                <a:latin typeface="Comic Sans MS" panose="030F0702030302020204" charset="0"/>
+              </a:rPr>
+              <a:t>login &amp;&amp; register</a:t>
+            </a:r>
+            <a:endParaRPr lang="en-US" altLang="zh-CN" sz="2400">
+              <a:latin typeface="Comic Sans MS" panose="030F0702030302020204" charset="0"/>
+            </a:endParaRPr>
+          </a:p>
+          <a:p>
+            <a:r>
+              <a:rPr lang="en-US" altLang="zh-CN" sz="2400">
+                <a:latin typeface="Comic Sans MS" panose="030F0702030302020204" charset="0"/>
+              </a:rPr>
+              <a:t>flex</a:t>
+            </a:r>
+            <a:endParaRPr lang="en-US" altLang="zh-CN" sz="2400">
+              <a:latin typeface="Comic Sans MS" panose="030F0702030302020204" charset="0"/>
+            </a:endParaRPr>
+          </a:p>
+          <a:p>
+            <a:r>
+              <a:rPr lang="en-US" altLang="zh-CN" sz="2400">
+                <a:latin typeface="Comic Sans MS" panose="030F0702030302020204" charset="0"/>
+              </a:rPr>
+              <a:t>px2rem</a:t>
+            </a:r>
+            <a:endParaRPr lang="en-US" altLang="zh-CN" sz="2400">
+              <a:latin typeface="Comic Sans MS" panose="030F0702030302020204" charset="0"/>
+            </a:endParaRPr>
+          </a:p>
+        </p:txBody>
+      </p:sp>
+      <p:sp>
+        <p:nvSpPr>
+          <p:cNvPr id="2" name="文本框 1"/>
+          <p:cNvSpPr txBox="1"/>
+          <p:nvPr/>
+        </p:nvSpPr>
+        <p:spPr>
+          <a:xfrm>
+            <a:off x="4429760" y="2575560"/>
+            <a:ext cx="2621280" cy="768350"/>
+          </a:xfrm>
+          <a:prstGeom prst="rect">
+            <a:avLst/>
+          </a:prstGeom>
+          <a:noFill/>
+        </p:spPr>
+        <p:txBody>
+          <a:bodyPr wrap="none" rtlCol="0">
+            <a:spAutoFit/>
+          </a:bodyPr>
+          <a:p>
+            <a:r>
+              <a:rPr lang="en-US" altLang="zh-CN" sz="4400" b="1"/>
+              <a:t>WELCOME</a:t>
+            </a:r>
+            <a:endParaRPr lang="en-US" altLang="zh-CN" sz="4400" b="1"/>
+          </a:p>
+        </p:txBody>
+      </p:sp>
+    </p:spTree>
+  </p:cSld>
+  <p:clrMapOvr>
+    <a:masterClrMapping/>
+  </p:clrMapOvr>
+</p:sld>
+</file>
+
+<file path=ppt/slides/slide26.xml><?xml version="1.0" encoding="utf-8"?>
+<p:sld xmlns:a="http://schemas.openxmlformats.org/drawingml/2006/main" xmlns:r="http://schemas.openxmlformats.org/officeDocument/2006/relationships" xmlns:p="http://schemas.openxmlformats.org/presentationml/2006/main">
+  <p:cSld>
+    <p:spTree>
+      <p:nvGrpSpPr>
+        <p:cNvPr id="1" name=""/>
+        <p:cNvGrpSpPr/>
+        <p:nvPr/>
+      </p:nvGrpSpPr>
+      <p:grpSpPr/>
+      <p:pic>
+        <p:nvPicPr>
+          <p:cNvPr id="12" name="图片 11"/>
+          <p:cNvPicPr>
+            <a:picLocks noChangeAspect="1"/>
+          </p:cNvPicPr>
+          <p:nvPr/>
+        </p:nvPicPr>
+        <p:blipFill>
+          <a:blip r:embed="rId1"/>
+          <a:stretch>
+            <a:fillRect/>
+          </a:stretch>
+        </p:blipFill>
+        <p:spPr>
+          <a:xfrm>
+            <a:off x="6076950" y="2089150"/>
+            <a:ext cx="5038090" cy="4514215"/>
+          </a:xfrm>
+          <a:prstGeom prst="rect">
+            <a:avLst/>
+          </a:prstGeom>
+        </p:spPr>
+      </p:pic>
+      <p:sp>
+        <p:nvSpPr>
+          <p:cNvPr id="11" name="文本框 10"/>
+          <p:cNvSpPr txBox="1"/>
+          <p:nvPr/>
+        </p:nvSpPr>
+        <p:spPr>
+          <a:xfrm>
+            <a:off x="8890" y="6350"/>
+            <a:ext cx="4561840" cy="922020"/>
+          </a:xfrm>
+          <a:prstGeom prst="rect">
+            <a:avLst/>
+          </a:prstGeom>
+          <a:noFill/>
+        </p:spPr>
+        <p:txBody>
+          <a:bodyPr wrap="none" rtlCol="0">
+            <a:spAutoFit/>
+          </a:bodyPr>
+          <a:p>
+            <a:r>
+              <a:rPr lang="en-US" altLang="zh-CN" sz="5400">
+                <a:latin typeface="Comic Sans MS" panose="030F0702030302020204" charset="0"/>
+              </a:rPr>
+              <a:t>Register Page</a:t>
+            </a:r>
+            <a:endParaRPr lang="en-US" altLang="zh-CN" sz="5400">
+              <a:latin typeface="Comic Sans MS" panose="030F0702030302020204" charset="0"/>
+            </a:endParaRPr>
+          </a:p>
+        </p:txBody>
+      </p:sp>
+      <p:pic>
+        <p:nvPicPr>
+          <p:cNvPr id="5" name="图片 4"/>
+          <p:cNvPicPr>
+            <a:picLocks noChangeAspect="1"/>
+          </p:cNvPicPr>
+          <p:nvPr/>
+        </p:nvPicPr>
+        <p:blipFill>
+          <a:blip r:embed="rId2"/>
+          <a:stretch>
+            <a:fillRect/>
+          </a:stretch>
+        </p:blipFill>
+        <p:spPr>
+          <a:xfrm>
+            <a:off x="8890" y="2809240"/>
+            <a:ext cx="3323590" cy="4009390"/>
+          </a:xfrm>
+          <a:prstGeom prst="rect">
+            <a:avLst/>
+          </a:prstGeom>
+        </p:spPr>
+      </p:pic>
+      <p:pic>
+        <p:nvPicPr>
+          <p:cNvPr id="8" name="图片 7"/>
+          <p:cNvPicPr>
+            <a:picLocks noChangeAspect="1"/>
+          </p:cNvPicPr>
+          <p:nvPr/>
+        </p:nvPicPr>
+        <p:blipFill>
+          <a:blip r:embed="rId3"/>
+          <a:stretch>
+            <a:fillRect/>
+          </a:stretch>
+        </p:blipFill>
+        <p:spPr>
+          <a:xfrm>
+            <a:off x="1811655" y="1521460"/>
+            <a:ext cx="3104515" cy="4104640"/>
+          </a:xfrm>
+          <a:prstGeom prst="rect">
+            <a:avLst/>
+          </a:prstGeom>
+        </p:spPr>
+      </p:pic>
+      <p:pic>
+        <p:nvPicPr>
+          <p:cNvPr id="9" name="图片 8"/>
+          <p:cNvPicPr>
+            <a:picLocks noChangeAspect="1"/>
+          </p:cNvPicPr>
+          <p:nvPr/>
+        </p:nvPicPr>
+        <p:blipFill>
+          <a:blip r:embed="rId4"/>
+          <a:stretch>
+            <a:fillRect/>
+          </a:stretch>
+        </p:blipFill>
+        <p:spPr>
+          <a:xfrm>
+            <a:off x="2820670" y="1192530"/>
+            <a:ext cx="3152140" cy="4114165"/>
+          </a:xfrm>
+          <a:prstGeom prst="rect">
+            <a:avLst/>
+          </a:prstGeom>
+        </p:spPr>
+      </p:pic>
+      <p:pic>
+        <p:nvPicPr>
+          <p:cNvPr id="10" name="图片 9"/>
+          <p:cNvPicPr>
+            <a:picLocks noChangeAspect="1"/>
+          </p:cNvPicPr>
+          <p:nvPr/>
+        </p:nvPicPr>
+        <p:blipFill>
+          <a:blip r:embed="rId5"/>
+          <a:stretch>
+            <a:fillRect/>
+          </a:stretch>
+        </p:blipFill>
+        <p:spPr>
+          <a:xfrm>
+            <a:off x="3481705" y="1143000"/>
+            <a:ext cx="5228590" cy="4571365"/>
+          </a:xfrm>
+          <a:prstGeom prst="rect">
+            <a:avLst/>
+          </a:prstGeom>
+        </p:spPr>
+      </p:pic>
+      <p:pic>
+        <p:nvPicPr>
+          <p:cNvPr id="14" name="图片 13"/>
+          <p:cNvPicPr>
+            <a:picLocks noChangeAspect="1"/>
+          </p:cNvPicPr>
+          <p:nvPr/>
+        </p:nvPicPr>
+        <p:blipFill>
+          <a:blip r:embed="rId6"/>
+          <a:stretch>
+            <a:fillRect/>
+          </a:stretch>
+        </p:blipFill>
+        <p:spPr>
+          <a:xfrm>
+            <a:off x="5972810" y="1624330"/>
+            <a:ext cx="5847715" cy="5095240"/>
+          </a:xfrm>
+          <a:prstGeom prst="rect">
+            <a:avLst/>
+          </a:prstGeom>
+        </p:spPr>
+      </p:pic>
+      <p:pic>
+        <p:nvPicPr>
+          <p:cNvPr id="13" name="图片 12"/>
+          <p:cNvPicPr>
+            <a:picLocks noChangeAspect="1"/>
+          </p:cNvPicPr>
+          <p:nvPr/>
+        </p:nvPicPr>
+        <p:blipFill>
+          <a:blip r:embed="rId7"/>
+          <a:stretch>
+            <a:fillRect/>
+          </a:stretch>
+        </p:blipFill>
+        <p:spPr>
+          <a:xfrm>
+            <a:off x="5697855" y="280670"/>
+            <a:ext cx="5295265" cy="6295390"/>
+          </a:xfrm>
+          <a:prstGeom prst="rect">
+            <a:avLst/>
+          </a:prstGeom>
+        </p:spPr>
+      </p:pic>
+    </p:spTree>
+  </p:cSld>
+  <p:clrMapOvr>
+    <a:masterClrMapping/>
+  </p:clrMapOvr>
+</p:sld>
+</file>
+
+<file path=ppt/slides/slide3.xml><?xml version="1.0" encoding="utf-8"?>
 <p:sld xmlns:a="http://schemas.openxmlformats.org/drawingml/2006/main" xmlns:r="http://schemas.openxmlformats.org/officeDocument/2006/relationships" xmlns:p="http://schemas.openxmlformats.org/presentationml/2006/main">
   <p:cSld>
     <p:spTree>
@@ -6451,7 +8066,7 @@
 </p:sld>
 </file>
 
-<file path=ppt/slides/slide20.xml><?xml version="1.0" encoding="utf-8"?>
+<file path=ppt/slides/slide4.xml><?xml version="1.0" encoding="utf-8"?>
 <p:sld xmlns:a="http://schemas.openxmlformats.org/drawingml/2006/main" xmlns:r="http://schemas.openxmlformats.org/officeDocument/2006/relationships" xmlns:p="http://schemas.openxmlformats.org/presentationml/2006/main">
   <p:cSld>
     <p:spTree>
@@ -6461,130 +8076,23 @@
         <p:nvPr/>
       </p:nvGrpSpPr>
       <p:grpSpPr/>
-      <p:pic>
-        <p:nvPicPr>
-          <p:cNvPr id="15" name="图片 14"/>
-          <p:cNvPicPr>
-            <a:picLocks noChangeAspect="1"/>
-          </p:cNvPicPr>
-          <p:nvPr/>
-        </p:nvPicPr>
-        <p:blipFill>
-          <a:blip r:embed="rId1"/>
-          <a:stretch>
-            <a:fillRect/>
-          </a:stretch>
-        </p:blipFill>
-        <p:spPr>
-          <a:xfrm>
-            <a:off x="2394585" y="1140460"/>
-            <a:ext cx="4501515" cy="5280025"/>
-          </a:xfrm>
-          <a:prstGeom prst="rect">
-            <a:avLst/>
-          </a:prstGeom>
-        </p:spPr>
-      </p:pic>
-      <p:sp>
-        <p:nvSpPr>
-          <p:cNvPr id="11" name="文本框 10"/>
-          <p:cNvSpPr txBox="1"/>
-          <p:nvPr/>
-        </p:nvSpPr>
-        <p:spPr>
-          <a:xfrm>
-            <a:off x="8890" y="6350"/>
-            <a:ext cx="4561840" cy="3230245"/>
-          </a:xfrm>
-          <a:prstGeom prst="rect">
-            <a:avLst/>
-          </a:prstGeom>
-          <a:noFill/>
-        </p:spPr>
-        <p:txBody>
-          <a:bodyPr wrap="none" rtlCol="0">
-            <a:spAutoFit/>
-          </a:bodyPr>
-          <a:p>
-            <a:r>
-              <a:rPr lang="en-US" altLang="zh-CN" sz="5400">
-                <a:latin typeface="Comic Sans MS" panose="030F0702030302020204" charset="0"/>
-              </a:rPr>
-              <a:t>Register Page</a:t>
-            </a:r>
-            <a:endParaRPr lang="en-US" altLang="zh-CN" sz="5400">
-              <a:latin typeface="Comic Sans MS" panose="030F0702030302020204" charset="0"/>
-            </a:endParaRPr>
-          </a:p>
-          <a:p>
-            <a:endParaRPr lang="en-US" altLang="zh-CN" sz="5400">
-              <a:latin typeface="Comic Sans MS" panose="030F0702030302020204" charset="0"/>
-            </a:endParaRPr>
-          </a:p>
-          <a:p>
-            <a:r>
-              <a:rPr lang="en-US" altLang="zh-CN" sz="2400">
-                <a:latin typeface="Comic Sans MS" panose="030F0702030302020204" charset="0"/>
-              </a:rPr>
-              <a:t>just dialog</a:t>
-            </a:r>
-            <a:endParaRPr lang="en-US" altLang="zh-CN" sz="2400">
-              <a:latin typeface="Comic Sans MS" panose="030F0702030302020204" charset="0"/>
-            </a:endParaRPr>
-          </a:p>
-          <a:p>
-            <a:r>
-              <a:rPr lang="en-US" altLang="zh-CN" sz="2400">
-                <a:latin typeface="Comic Sans MS" panose="030F0702030302020204" charset="0"/>
-              </a:rPr>
-              <a:t>login &amp;&amp; register</a:t>
-            </a:r>
-            <a:endParaRPr lang="en-US" altLang="zh-CN" sz="2400">
-              <a:latin typeface="Comic Sans MS" panose="030F0702030302020204" charset="0"/>
-            </a:endParaRPr>
-          </a:p>
-          <a:p>
-            <a:r>
-              <a:rPr lang="en-US" altLang="zh-CN" sz="2400">
-                <a:latin typeface="Comic Sans MS" panose="030F0702030302020204" charset="0"/>
-              </a:rPr>
-              <a:t>flex</a:t>
-            </a:r>
-            <a:endParaRPr lang="en-US" altLang="zh-CN" sz="2400">
-              <a:latin typeface="Comic Sans MS" panose="030F0702030302020204" charset="0"/>
-            </a:endParaRPr>
-          </a:p>
-          <a:p>
-            <a:r>
-              <a:rPr lang="en-US" altLang="zh-CN" sz="2400">
-                <a:latin typeface="Comic Sans MS" panose="030F0702030302020204" charset="0"/>
-              </a:rPr>
-              <a:t>px2rem</a:t>
-            </a:r>
-            <a:endParaRPr lang="en-US" altLang="zh-CN" sz="2400">
-              <a:latin typeface="Comic Sans MS" panose="030F0702030302020204" charset="0"/>
-            </a:endParaRPr>
-          </a:p>
-        </p:txBody>
-      </p:sp>
-      <p:sp>
-        <p:nvSpPr>
-          <p:cNvPr id="4" name="矩形 3"/>
+      <p:sp>
+        <p:nvSpPr>
+          <p:cNvPr id="3" name="矩形 2"/>
           <p:cNvSpPr/>
           <p:nvPr/>
         </p:nvSpPr>
         <p:spPr>
           <a:xfrm>
-            <a:off x="2788285" y="1565275"/>
-            <a:ext cx="3714115" cy="4430395"/>
+            <a:off x="3009900" y="1912620"/>
+            <a:ext cx="6000750" cy="2066290"/>
           </a:xfrm>
           <a:prstGeom prst="rect">
             <a:avLst/>
           </a:prstGeom>
           <a:solidFill>
-            <a:schemeClr val="bg1"/>
+            <a:schemeClr val="tx1"/>
           </a:solidFill>
-          <a:ln w="31750"/>
         </p:spPr>
         <p:style>
           <a:lnRef idx="2">
@@ -6612,14 +8120,14 @@
       </p:sp>
       <p:sp>
         <p:nvSpPr>
-          <p:cNvPr id="14" name="文本框 13"/>
+          <p:cNvPr id="2" name="文本框 1"/>
           <p:cNvSpPr txBox="1"/>
           <p:nvPr/>
         </p:nvSpPr>
         <p:spPr>
           <a:xfrm>
-            <a:off x="7242175" y="2098040"/>
-            <a:ext cx="2329180" cy="706755"/>
+            <a:off x="3158490" y="1935480"/>
+            <a:ext cx="5852160" cy="2214880"/>
           </a:xfrm>
           <a:prstGeom prst="rect">
             <a:avLst/>
@@ -6627,50 +8135,40 @@
           <a:noFill/>
         </p:spPr>
         <p:txBody>
-          <a:bodyPr wrap="none" rtlCol="0" anchor="t">
+          <a:bodyPr wrap="square" rtlCol="0">
             <a:spAutoFit/>
           </a:bodyPr>
           <a:p>
             <a:r>
-              <a:rPr lang="en-US" altLang="zh-CN" sz="4000">
-                <a:latin typeface="Comic Sans MS" panose="030F0702030302020204" charset="0"/>
-                <a:sym typeface="+mn-ea"/>
+              <a:rPr lang="en-US" altLang="zh-CN" sz="13800">
+                <a:solidFill>
+                  <a:schemeClr val="bg1"/>
+                </a:solidFill>
+                <a:uFillTx/>
+                <a:latin typeface="Aharoni" panose="02010803020104030203" charset="0"/>
+                <a:ea typeface="方正隶变_GBK" panose="02000000000000000000" charset="-122"/>
               </a:rPr>
-              <a:t>Welcome</a:t>
-            </a:r>
-            <a:endParaRPr lang="en-US" altLang="zh-CN" sz="4000">
-              <a:latin typeface="Comic Sans MS" panose="030F0702030302020204" charset="0"/>
-              <a:sym typeface="+mn-ea"/>
+              <a:t>Hi R</a:t>
+            </a:r>
+            <a:r>
+              <a:rPr lang="en-US" altLang="zh-CN" sz="13800">
+                <a:solidFill>
+                  <a:srgbClr val="FF0000"/>
+                </a:solidFill>
+                <a:uFillTx/>
+                <a:latin typeface="Aharoni" panose="02010803020104030203" charset="0"/>
+                <a:ea typeface="方正隶变_GBK" panose="02000000000000000000" charset="-122"/>
+              </a:rPr>
+              <a:t>ap</a:t>
+            </a:r>
+            <a:endParaRPr lang="en-US" altLang="zh-CN" sz="13800">
+              <a:solidFill>
+                <a:srgbClr val="FF0000"/>
+              </a:solidFill>
+              <a:uFillTx/>
+              <a:latin typeface="Aharoni" panose="02010803020104030203" charset="0"/>
+              <a:ea typeface="方正隶变_GBK" panose="02000000000000000000" charset="-122"/>
             </a:endParaRPr>
-          </a:p>
-        </p:txBody>
-      </p:sp>
-      <p:sp>
-        <p:nvSpPr>
-          <p:cNvPr id="16" name="文本框 15"/>
-          <p:cNvSpPr txBox="1"/>
-          <p:nvPr/>
-        </p:nvSpPr>
-        <p:spPr>
-          <a:xfrm>
-            <a:off x="8185150" y="3396615"/>
-            <a:ext cx="2621280" cy="768350"/>
-          </a:xfrm>
-          <a:prstGeom prst="rect">
-            <a:avLst/>
-          </a:prstGeom>
-          <a:noFill/>
-        </p:spPr>
-        <p:txBody>
-          <a:bodyPr wrap="none" rtlCol="0">
-            <a:spAutoFit/>
-          </a:bodyPr>
-          <a:p>
-            <a:r>
-              <a:rPr lang="en-US" altLang="zh-CN" sz="4400" b="1"/>
-              <a:t>WELCOME</a:t>
-            </a:r>
-            <a:endParaRPr lang="en-US" altLang="zh-CN" sz="4400" b="1"/>
           </a:p>
         </p:txBody>
       </p:sp>
@@ -6682,355 +8180,7 @@
 </p:sld>
 </file>
 
-<file path=ppt/slides/slide21.xml><?xml version="1.0" encoding="utf-8"?>
-<p:sld xmlns:a="http://schemas.openxmlformats.org/drawingml/2006/main" xmlns:r="http://schemas.openxmlformats.org/officeDocument/2006/relationships" xmlns:p="http://schemas.openxmlformats.org/presentationml/2006/main">
-  <p:cSld>
-    <p:spTree>
-      <p:nvGrpSpPr>
-        <p:cNvPr id="1" name=""/>
-        <p:cNvGrpSpPr/>
-        <p:nvPr/>
-      </p:nvGrpSpPr>
-      <p:grpSpPr/>
-      <p:sp>
-        <p:nvSpPr>
-          <p:cNvPr id="11" name="文本框 10"/>
-          <p:cNvSpPr txBox="1"/>
-          <p:nvPr/>
-        </p:nvSpPr>
-        <p:spPr>
-          <a:xfrm>
-            <a:off x="8890" y="6350"/>
-            <a:ext cx="4561840" cy="3230245"/>
-          </a:xfrm>
-          <a:prstGeom prst="rect">
-            <a:avLst/>
-          </a:prstGeom>
-          <a:noFill/>
-        </p:spPr>
-        <p:txBody>
-          <a:bodyPr wrap="none" rtlCol="0">
-            <a:spAutoFit/>
-          </a:bodyPr>
-          <a:p>
-            <a:r>
-              <a:rPr lang="en-US" altLang="zh-CN" sz="5400">
-                <a:latin typeface="Comic Sans MS" panose="030F0702030302020204" charset="0"/>
-              </a:rPr>
-              <a:t>Register Page</a:t>
-            </a:r>
-            <a:endParaRPr lang="en-US" altLang="zh-CN" sz="5400">
-              <a:latin typeface="Comic Sans MS" panose="030F0702030302020204" charset="0"/>
-            </a:endParaRPr>
-          </a:p>
-          <a:p>
-            <a:endParaRPr lang="en-US" altLang="zh-CN" sz="5400">
-              <a:latin typeface="Comic Sans MS" panose="030F0702030302020204" charset="0"/>
-            </a:endParaRPr>
-          </a:p>
-          <a:p>
-            <a:r>
-              <a:rPr lang="en-US" altLang="zh-CN" sz="2400">
-                <a:latin typeface="Comic Sans MS" panose="030F0702030302020204" charset="0"/>
-              </a:rPr>
-              <a:t>just dialog</a:t>
-            </a:r>
-            <a:endParaRPr lang="en-US" altLang="zh-CN" sz="2400">
-              <a:latin typeface="Comic Sans MS" panose="030F0702030302020204" charset="0"/>
-            </a:endParaRPr>
-          </a:p>
-          <a:p>
-            <a:r>
-              <a:rPr lang="en-US" altLang="zh-CN" sz="2400">
-                <a:latin typeface="Comic Sans MS" panose="030F0702030302020204" charset="0"/>
-              </a:rPr>
-              <a:t>login &amp;&amp; register</a:t>
-            </a:r>
-            <a:endParaRPr lang="en-US" altLang="zh-CN" sz="2400">
-              <a:latin typeface="Comic Sans MS" panose="030F0702030302020204" charset="0"/>
-            </a:endParaRPr>
-          </a:p>
-          <a:p>
-            <a:r>
-              <a:rPr lang="en-US" altLang="zh-CN" sz="2400">
-                <a:latin typeface="Comic Sans MS" panose="030F0702030302020204" charset="0"/>
-              </a:rPr>
-              <a:t>flex</a:t>
-            </a:r>
-            <a:endParaRPr lang="en-US" altLang="zh-CN" sz="2400">
-              <a:latin typeface="Comic Sans MS" panose="030F0702030302020204" charset="0"/>
-            </a:endParaRPr>
-          </a:p>
-          <a:p>
-            <a:r>
-              <a:rPr lang="en-US" altLang="zh-CN" sz="2400">
-                <a:latin typeface="Comic Sans MS" panose="030F0702030302020204" charset="0"/>
-              </a:rPr>
-              <a:t>px2rem</a:t>
-            </a:r>
-            <a:endParaRPr lang="en-US" altLang="zh-CN" sz="2400">
-              <a:latin typeface="Comic Sans MS" panose="030F0702030302020204" charset="0"/>
-            </a:endParaRPr>
-          </a:p>
-        </p:txBody>
-      </p:sp>
-      <p:sp>
-        <p:nvSpPr>
-          <p:cNvPr id="2" name="文本框 1"/>
-          <p:cNvSpPr txBox="1"/>
-          <p:nvPr/>
-        </p:nvSpPr>
-        <p:spPr>
-          <a:xfrm>
-            <a:off x="4429760" y="2575560"/>
-            <a:ext cx="2621280" cy="768350"/>
-          </a:xfrm>
-          <a:prstGeom prst="rect">
-            <a:avLst/>
-          </a:prstGeom>
-          <a:noFill/>
-        </p:spPr>
-        <p:txBody>
-          <a:bodyPr wrap="none" rtlCol="0">
-            <a:spAutoFit/>
-          </a:bodyPr>
-          <a:p>
-            <a:r>
-              <a:rPr lang="en-US" altLang="zh-CN" sz="4400" b="1"/>
-              <a:t>WELCOME</a:t>
-            </a:r>
-            <a:endParaRPr lang="en-US" altLang="zh-CN" sz="4400" b="1"/>
-          </a:p>
-        </p:txBody>
-      </p:sp>
-    </p:spTree>
-  </p:cSld>
-  <p:clrMapOvr>
-    <a:masterClrMapping/>
-  </p:clrMapOvr>
-</p:sld>
-</file>
-
-<file path=ppt/slides/slide22.xml><?xml version="1.0" encoding="utf-8"?>
-<p:sld xmlns:a="http://schemas.openxmlformats.org/drawingml/2006/main" xmlns:r="http://schemas.openxmlformats.org/officeDocument/2006/relationships" xmlns:p="http://schemas.openxmlformats.org/presentationml/2006/main">
-  <p:cSld>
-    <p:spTree>
-      <p:nvGrpSpPr>
-        <p:cNvPr id="1" name=""/>
-        <p:cNvGrpSpPr/>
-        <p:nvPr/>
-      </p:nvGrpSpPr>
-      <p:grpSpPr/>
-      <p:pic>
-        <p:nvPicPr>
-          <p:cNvPr id="12" name="图片 11"/>
-          <p:cNvPicPr>
-            <a:picLocks noChangeAspect="1"/>
-          </p:cNvPicPr>
-          <p:nvPr/>
-        </p:nvPicPr>
-        <p:blipFill>
-          <a:blip r:embed="rId1"/>
-          <a:stretch>
-            <a:fillRect/>
-          </a:stretch>
-        </p:blipFill>
-        <p:spPr>
-          <a:xfrm>
-            <a:off x="6076950" y="2089150"/>
-            <a:ext cx="5038090" cy="4514215"/>
-          </a:xfrm>
-          <a:prstGeom prst="rect">
-            <a:avLst/>
-          </a:prstGeom>
-        </p:spPr>
-      </p:pic>
-      <p:sp>
-        <p:nvSpPr>
-          <p:cNvPr id="11" name="文本框 10"/>
-          <p:cNvSpPr txBox="1"/>
-          <p:nvPr/>
-        </p:nvSpPr>
-        <p:spPr>
-          <a:xfrm>
-            <a:off x="8890" y="6350"/>
-            <a:ext cx="4561840" cy="922020"/>
-          </a:xfrm>
-          <a:prstGeom prst="rect">
-            <a:avLst/>
-          </a:prstGeom>
-          <a:noFill/>
-        </p:spPr>
-        <p:txBody>
-          <a:bodyPr wrap="none" rtlCol="0">
-            <a:spAutoFit/>
-          </a:bodyPr>
-          <a:p>
-            <a:r>
-              <a:rPr lang="en-US" altLang="zh-CN" sz="5400">
-                <a:latin typeface="Comic Sans MS" panose="030F0702030302020204" charset="0"/>
-              </a:rPr>
-              <a:t>Register Page</a:t>
-            </a:r>
-            <a:endParaRPr lang="en-US" altLang="zh-CN" sz="5400">
-              <a:latin typeface="Comic Sans MS" panose="030F0702030302020204" charset="0"/>
-            </a:endParaRPr>
-          </a:p>
-        </p:txBody>
-      </p:sp>
-      <p:pic>
-        <p:nvPicPr>
-          <p:cNvPr id="5" name="图片 4"/>
-          <p:cNvPicPr>
-            <a:picLocks noChangeAspect="1"/>
-          </p:cNvPicPr>
-          <p:nvPr/>
-        </p:nvPicPr>
-        <p:blipFill>
-          <a:blip r:embed="rId2"/>
-          <a:stretch>
-            <a:fillRect/>
-          </a:stretch>
-        </p:blipFill>
-        <p:spPr>
-          <a:xfrm>
-            <a:off x="8890" y="2809240"/>
-            <a:ext cx="3323590" cy="4009390"/>
-          </a:xfrm>
-          <a:prstGeom prst="rect">
-            <a:avLst/>
-          </a:prstGeom>
-        </p:spPr>
-      </p:pic>
-      <p:pic>
-        <p:nvPicPr>
-          <p:cNvPr id="8" name="图片 7"/>
-          <p:cNvPicPr>
-            <a:picLocks noChangeAspect="1"/>
-          </p:cNvPicPr>
-          <p:nvPr/>
-        </p:nvPicPr>
-        <p:blipFill>
-          <a:blip r:embed="rId3"/>
-          <a:stretch>
-            <a:fillRect/>
-          </a:stretch>
-        </p:blipFill>
-        <p:spPr>
-          <a:xfrm>
-            <a:off x="1811655" y="1521460"/>
-            <a:ext cx="3104515" cy="4104640"/>
-          </a:xfrm>
-          <a:prstGeom prst="rect">
-            <a:avLst/>
-          </a:prstGeom>
-        </p:spPr>
-      </p:pic>
-      <p:pic>
-        <p:nvPicPr>
-          <p:cNvPr id="9" name="图片 8"/>
-          <p:cNvPicPr>
-            <a:picLocks noChangeAspect="1"/>
-          </p:cNvPicPr>
-          <p:nvPr/>
-        </p:nvPicPr>
-        <p:blipFill>
-          <a:blip r:embed="rId4"/>
-          <a:stretch>
-            <a:fillRect/>
-          </a:stretch>
-        </p:blipFill>
-        <p:spPr>
-          <a:xfrm>
-            <a:off x="2820670" y="1192530"/>
-            <a:ext cx="3152140" cy="4114165"/>
-          </a:xfrm>
-          <a:prstGeom prst="rect">
-            <a:avLst/>
-          </a:prstGeom>
-        </p:spPr>
-      </p:pic>
-      <p:pic>
-        <p:nvPicPr>
-          <p:cNvPr id="10" name="图片 9"/>
-          <p:cNvPicPr>
-            <a:picLocks noChangeAspect="1"/>
-          </p:cNvPicPr>
-          <p:nvPr/>
-        </p:nvPicPr>
-        <p:blipFill>
-          <a:blip r:embed="rId5"/>
-          <a:stretch>
-            <a:fillRect/>
-          </a:stretch>
-        </p:blipFill>
-        <p:spPr>
-          <a:xfrm>
-            <a:off x="3481705" y="1143000"/>
-            <a:ext cx="5228590" cy="4571365"/>
-          </a:xfrm>
-          <a:prstGeom prst="rect">
-            <a:avLst/>
-          </a:prstGeom>
-        </p:spPr>
-      </p:pic>
-      <p:pic>
-        <p:nvPicPr>
-          <p:cNvPr id="14" name="图片 13"/>
-          <p:cNvPicPr>
-            <a:picLocks noChangeAspect="1"/>
-          </p:cNvPicPr>
-          <p:nvPr/>
-        </p:nvPicPr>
-        <p:blipFill>
-          <a:blip r:embed="rId6"/>
-          <a:stretch>
-            <a:fillRect/>
-          </a:stretch>
-        </p:blipFill>
-        <p:spPr>
-          <a:xfrm>
-            <a:off x="5972810" y="1624330"/>
-            <a:ext cx="5847715" cy="5095240"/>
-          </a:xfrm>
-          <a:prstGeom prst="rect">
-            <a:avLst/>
-          </a:prstGeom>
-        </p:spPr>
-      </p:pic>
-      <p:pic>
-        <p:nvPicPr>
-          <p:cNvPr id="13" name="图片 12"/>
-          <p:cNvPicPr>
-            <a:picLocks noChangeAspect="1"/>
-          </p:cNvPicPr>
-          <p:nvPr/>
-        </p:nvPicPr>
-        <p:blipFill>
-          <a:blip r:embed="rId7"/>
-          <a:stretch>
-            <a:fillRect/>
-          </a:stretch>
-        </p:blipFill>
-        <p:spPr>
-          <a:xfrm>
-            <a:off x="5697855" y="280670"/>
-            <a:ext cx="5295265" cy="6295390"/>
-          </a:xfrm>
-          <a:prstGeom prst="rect">
-            <a:avLst/>
-          </a:prstGeom>
-        </p:spPr>
-      </p:pic>
-    </p:spTree>
-  </p:cSld>
-  <p:clrMapOvr>
-    <a:masterClrMapping/>
-  </p:clrMapOvr>
-</p:sld>
-</file>
-
-<file path=ppt/slides/slide3.xml><?xml version="1.0" encoding="utf-8"?>
+<file path=ppt/slides/slide5.xml><?xml version="1.0" encoding="utf-8"?>
 <p:sld xmlns:a="http://schemas.openxmlformats.org/drawingml/2006/main" xmlns:r="http://schemas.openxmlformats.org/officeDocument/2006/relationships" xmlns:p="http://schemas.openxmlformats.org/presentationml/2006/main">
   <p:cSld>
     <p:spTree>
@@ -7144,7 +8294,7 @@
 </p:sld>
 </file>
 
-<file path=ppt/slides/slide4.xml><?xml version="1.0" encoding="utf-8"?>
+<file path=ppt/slides/slide6.xml><?xml version="1.0" encoding="utf-8"?>
 <p:sld xmlns:a="http://schemas.openxmlformats.org/drawingml/2006/main" xmlns:r="http://schemas.openxmlformats.org/officeDocument/2006/relationships" xmlns:p="http://schemas.openxmlformats.org/presentationml/2006/main">
   <p:cSld>
     <p:spTree>
@@ -7258,7 +8408,7 @@
 </p:sld>
 </file>
 
-<file path=ppt/slides/slide5.xml><?xml version="1.0" encoding="utf-8"?>
+<file path=ppt/slides/slide7.xml><?xml version="1.0" encoding="utf-8"?>
 <p:sld xmlns:a="http://schemas.openxmlformats.org/drawingml/2006/main" xmlns:r="http://schemas.openxmlformats.org/officeDocument/2006/relationships" xmlns:p="http://schemas.openxmlformats.org/presentationml/2006/main">
   <p:cSld>
     <p:spTree>
@@ -7409,7 +8559,7 @@
 </p:sld>
 </file>
 
-<file path=ppt/slides/slide6.xml><?xml version="1.0" encoding="utf-8"?>
+<file path=ppt/slides/slide8.xml><?xml version="1.0" encoding="utf-8"?>
 <p:sld xmlns:a="http://schemas.openxmlformats.org/drawingml/2006/main" xmlns:r="http://schemas.openxmlformats.org/officeDocument/2006/relationships" xmlns:p="http://schemas.openxmlformats.org/presentationml/2006/main">
   <p:cSld>
     <p:spTree>
@@ -7795,7 +8945,7 @@
 </p:sld>
 </file>
 
-<file path=ppt/slides/slide7.xml><?xml version="1.0" encoding="utf-8"?>
+<file path=ppt/slides/slide9.xml><?xml version="1.0" encoding="utf-8"?>
 <p:sld xmlns:a="http://schemas.openxmlformats.org/drawingml/2006/main" xmlns:r="http://schemas.openxmlformats.org/officeDocument/2006/relationships" xmlns:p="http://schemas.openxmlformats.org/presentationml/2006/main">
   <p:cSld>
     <p:spTree>
@@ -7821,7 +8971,7 @@
         </p:blipFill>
         <p:spPr>
           <a:xfrm>
-            <a:off x="-657860" y="1148715"/>
+            <a:off x="-657860" y="1158240"/>
             <a:ext cx="13190220" cy="4951730"/>
           </a:xfrm>
           <a:prstGeom prst="rect">
@@ -7868,425 +9018,6 @@
           <a:p>
             <a:pPr algn="ctr"/>
             <a:endParaRPr lang="zh-CN" altLang="en-US"/>
-          </a:p>
-        </p:txBody>
-      </p:sp>
-    </p:spTree>
-  </p:cSld>
-  <p:clrMapOvr>
-    <a:masterClrMapping/>
-  </p:clrMapOvr>
-</p:sld>
-</file>
-
-<file path=ppt/slides/slide8.xml><?xml version="1.0" encoding="utf-8"?>
-<p:sld xmlns:a="http://schemas.openxmlformats.org/drawingml/2006/main" xmlns:r="http://schemas.openxmlformats.org/officeDocument/2006/relationships" xmlns:p="http://schemas.openxmlformats.org/presentationml/2006/main">
-  <p:cSld>
-    <p:bg>
-      <p:bgPr>
-        <a:noFill/>
-        <a:effectLst/>
-      </p:bgPr>
-    </p:bg>
-    <p:spTree>
-      <p:nvGrpSpPr>
-        <p:cNvPr id="1" name=""/>
-        <p:cNvGrpSpPr/>
-        <p:nvPr/>
-      </p:nvGrpSpPr>
-      <p:grpSpPr/>
-      <p:grpSp>
-        <p:nvGrpSpPr>
-          <p:cNvPr id="10" name="组合 9"/>
-          <p:cNvGrpSpPr/>
-          <p:nvPr/>
-        </p:nvGrpSpPr>
-        <p:grpSpPr>
-          <a:xfrm>
-            <a:off x="1698625" y="2236470"/>
-            <a:ext cx="7865110" cy="1612900"/>
-            <a:chOff x="2675" y="3522"/>
-            <a:chExt cx="12386" cy="2540"/>
-          </a:xfrm>
-        </p:grpSpPr>
-        <p:sp>
-          <p:nvSpPr>
-            <p:cNvPr id="6" name="圆角矩形 5"/>
-            <p:cNvSpPr/>
-            <p:nvPr/>
-          </p:nvSpPr>
-          <p:spPr>
-            <a:xfrm>
-              <a:off x="2675" y="3522"/>
-              <a:ext cx="6314" cy="2540"/>
-            </a:xfrm>
-            <a:prstGeom prst="roundRect">
-              <a:avLst/>
-            </a:prstGeom>
-            <a:solidFill>
-              <a:srgbClr val="D12924"/>
-            </a:solidFill>
-            <a:ln w="66675">
-              <a:solidFill>
-                <a:srgbClr val="D12924"/>
-              </a:solidFill>
-            </a:ln>
-          </p:spPr>
-          <p:style>
-            <a:lnRef idx="2">
-              <a:schemeClr val="accent1">
-                <a:shade val="50000"/>
-              </a:schemeClr>
-            </a:lnRef>
-            <a:fillRef idx="1">
-              <a:schemeClr val="accent1"/>
-            </a:fillRef>
-            <a:effectRef idx="0">
-              <a:schemeClr val="accent1"/>
-            </a:effectRef>
-            <a:fontRef idx="minor">
-              <a:schemeClr val="lt1"/>
-            </a:fontRef>
-          </p:style>
-          <p:txBody>
-            <a:bodyPr rtlCol="0" anchor="ctr"/>
-            <a:p>
-              <a:pPr algn="ctr"/>
-              <a:endParaRPr lang="zh-CN" altLang="en-US"/>
-            </a:p>
-          </p:txBody>
-        </p:sp>
-        <p:sp>
-          <p:nvSpPr>
-            <p:cNvPr id="7" name="圆角矩形 6"/>
-            <p:cNvSpPr/>
-            <p:nvPr/>
-          </p:nvSpPr>
-          <p:spPr>
-            <a:xfrm>
-              <a:off x="7925" y="3522"/>
-              <a:ext cx="7135" cy="2540"/>
-            </a:xfrm>
-            <a:prstGeom prst="roundRect">
-              <a:avLst/>
-            </a:prstGeom>
-            <a:noFill/>
-            <a:ln w="66675">
-              <a:solidFill>
-                <a:srgbClr val="D12924"/>
-              </a:solidFill>
-            </a:ln>
-          </p:spPr>
-          <p:style>
-            <a:lnRef idx="2">
-              <a:schemeClr val="accent1">
-                <a:shade val="50000"/>
-              </a:schemeClr>
-            </a:lnRef>
-            <a:fillRef idx="1">
-              <a:schemeClr val="accent1"/>
-            </a:fillRef>
-            <a:effectRef idx="0">
-              <a:schemeClr val="accent1"/>
-            </a:effectRef>
-            <a:fontRef idx="minor">
-              <a:schemeClr val="lt1"/>
-            </a:fontRef>
-          </p:style>
-          <p:txBody>
-            <a:bodyPr rtlCol="0" anchor="ctr"/>
-            <a:p>
-              <a:pPr algn="ctr"/>
-              <a:endParaRPr lang="zh-CN" altLang="en-US"/>
-            </a:p>
-          </p:txBody>
-        </p:sp>
-        <p:sp>
-          <p:nvSpPr>
-            <p:cNvPr id="8" name="文本框 7"/>
-            <p:cNvSpPr txBox="1"/>
-            <p:nvPr/>
-          </p:nvSpPr>
-          <p:spPr>
-            <a:xfrm>
-              <a:off x="2704" y="3751"/>
-              <a:ext cx="6255" cy="2082"/>
-            </a:xfrm>
-            <a:prstGeom prst="rect">
-              <a:avLst/>
-            </a:prstGeom>
-            <a:noFill/>
-          </p:spPr>
-          <p:txBody>
-            <a:bodyPr wrap="none" rtlCol="0">
-              <a:spAutoFit/>
-            </a:bodyPr>
-            <a:p>
-              <a:r>
-                <a:rPr lang="en-US" altLang="zh-CN" sz="8000" b="1">
-                  <a:solidFill>
-                    <a:schemeClr val="bg1"/>
-                  </a:solidFill>
-                  <a:uFillTx/>
-                  <a:latin typeface="Mangal" panose="02040503050203030202" charset="0"/>
-                  <a:ea typeface="方正隶变_GBK" panose="02000000000000000000" charset="-122"/>
-                </a:rPr>
-                <a:t>Heioray</a:t>
-              </a:r>
-              <a:endParaRPr lang="en-US" altLang="zh-CN" sz="8000" b="1">
-                <a:solidFill>
-                  <a:schemeClr val="bg1"/>
-                </a:solidFill>
-                <a:uFillTx/>
-                <a:latin typeface="Mangal" panose="02040503050203030202" charset="0"/>
-                <a:ea typeface="方正隶变_GBK" panose="02000000000000000000" charset="-122"/>
-              </a:endParaRPr>
-            </a:p>
-          </p:txBody>
-        </p:sp>
-        <p:sp>
-          <p:nvSpPr>
-            <p:cNvPr id="9" name="文本框 8"/>
-            <p:cNvSpPr txBox="1"/>
-            <p:nvPr/>
-          </p:nvSpPr>
-          <p:spPr>
-            <a:xfrm>
-              <a:off x="8989" y="3751"/>
-              <a:ext cx="6073" cy="2082"/>
-            </a:xfrm>
-            <a:prstGeom prst="rect">
-              <a:avLst/>
-            </a:prstGeom>
-            <a:noFill/>
-          </p:spPr>
-          <p:txBody>
-            <a:bodyPr wrap="none" rtlCol="0">
-              <a:spAutoFit/>
-            </a:bodyPr>
-            <a:p>
-              <a:r>
-                <a:rPr lang="en-US" altLang="zh-CN" sz="8000" b="1">
-                  <a:solidFill>
-                    <a:srgbClr val="D12924"/>
-                  </a:solidFill>
-                  <a:uFillTx/>
-                  <a:latin typeface="Mangal" panose="02040503050203030202" charset="0"/>
-                  <a:ea typeface="方正隶变_GBK" panose="02000000000000000000" charset="-122"/>
-                </a:rPr>
-                <a:t>Studios</a:t>
-              </a:r>
-              <a:endParaRPr lang="en-US" altLang="zh-CN" sz="8000" b="1">
-                <a:solidFill>
-                  <a:srgbClr val="D12924"/>
-                </a:solidFill>
-                <a:uFillTx/>
-                <a:latin typeface="Mangal" panose="02040503050203030202" charset="0"/>
-                <a:ea typeface="方正隶变_GBK" panose="02000000000000000000" charset="-122"/>
-              </a:endParaRPr>
-            </a:p>
-          </p:txBody>
-        </p:sp>
-      </p:grpSp>
-    </p:spTree>
-  </p:cSld>
-  <p:clrMapOvr>
-    <a:masterClrMapping/>
-  </p:clrMapOvr>
-</p:sld>
-</file>
-
-<file path=ppt/slides/slide9.xml><?xml version="1.0" encoding="utf-8"?>
-<p:sld xmlns:a="http://schemas.openxmlformats.org/drawingml/2006/main" xmlns:r="http://schemas.openxmlformats.org/officeDocument/2006/relationships" xmlns:p="http://schemas.openxmlformats.org/presentationml/2006/main">
-  <p:cSld>
-    <p:bg>
-      <p:bgPr>
-        <a:noFill/>
-        <a:effectLst/>
-      </p:bgPr>
-    </p:bg>
-    <p:spTree>
-      <p:nvGrpSpPr>
-        <p:cNvPr id="1" name=""/>
-        <p:cNvGrpSpPr/>
-        <p:nvPr/>
-      </p:nvGrpSpPr>
-      <p:grpSpPr/>
-      <p:sp>
-        <p:nvSpPr>
-          <p:cNvPr id="6" name="圆角矩形 5"/>
-          <p:cNvSpPr/>
-          <p:nvPr/>
-        </p:nvSpPr>
-        <p:spPr>
-          <a:xfrm>
-            <a:off x="1582420" y="2149475"/>
-            <a:ext cx="4009390" cy="1612900"/>
-          </a:xfrm>
-          <a:prstGeom prst="roundRect">
-            <a:avLst/>
-          </a:prstGeom>
-          <a:solidFill>
-            <a:srgbClr val="D12924"/>
-          </a:solidFill>
-          <a:ln w="66675">
-            <a:solidFill>
-              <a:srgbClr val="D12924"/>
-            </a:solidFill>
-          </a:ln>
-        </p:spPr>
-        <p:style>
-          <a:lnRef idx="2">
-            <a:schemeClr val="accent1">
-              <a:shade val="50000"/>
-            </a:schemeClr>
-          </a:lnRef>
-          <a:fillRef idx="1">
-            <a:schemeClr val="accent1"/>
-          </a:fillRef>
-          <a:effectRef idx="0">
-            <a:schemeClr val="accent1"/>
-          </a:effectRef>
-          <a:fontRef idx="minor">
-            <a:schemeClr val="lt1"/>
-          </a:fontRef>
-        </p:style>
-        <p:txBody>
-          <a:bodyPr rtlCol="0" anchor="ctr"/>
-          <a:p>
-            <a:pPr algn="ctr"/>
-            <a:endParaRPr lang="zh-CN" altLang="en-US"/>
-          </a:p>
-        </p:txBody>
-      </p:sp>
-      <p:sp>
-        <p:nvSpPr>
-          <p:cNvPr id="7" name="圆角矩形 6"/>
-          <p:cNvSpPr/>
-          <p:nvPr/>
-        </p:nvSpPr>
-        <p:spPr>
-          <a:xfrm>
-            <a:off x="5438775" y="2535555"/>
-            <a:ext cx="4530725" cy="1612900"/>
-          </a:xfrm>
-          <a:prstGeom prst="roundRect">
-            <a:avLst/>
-          </a:prstGeom>
-          <a:noFill/>
-          <a:ln w="66675">
-            <a:solidFill>
-              <a:srgbClr val="D12924"/>
-            </a:solidFill>
-          </a:ln>
-        </p:spPr>
-        <p:style>
-          <a:lnRef idx="2">
-            <a:schemeClr val="accent1">
-              <a:shade val="50000"/>
-            </a:schemeClr>
-          </a:lnRef>
-          <a:fillRef idx="1">
-            <a:schemeClr val="accent1"/>
-          </a:fillRef>
-          <a:effectRef idx="0">
-            <a:schemeClr val="accent1"/>
-          </a:effectRef>
-          <a:fontRef idx="minor">
-            <a:schemeClr val="lt1"/>
-          </a:fontRef>
-        </p:style>
-        <p:txBody>
-          <a:bodyPr rtlCol="0" anchor="ctr"/>
-          <a:p>
-            <a:pPr algn="ctr"/>
-            <a:endParaRPr lang="zh-CN" altLang="en-US"/>
-          </a:p>
-        </p:txBody>
-      </p:sp>
-      <p:sp>
-        <p:nvSpPr>
-          <p:cNvPr id="8" name="文本框 7"/>
-          <p:cNvSpPr txBox="1"/>
-          <p:nvPr/>
-        </p:nvSpPr>
-        <p:spPr>
-          <a:xfrm>
-            <a:off x="1707515" y="2381885"/>
-            <a:ext cx="3971925" cy="1322070"/>
-          </a:xfrm>
-          <a:prstGeom prst="rect">
-            <a:avLst/>
-          </a:prstGeom>
-          <a:noFill/>
-        </p:spPr>
-        <p:txBody>
-          <a:bodyPr wrap="none" rtlCol="0">
-            <a:spAutoFit/>
-          </a:bodyPr>
-          <a:p>
-            <a:r>
-              <a:rPr lang="en-US" altLang="zh-CN" sz="8000" b="1">
-                <a:solidFill>
-                  <a:schemeClr val="bg1"/>
-                </a:solidFill>
-                <a:uFillTx/>
-                <a:latin typeface="Mangal" panose="02040503050203030202" charset="0"/>
-                <a:ea typeface="方正隶变_GBK" panose="02000000000000000000" charset="-122"/>
-              </a:rPr>
-              <a:t>Heioray</a:t>
-            </a:r>
-            <a:endParaRPr lang="en-US" altLang="zh-CN" sz="8000" b="1">
-              <a:solidFill>
-                <a:schemeClr val="bg1"/>
-              </a:solidFill>
-              <a:uFillTx/>
-              <a:latin typeface="Mangal" panose="02040503050203030202" charset="0"/>
-              <a:ea typeface="方正隶变_GBK" panose="02000000000000000000" charset="-122"/>
-            </a:endParaRPr>
-          </a:p>
-        </p:txBody>
-      </p:sp>
-      <p:sp>
-        <p:nvSpPr>
-          <p:cNvPr id="9" name="文本框 8"/>
-          <p:cNvSpPr txBox="1"/>
-          <p:nvPr/>
-        </p:nvSpPr>
-        <p:spPr>
-          <a:xfrm>
-            <a:off x="5698490" y="2381885"/>
-            <a:ext cx="3856355" cy="1322070"/>
-          </a:xfrm>
-          <a:prstGeom prst="rect">
-            <a:avLst/>
-          </a:prstGeom>
-          <a:noFill/>
-        </p:spPr>
-        <p:txBody>
-          <a:bodyPr wrap="none" rtlCol="0">
-            <a:spAutoFit/>
-          </a:bodyPr>
-          <a:p>
-            <a:r>
-              <a:rPr lang="en-US" altLang="zh-CN" sz="8000" b="1">
-                <a:solidFill>
-                  <a:srgbClr val="D12924"/>
-                </a:solidFill>
-                <a:uFillTx/>
-                <a:latin typeface="Mangal" panose="02040503050203030202" charset="0"/>
-                <a:ea typeface="方正隶变_GBK" panose="02000000000000000000" charset="-122"/>
-              </a:rPr>
-              <a:t>Studios</a:t>
-            </a:r>
-            <a:endParaRPr lang="en-US" altLang="zh-CN" sz="8000" b="1">
-              <a:solidFill>
-                <a:srgbClr val="D12924"/>
-              </a:solidFill>
-              <a:uFillTx/>
-              <a:latin typeface="Mangal" panose="02040503050203030202" charset="0"/>
-              <a:ea typeface="方正隶变_GBK" panose="02000000000000000000" charset="-122"/>
-            </a:endParaRPr>
           </a:p>
         </p:txBody>
       </p:sp>

--- a/界面设计.pptx
+++ b/界面设计.pptx
@@ -31,43 +31,45 @@
     <p:sldId id="294" r:id="rId26"/>
     <p:sldId id="295" r:id="rId27"/>
     <p:sldId id="293" r:id="rId28"/>
+    <p:sldId id="353" r:id="rId29"/>
+    <p:sldId id="354" r:id="rId30"/>
   </p:sldIdLst>
   <p:sldSz cx="12192000" cy="6858000"/>
   <p:notesSz cx="6858000" cy="9144000"/>
   <p:embeddedFontLst>
     <p:embeddedFont>
       <p:font typeface="Aharoni" panose="02010803020104030203" charset="0"/>
-      <p:bold r:id="rId32"/>
+      <p:bold r:id="rId34"/>
     </p:embeddedFont>
     <p:embeddedFont>
       <p:font typeface="方正隶变_GBK" panose="02000000000000000000" charset="-122"/>
-      <p:regular r:id="rId33"/>
+      <p:regular r:id="rId35"/>
     </p:embeddedFont>
     <p:embeddedFont>
       <p:font typeface="Comic Sans MS" panose="030F0702030302020204" charset="0"/>
-      <p:regular r:id="rId34"/>
-      <p:bold r:id="rId35"/>
+      <p:regular r:id="rId36"/>
+      <p:bold r:id="rId37"/>
     </p:embeddedFont>
     <p:embeddedFont>
       <p:font typeface="Gabriola" panose="04040605051002020D02" charset="0"/>
-      <p:regular r:id="rId36"/>
+      <p:regular r:id="rId38"/>
     </p:embeddedFont>
     <p:embeddedFont>
       <p:font typeface="Segoe Print" panose="02000600000000000000" charset="0"/>
-      <p:regular r:id="rId37"/>
-      <p:bold r:id="rId38"/>
-    </p:embeddedFont>
-    <p:embeddedFont>
-      <p:font typeface="Mangal" panose="02040503050203030202" charset="0"/>
       <p:regular r:id="rId39"/>
       <p:bold r:id="rId40"/>
     </p:embeddedFont>
     <p:embeddedFont>
-      <p:font typeface="Calibri" panose="020F0502020204030204" charset="0"/>
+      <p:font typeface="Mangal" panose="02040503050203030202" charset="0"/>
       <p:regular r:id="rId41"/>
       <p:bold r:id="rId42"/>
-      <p:italic r:id="rId43"/>
-      <p:boldItalic r:id="rId44"/>
+    </p:embeddedFont>
+    <p:embeddedFont>
+      <p:font typeface="Calibri" panose="020F0502020204030204" charset="0"/>
+      <p:regular r:id="rId43"/>
+      <p:bold r:id="rId44"/>
+      <p:italic r:id="rId45"/>
+      <p:boldItalic r:id="rId46"/>
     </p:embeddedFont>
   </p:embeddedFontLst>
   <p:defaultTextStyle>
@@ -7937,6 +7939,1672 @@
 </p:sld>
 </file>
 
+<file path=ppt/slides/slide27.xml><?xml version="1.0" encoding="utf-8"?>
+<p:sld xmlns:a="http://schemas.openxmlformats.org/drawingml/2006/main" xmlns:r="http://schemas.openxmlformats.org/officeDocument/2006/relationships" xmlns:p="http://schemas.openxmlformats.org/presentationml/2006/main">
+  <p:cSld>
+    <p:spTree>
+      <p:nvGrpSpPr>
+        <p:cNvPr id="1" name=""/>
+        <p:cNvGrpSpPr/>
+        <p:nvPr/>
+      </p:nvGrpSpPr>
+      <p:grpSpPr/>
+      <p:pic>
+        <p:nvPicPr>
+          <p:cNvPr id="2" name="图片 1"/>
+          <p:cNvPicPr>
+            <a:picLocks noChangeAspect="1"/>
+          </p:cNvPicPr>
+          <p:nvPr/>
+        </p:nvPicPr>
+        <p:blipFill>
+          <a:blip r:embed="rId1"/>
+          <a:stretch>
+            <a:fillRect/>
+          </a:stretch>
+        </p:blipFill>
+        <p:spPr>
+          <a:xfrm>
+            <a:off x="1490980" y="2656205"/>
+            <a:ext cx="1447800" cy="2162175"/>
+          </a:xfrm>
+          <a:prstGeom prst="rect">
+            <a:avLst/>
+          </a:prstGeom>
+        </p:spPr>
+      </p:pic>
+      <p:pic>
+        <p:nvPicPr>
+          <p:cNvPr id="3" name="图片 2"/>
+          <p:cNvPicPr>
+            <a:picLocks noChangeAspect="1"/>
+          </p:cNvPicPr>
+          <p:nvPr/>
+        </p:nvPicPr>
+        <p:blipFill>
+          <a:blip r:embed="rId1"/>
+          <a:stretch>
+            <a:fillRect/>
+          </a:stretch>
+        </p:blipFill>
+        <p:spPr>
+          <a:xfrm>
+            <a:off x="2938780" y="2656205"/>
+            <a:ext cx="1447800" cy="2162175"/>
+          </a:xfrm>
+          <a:prstGeom prst="rect">
+            <a:avLst/>
+          </a:prstGeom>
+        </p:spPr>
+      </p:pic>
+      <p:pic>
+        <p:nvPicPr>
+          <p:cNvPr id="4" name="图片 3"/>
+          <p:cNvPicPr>
+            <a:picLocks noChangeAspect="1"/>
+          </p:cNvPicPr>
+          <p:nvPr/>
+        </p:nvPicPr>
+        <p:blipFill>
+          <a:blip r:embed="rId1"/>
+          <a:stretch>
+            <a:fillRect/>
+          </a:stretch>
+        </p:blipFill>
+        <p:spPr>
+          <a:xfrm>
+            <a:off x="5372100" y="2656205"/>
+            <a:ext cx="1447800" cy="2162175"/>
+          </a:xfrm>
+          <a:prstGeom prst="rect">
+            <a:avLst/>
+          </a:prstGeom>
+        </p:spPr>
+      </p:pic>
+      <p:pic>
+        <p:nvPicPr>
+          <p:cNvPr id="5" name="图片 4"/>
+          <p:cNvPicPr>
+            <a:picLocks noChangeAspect="1"/>
+          </p:cNvPicPr>
+          <p:nvPr/>
+        </p:nvPicPr>
+        <p:blipFill>
+          <a:blip r:embed="rId1"/>
+          <a:stretch>
+            <a:fillRect/>
+          </a:stretch>
+        </p:blipFill>
+        <p:spPr>
+          <a:xfrm flipH="1">
+            <a:off x="7689215" y="2656205"/>
+            <a:ext cx="1447800" cy="2162175"/>
+          </a:xfrm>
+          <a:prstGeom prst="rect">
+            <a:avLst/>
+          </a:prstGeom>
+        </p:spPr>
+      </p:pic>
+      <p:pic>
+        <p:nvPicPr>
+          <p:cNvPr id="6" name="图片 5"/>
+          <p:cNvPicPr>
+            <a:picLocks noChangeAspect="1"/>
+          </p:cNvPicPr>
+          <p:nvPr/>
+        </p:nvPicPr>
+        <p:blipFill>
+          <a:blip r:embed="rId1"/>
+          <a:stretch>
+            <a:fillRect/>
+          </a:stretch>
+        </p:blipFill>
+        <p:spPr>
+          <a:xfrm flipH="1">
+            <a:off x="9698990" y="2656205"/>
+            <a:ext cx="1447800" cy="2162175"/>
+          </a:xfrm>
+          <a:prstGeom prst="rect">
+            <a:avLst/>
+          </a:prstGeom>
+        </p:spPr>
+      </p:pic>
+      <p:pic>
+        <p:nvPicPr>
+          <p:cNvPr id="8" name="图片 7"/>
+          <p:cNvPicPr>
+            <a:picLocks noChangeAspect="1"/>
+          </p:cNvPicPr>
+          <p:nvPr/>
+        </p:nvPicPr>
+        <p:blipFill>
+          <a:blip r:embed="rId2"/>
+          <a:stretch>
+            <a:fillRect/>
+          </a:stretch>
+        </p:blipFill>
+        <p:spPr>
+          <a:xfrm>
+            <a:off x="4734560" y="1870710"/>
+            <a:ext cx="2606040" cy="3470275"/>
+          </a:xfrm>
+          <a:prstGeom prst="rect">
+            <a:avLst/>
+          </a:prstGeom>
+        </p:spPr>
+      </p:pic>
+      <p:sp>
+        <p:nvSpPr>
+          <p:cNvPr id="9" name="矩形 8"/>
+          <p:cNvSpPr/>
+          <p:nvPr/>
+        </p:nvSpPr>
+        <p:spPr>
+          <a:xfrm>
+            <a:off x="1215390" y="1454150"/>
+            <a:ext cx="10193655" cy="4276725"/>
+          </a:xfrm>
+          <a:prstGeom prst="rect">
+            <a:avLst/>
+          </a:prstGeom>
+          <a:noFill/>
+          <a:ln w="41275" cmpd="sng">
+            <a:solidFill>
+              <a:schemeClr val="accent1">
+                <a:shade val="50000"/>
+              </a:schemeClr>
+            </a:solidFill>
+            <a:prstDash val="lgDash"/>
+          </a:ln>
+        </p:spPr>
+        <p:style>
+          <a:lnRef idx="2">
+            <a:schemeClr val="accent1">
+              <a:shade val="50000"/>
+            </a:schemeClr>
+          </a:lnRef>
+          <a:fillRef idx="1">
+            <a:schemeClr val="accent1"/>
+          </a:fillRef>
+          <a:effectRef idx="0">
+            <a:schemeClr val="accent1"/>
+          </a:effectRef>
+          <a:fontRef idx="minor">
+            <a:schemeClr val="lt1"/>
+          </a:fontRef>
+        </p:style>
+        <p:txBody>
+          <a:bodyPr rtlCol="0" anchor="ctr"/>
+          <a:p>
+            <a:pPr algn="ctr"/>
+            <a:endParaRPr lang="zh-CN" altLang="en-US"/>
+          </a:p>
+        </p:txBody>
+      </p:sp>
+      <p:cxnSp>
+        <p:nvCxnSpPr>
+          <p:cNvPr id="10" name="直接连接符 9"/>
+          <p:cNvCxnSpPr/>
+          <p:nvPr/>
+        </p:nvCxnSpPr>
+        <p:spPr>
+          <a:xfrm flipV="1">
+            <a:off x="1224915" y="6029960"/>
+            <a:ext cx="10146030" cy="9525"/>
+          </a:xfrm>
+          <a:prstGeom prst="line">
+            <a:avLst/>
+          </a:prstGeom>
+        </p:spPr>
+        <p:style>
+          <a:lnRef idx="1">
+            <a:schemeClr val="accent1"/>
+          </a:lnRef>
+          <a:fillRef idx="0">
+            <a:schemeClr val="accent1"/>
+          </a:fillRef>
+          <a:effectRef idx="0">
+            <a:schemeClr val="accent1"/>
+          </a:effectRef>
+          <a:fontRef idx="minor">
+            <a:schemeClr val="tx1"/>
+          </a:fontRef>
+        </p:style>
+      </p:cxnSp>
+      <p:sp>
+        <p:nvSpPr>
+          <p:cNvPr id="11" name="文本框 10"/>
+          <p:cNvSpPr txBox="1"/>
+          <p:nvPr/>
+        </p:nvSpPr>
+        <p:spPr>
+          <a:xfrm>
+            <a:off x="5819775" y="6165215"/>
+            <a:ext cx="743585" cy="368300"/>
+          </a:xfrm>
+          <a:prstGeom prst="rect">
+            <a:avLst/>
+          </a:prstGeom>
+          <a:noFill/>
+        </p:spPr>
+        <p:txBody>
+          <a:bodyPr wrap="none" rtlCol="0">
+            <a:spAutoFit/>
+          </a:bodyPr>
+          <a:p>
+            <a:r>
+              <a:rPr lang="en-US" altLang="zh-CN"/>
+              <a:t>750px</a:t>
+            </a:r>
+            <a:endParaRPr lang="en-US" altLang="zh-CN"/>
+          </a:p>
+        </p:txBody>
+      </p:sp>
+      <p:sp>
+        <p:nvSpPr>
+          <p:cNvPr id="12" name="文本框 11"/>
+          <p:cNvSpPr txBox="1"/>
+          <p:nvPr/>
+        </p:nvSpPr>
+        <p:spPr>
+          <a:xfrm>
+            <a:off x="347980" y="3183890"/>
+            <a:ext cx="743585" cy="368300"/>
+          </a:xfrm>
+          <a:prstGeom prst="rect">
+            <a:avLst/>
+          </a:prstGeom>
+          <a:noFill/>
+        </p:spPr>
+        <p:txBody>
+          <a:bodyPr wrap="none" rtlCol="0">
+            <a:spAutoFit/>
+          </a:bodyPr>
+          <a:p>
+            <a:r>
+              <a:rPr lang="en-US" altLang="zh-CN"/>
+              <a:t>250px</a:t>
+            </a:r>
+            <a:endParaRPr lang="en-US" altLang="zh-CN"/>
+          </a:p>
+        </p:txBody>
+      </p:sp>
+    </p:spTree>
+  </p:cSld>
+  <p:clrMapOvr>
+    <a:masterClrMapping/>
+  </p:clrMapOvr>
+</p:sld>
+</file>
+
+<file path=ppt/slides/slide28.xml><?xml version="1.0" encoding="utf-8"?>
+<p:sld xmlns:a="http://schemas.openxmlformats.org/drawingml/2006/main" xmlns:r="http://schemas.openxmlformats.org/officeDocument/2006/relationships" xmlns:p="http://schemas.openxmlformats.org/presentationml/2006/main">
+  <p:cSld>
+    <p:spTree>
+      <p:nvGrpSpPr>
+        <p:cNvPr id="1" name=""/>
+        <p:cNvGrpSpPr/>
+        <p:nvPr/>
+      </p:nvGrpSpPr>
+      <p:grpSpPr/>
+      <p:sp>
+        <p:nvSpPr>
+          <p:cNvPr id="3" name="文本框 2"/>
+          <p:cNvSpPr txBox="1"/>
+          <p:nvPr/>
+        </p:nvSpPr>
+        <p:spPr>
+          <a:xfrm>
+            <a:off x="4298950" y="838200"/>
+            <a:ext cx="2343150" cy="645160"/>
+          </a:xfrm>
+          <a:prstGeom prst="rect">
+            <a:avLst/>
+          </a:prstGeom>
+          <a:noFill/>
+        </p:spPr>
+        <p:txBody>
+          <a:bodyPr wrap="none" rtlCol="0">
+            <a:spAutoFit/>
+          </a:bodyPr>
+          <a:p>
+            <a:r>
+              <a:rPr lang="zh-CN" altLang="en-US"/>
+              <a:t>请用</a:t>
+            </a:r>
+            <a:r>
+              <a:rPr lang="en-US" altLang="zh-CN"/>
+              <a:t>flex</a:t>
+            </a:r>
+            <a:r>
+              <a:rPr lang="zh-CN" altLang="en-US"/>
+              <a:t>布局解锁本书</a:t>
+            </a:r>
+            <a:endParaRPr lang="zh-CN" altLang="en-US"/>
+          </a:p>
+          <a:p>
+            <a:pPr algn="ctr"/>
+            <a:r>
+              <a:rPr lang="zh-CN" altLang="en-US"/>
+              <a:t>内部尺寸自己算</a:t>
+            </a:r>
+            <a:endParaRPr lang="zh-CN" altLang="en-US"/>
+          </a:p>
+        </p:txBody>
+      </p:sp>
+      <p:sp>
+        <p:nvSpPr>
+          <p:cNvPr id="4" name="矩形 3"/>
+          <p:cNvSpPr/>
+          <p:nvPr/>
+        </p:nvSpPr>
+        <p:spPr>
+          <a:xfrm>
+            <a:off x="1640840" y="1590040"/>
+            <a:ext cx="7962900" cy="4112260"/>
+          </a:xfrm>
+          <a:prstGeom prst="rect">
+            <a:avLst/>
+          </a:prstGeom>
+          <a:noFill/>
+          <a:ln w="31750"/>
+        </p:spPr>
+        <p:style>
+          <a:lnRef idx="2">
+            <a:schemeClr val="accent1">
+              <a:shade val="50000"/>
+            </a:schemeClr>
+          </a:lnRef>
+          <a:fillRef idx="1">
+            <a:schemeClr val="accent1"/>
+          </a:fillRef>
+          <a:effectRef idx="0">
+            <a:schemeClr val="accent1"/>
+          </a:effectRef>
+          <a:fontRef idx="minor">
+            <a:schemeClr val="lt1"/>
+          </a:fontRef>
+        </p:style>
+        <p:txBody>
+          <a:bodyPr rtlCol="0" anchor="ctr"/>
+          <a:p>
+            <a:pPr algn="ctr"/>
+            <a:endParaRPr lang="zh-CN" altLang="en-US"/>
+          </a:p>
+        </p:txBody>
+      </p:sp>
+      <p:sp>
+        <p:nvSpPr>
+          <p:cNvPr id="5" name="矩形 4"/>
+          <p:cNvSpPr/>
+          <p:nvPr/>
+        </p:nvSpPr>
+        <p:spPr>
+          <a:xfrm>
+            <a:off x="1844040" y="1717040"/>
+            <a:ext cx="1563370" cy="2094865"/>
+          </a:xfrm>
+          <a:prstGeom prst="rect">
+            <a:avLst/>
+          </a:prstGeom>
+          <a:noFill/>
+          <a:ln w="28575" cmpd="sng">
+            <a:solidFill>
+              <a:schemeClr val="accent1">
+                <a:shade val="50000"/>
+              </a:schemeClr>
+            </a:solidFill>
+            <a:prstDash val="solid"/>
+          </a:ln>
+        </p:spPr>
+        <p:style>
+          <a:lnRef idx="2">
+            <a:schemeClr val="accent1">
+              <a:shade val="50000"/>
+            </a:schemeClr>
+          </a:lnRef>
+          <a:fillRef idx="1">
+            <a:schemeClr val="accent1"/>
+          </a:fillRef>
+          <a:effectRef idx="0">
+            <a:schemeClr val="accent1"/>
+          </a:effectRef>
+          <a:fontRef idx="minor">
+            <a:schemeClr val="lt1"/>
+          </a:fontRef>
+        </p:style>
+        <p:txBody>
+          <a:bodyPr rtlCol="0" anchor="ctr"/>
+          <a:p>
+            <a:pPr algn="ctr"/>
+            <a:endParaRPr lang="zh-CN" altLang="en-US"/>
+          </a:p>
+        </p:txBody>
+      </p:sp>
+      <p:sp>
+        <p:nvSpPr>
+          <p:cNvPr id="6" name="矩形 5"/>
+          <p:cNvSpPr/>
+          <p:nvPr/>
+        </p:nvSpPr>
+        <p:spPr>
+          <a:xfrm>
+            <a:off x="3496945" y="3676650"/>
+            <a:ext cx="1640205" cy="1951355"/>
+          </a:xfrm>
+          <a:prstGeom prst="rect">
+            <a:avLst/>
+          </a:prstGeom>
+          <a:noFill/>
+          <a:ln w="28575" cmpd="sng">
+            <a:solidFill>
+              <a:schemeClr val="accent1">
+                <a:shade val="50000"/>
+              </a:schemeClr>
+            </a:solidFill>
+            <a:prstDash val="solid"/>
+          </a:ln>
+        </p:spPr>
+        <p:style>
+          <a:lnRef idx="2">
+            <a:schemeClr val="accent1">
+              <a:shade val="50000"/>
+            </a:schemeClr>
+          </a:lnRef>
+          <a:fillRef idx="1">
+            <a:schemeClr val="accent1"/>
+          </a:fillRef>
+          <a:effectRef idx="0">
+            <a:schemeClr val="accent1"/>
+          </a:effectRef>
+          <a:fontRef idx="minor">
+            <a:schemeClr val="lt1"/>
+          </a:fontRef>
+        </p:style>
+        <p:txBody>
+          <a:bodyPr rtlCol="0" anchor="ctr"/>
+          <a:p>
+            <a:pPr algn="ctr"/>
+            <a:endParaRPr lang="zh-CN" altLang="en-US"/>
+          </a:p>
+        </p:txBody>
+      </p:sp>
+      <p:sp>
+        <p:nvSpPr>
+          <p:cNvPr id="7" name="矩形 6"/>
+          <p:cNvSpPr/>
+          <p:nvPr/>
+        </p:nvSpPr>
+        <p:spPr>
+          <a:xfrm>
+            <a:off x="7793355" y="1717040"/>
+            <a:ext cx="1563370" cy="2519680"/>
+          </a:xfrm>
+          <a:prstGeom prst="rect">
+            <a:avLst/>
+          </a:prstGeom>
+          <a:noFill/>
+          <a:ln w="28575" cmpd="sng">
+            <a:solidFill>
+              <a:schemeClr val="accent1">
+                <a:shade val="50000"/>
+              </a:schemeClr>
+            </a:solidFill>
+            <a:prstDash val="solid"/>
+          </a:ln>
+        </p:spPr>
+        <p:style>
+          <a:lnRef idx="2">
+            <a:schemeClr val="accent1">
+              <a:shade val="50000"/>
+            </a:schemeClr>
+          </a:lnRef>
+          <a:fillRef idx="1">
+            <a:schemeClr val="accent1"/>
+          </a:fillRef>
+          <a:effectRef idx="0">
+            <a:schemeClr val="accent1"/>
+          </a:effectRef>
+          <a:fontRef idx="minor">
+            <a:schemeClr val="lt1"/>
+          </a:fontRef>
+        </p:style>
+        <p:txBody>
+          <a:bodyPr rtlCol="0" anchor="ctr"/>
+          <a:p>
+            <a:pPr algn="ctr"/>
+            <a:endParaRPr lang="zh-CN" altLang="en-US"/>
+          </a:p>
+        </p:txBody>
+      </p:sp>
+      <p:sp>
+        <p:nvSpPr>
+          <p:cNvPr id="8" name="矩形 7"/>
+          <p:cNvSpPr/>
+          <p:nvPr/>
+        </p:nvSpPr>
+        <p:spPr>
+          <a:xfrm>
+            <a:off x="5227320" y="1717040"/>
+            <a:ext cx="2315845" cy="3176270"/>
+          </a:xfrm>
+          <a:prstGeom prst="rect">
+            <a:avLst/>
+          </a:prstGeom>
+          <a:noFill/>
+          <a:ln w="28575" cmpd="sng">
+            <a:solidFill>
+              <a:schemeClr val="accent1">
+                <a:shade val="50000"/>
+              </a:schemeClr>
+            </a:solidFill>
+            <a:prstDash val="solid"/>
+          </a:ln>
+        </p:spPr>
+        <p:style>
+          <a:lnRef idx="2">
+            <a:schemeClr val="accent1">
+              <a:shade val="50000"/>
+            </a:schemeClr>
+          </a:lnRef>
+          <a:fillRef idx="1">
+            <a:schemeClr val="accent1"/>
+          </a:fillRef>
+          <a:effectRef idx="0">
+            <a:schemeClr val="accent1"/>
+          </a:effectRef>
+          <a:fontRef idx="minor">
+            <a:schemeClr val="lt1"/>
+          </a:fontRef>
+        </p:style>
+        <p:txBody>
+          <a:bodyPr rtlCol="0" anchor="ctr"/>
+          <a:p>
+            <a:pPr algn="ctr"/>
+            <a:endParaRPr lang="zh-CN" altLang="en-US"/>
+          </a:p>
+        </p:txBody>
+      </p:sp>
+      <p:sp>
+        <p:nvSpPr>
+          <p:cNvPr id="9" name="矩形 8"/>
+          <p:cNvSpPr/>
+          <p:nvPr/>
+        </p:nvSpPr>
+        <p:spPr>
+          <a:xfrm>
+            <a:off x="5227320" y="4979670"/>
+            <a:ext cx="2315845" cy="648335"/>
+          </a:xfrm>
+          <a:prstGeom prst="rect">
+            <a:avLst/>
+          </a:prstGeom>
+          <a:noFill/>
+          <a:ln w="28575" cmpd="sng">
+            <a:solidFill>
+              <a:schemeClr val="accent1">
+                <a:shade val="50000"/>
+              </a:schemeClr>
+            </a:solidFill>
+            <a:prstDash val="solid"/>
+          </a:ln>
+        </p:spPr>
+        <p:style>
+          <a:lnRef idx="2">
+            <a:schemeClr val="accent1">
+              <a:shade val="50000"/>
+            </a:schemeClr>
+          </a:lnRef>
+          <a:fillRef idx="1">
+            <a:schemeClr val="accent1"/>
+          </a:fillRef>
+          <a:effectRef idx="0">
+            <a:schemeClr val="accent1"/>
+          </a:effectRef>
+          <a:fontRef idx="minor">
+            <a:schemeClr val="lt1"/>
+          </a:fontRef>
+        </p:style>
+        <p:txBody>
+          <a:bodyPr rtlCol="0" anchor="ctr"/>
+          <a:p>
+            <a:pPr algn="ctr"/>
+            <a:endParaRPr lang="zh-CN" altLang="en-US"/>
+          </a:p>
+        </p:txBody>
+      </p:sp>
+      <p:sp>
+        <p:nvSpPr>
+          <p:cNvPr id="10" name="矩形 9"/>
+          <p:cNvSpPr/>
+          <p:nvPr/>
+        </p:nvSpPr>
+        <p:spPr>
+          <a:xfrm>
+            <a:off x="7792720" y="4331335"/>
+            <a:ext cx="1564005" cy="648335"/>
+          </a:xfrm>
+          <a:prstGeom prst="rect">
+            <a:avLst/>
+          </a:prstGeom>
+          <a:noFill/>
+          <a:ln w="28575" cmpd="sng">
+            <a:solidFill>
+              <a:schemeClr val="accent1">
+                <a:shade val="50000"/>
+              </a:schemeClr>
+            </a:solidFill>
+            <a:prstDash val="solid"/>
+          </a:ln>
+        </p:spPr>
+        <p:style>
+          <a:lnRef idx="2">
+            <a:schemeClr val="accent1">
+              <a:shade val="50000"/>
+            </a:schemeClr>
+          </a:lnRef>
+          <a:fillRef idx="1">
+            <a:schemeClr val="accent1"/>
+          </a:fillRef>
+          <a:effectRef idx="0">
+            <a:schemeClr val="accent1"/>
+          </a:effectRef>
+          <a:fontRef idx="minor">
+            <a:schemeClr val="lt1"/>
+          </a:fontRef>
+        </p:style>
+        <p:txBody>
+          <a:bodyPr rtlCol="0" anchor="ctr"/>
+          <a:p>
+            <a:pPr algn="ctr"/>
+            <a:endParaRPr lang="zh-CN" altLang="en-US"/>
+          </a:p>
+        </p:txBody>
+      </p:sp>
+      <p:sp>
+        <p:nvSpPr>
+          <p:cNvPr id="12" name="矩形 11"/>
+          <p:cNvSpPr/>
+          <p:nvPr/>
+        </p:nvSpPr>
+        <p:spPr>
+          <a:xfrm>
+            <a:off x="7974965" y="5076190"/>
+            <a:ext cx="1200785" cy="551815"/>
+          </a:xfrm>
+          <a:prstGeom prst="rect">
+            <a:avLst/>
+          </a:prstGeom>
+          <a:noFill/>
+          <a:ln w="28575" cmpd="sng">
+            <a:solidFill>
+              <a:schemeClr val="accent1">
+                <a:shade val="50000"/>
+              </a:schemeClr>
+            </a:solidFill>
+            <a:prstDash val="solid"/>
+          </a:ln>
+        </p:spPr>
+        <p:style>
+          <a:lnRef idx="2">
+            <a:schemeClr val="accent1">
+              <a:shade val="50000"/>
+            </a:schemeClr>
+          </a:lnRef>
+          <a:fillRef idx="1">
+            <a:schemeClr val="accent1"/>
+          </a:fillRef>
+          <a:effectRef idx="0">
+            <a:schemeClr val="accent1"/>
+          </a:effectRef>
+          <a:fontRef idx="minor">
+            <a:schemeClr val="lt1"/>
+          </a:fontRef>
+        </p:style>
+        <p:txBody>
+          <a:bodyPr rtlCol="0" anchor="ctr"/>
+          <a:p>
+            <a:pPr algn="ctr"/>
+            <a:endParaRPr lang="zh-CN" altLang="en-US"/>
+          </a:p>
+        </p:txBody>
+      </p:sp>
+      <p:sp>
+        <p:nvSpPr>
+          <p:cNvPr id="13" name="矩形 12"/>
+          <p:cNvSpPr/>
+          <p:nvPr/>
+        </p:nvSpPr>
+        <p:spPr>
+          <a:xfrm>
+            <a:off x="3496945" y="1717040"/>
+            <a:ext cx="1640205" cy="1816100"/>
+          </a:xfrm>
+          <a:prstGeom prst="rect">
+            <a:avLst/>
+          </a:prstGeom>
+          <a:noFill/>
+          <a:ln w="28575" cmpd="sng">
+            <a:solidFill>
+              <a:schemeClr val="accent1">
+                <a:shade val="50000"/>
+              </a:schemeClr>
+            </a:solidFill>
+            <a:prstDash val="solid"/>
+          </a:ln>
+        </p:spPr>
+        <p:style>
+          <a:lnRef idx="2">
+            <a:schemeClr val="accent1">
+              <a:shade val="50000"/>
+            </a:schemeClr>
+          </a:lnRef>
+          <a:fillRef idx="1">
+            <a:schemeClr val="accent1"/>
+          </a:fillRef>
+          <a:effectRef idx="0">
+            <a:schemeClr val="accent1"/>
+          </a:effectRef>
+          <a:fontRef idx="minor">
+            <a:schemeClr val="lt1"/>
+          </a:fontRef>
+        </p:style>
+        <p:txBody>
+          <a:bodyPr rtlCol="0" anchor="ctr"/>
+          <a:p>
+            <a:pPr algn="ctr"/>
+            <a:endParaRPr lang="zh-CN" altLang="en-US"/>
+          </a:p>
+        </p:txBody>
+      </p:sp>
+      <p:sp>
+        <p:nvSpPr>
+          <p:cNvPr id="14" name="矩形 13"/>
+          <p:cNvSpPr/>
+          <p:nvPr/>
+        </p:nvSpPr>
+        <p:spPr>
+          <a:xfrm>
+            <a:off x="1844040" y="4331335"/>
+            <a:ext cx="1563370" cy="872490"/>
+          </a:xfrm>
+          <a:prstGeom prst="rect">
+            <a:avLst/>
+          </a:prstGeom>
+          <a:noFill/>
+          <a:ln w="28575" cmpd="sng">
+            <a:solidFill>
+              <a:schemeClr val="accent1">
+                <a:shade val="50000"/>
+              </a:schemeClr>
+            </a:solidFill>
+            <a:prstDash val="solid"/>
+          </a:ln>
+        </p:spPr>
+        <p:style>
+          <a:lnRef idx="2">
+            <a:schemeClr val="accent1">
+              <a:shade val="50000"/>
+            </a:schemeClr>
+          </a:lnRef>
+          <a:fillRef idx="1">
+            <a:schemeClr val="accent1"/>
+          </a:fillRef>
+          <a:effectRef idx="0">
+            <a:schemeClr val="accent1"/>
+          </a:effectRef>
+          <a:fontRef idx="minor">
+            <a:schemeClr val="lt1"/>
+          </a:fontRef>
+        </p:style>
+        <p:txBody>
+          <a:bodyPr rtlCol="0" anchor="ctr"/>
+          <a:p>
+            <a:pPr algn="ctr"/>
+            <a:endParaRPr lang="zh-CN" altLang="en-US"/>
+          </a:p>
+        </p:txBody>
+      </p:sp>
+      <p:pic>
+        <p:nvPicPr>
+          <p:cNvPr id="15" name="图片 14"/>
+          <p:cNvPicPr>
+            <a:picLocks noChangeAspect="1"/>
+          </p:cNvPicPr>
+          <p:nvPr/>
+        </p:nvPicPr>
+        <p:blipFill>
+          <a:blip r:embed="rId1"/>
+          <a:stretch>
+            <a:fillRect/>
+          </a:stretch>
+        </p:blipFill>
+        <p:spPr>
+          <a:xfrm>
+            <a:off x="3667125" y="3738880"/>
+            <a:ext cx="1299210" cy="1833880"/>
+          </a:xfrm>
+          <a:prstGeom prst="rect">
+            <a:avLst/>
+          </a:prstGeom>
+        </p:spPr>
+      </p:pic>
+      <p:pic>
+        <p:nvPicPr>
+          <p:cNvPr id="16" name="图片 15"/>
+          <p:cNvPicPr>
+            <a:picLocks noChangeAspect="1"/>
+          </p:cNvPicPr>
+          <p:nvPr/>
+        </p:nvPicPr>
+        <p:blipFill>
+          <a:blip r:embed="rId1"/>
+          <a:stretch>
+            <a:fillRect/>
+          </a:stretch>
+        </p:blipFill>
+        <p:spPr>
+          <a:xfrm flipH="1">
+            <a:off x="7850505" y="1896110"/>
+            <a:ext cx="1447800" cy="2162175"/>
+          </a:xfrm>
+          <a:prstGeom prst="rect">
+            <a:avLst/>
+          </a:prstGeom>
+        </p:spPr>
+      </p:pic>
+      <p:pic>
+        <p:nvPicPr>
+          <p:cNvPr id="17" name="图片 16"/>
+          <p:cNvPicPr>
+            <a:picLocks noChangeAspect="1"/>
+          </p:cNvPicPr>
+          <p:nvPr/>
+        </p:nvPicPr>
+        <p:blipFill>
+          <a:blip r:embed="rId2"/>
+          <a:stretch>
+            <a:fillRect/>
+          </a:stretch>
+        </p:blipFill>
+        <p:spPr>
+          <a:xfrm>
+            <a:off x="5371465" y="1955165"/>
+            <a:ext cx="2026920" cy="2699385"/>
+          </a:xfrm>
+          <a:prstGeom prst="rect">
+            <a:avLst/>
+          </a:prstGeom>
+        </p:spPr>
+      </p:pic>
+      <p:sp>
+        <p:nvSpPr>
+          <p:cNvPr id="18" name="矩形 17"/>
+          <p:cNvSpPr/>
+          <p:nvPr/>
+        </p:nvSpPr>
+        <p:spPr>
+          <a:xfrm>
+            <a:off x="5137150" y="4933950"/>
+            <a:ext cx="2636520" cy="768350"/>
+          </a:xfrm>
+          <a:prstGeom prst="rect">
+            <a:avLst/>
+          </a:prstGeom>
+          <a:noFill/>
+          <a:ln>
+            <a:noFill/>
+          </a:ln>
+        </p:spPr>
+        <p:txBody>
+          <a:bodyPr wrap="square" rtlCol="0" anchor="t">
+            <a:spAutoFit/>
+          </a:bodyPr>
+          <a:p>
+            <a:pPr algn="ctr"/>
+            <a:r>
+              <a:rPr lang="zh-CN" altLang="en-US" sz="4400" b="1">
+                <a:solidFill>
+                  <a:schemeClr val="tx1"/>
+                </a:solidFill>
+                <a:effectLst>
+                  <a:outerShdw blurRad="38100" dist="19050" dir="2700000" algn="tl" rotWithShape="0">
+                    <a:schemeClr val="dk1">
+                      <a:alpha val="40000"/>
+                    </a:schemeClr>
+                  </a:outerShdw>
+                </a:effectLst>
+              </a:rPr>
+              <a:t>牛</a:t>
+            </a:r>
+            <a:r>
+              <a:rPr lang="en-US" altLang="zh-CN" sz="4400" b="1">
+                <a:solidFill>
+                  <a:schemeClr val="tx1"/>
+                </a:solidFill>
+                <a:effectLst>
+                  <a:outerShdw blurRad="38100" dist="19050" dir="2700000" algn="tl" rotWithShape="0">
+                    <a:schemeClr val="dk1">
+                      <a:alpha val="40000"/>
+                    </a:schemeClr>
+                  </a:outerShdw>
+                </a:effectLst>
+              </a:rPr>
+              <a:t>B</a:t>
+            </a:r>
+            <a:r>
+              <a:rPr lang="zh-CN" altLang="en-US" sz="4400" b="1">
+                <a:solidFill>
+                  <a:schemeClr val="tx1"/>
+                </a:solidFill>
+                <a:effectLst>
+                  <a:outerShdw blurRad="38100" dist="19050" dir="2700000" algn="tl" rotWithShape="0">
+                    <a:schemeClr val="dk1">
+                      <a:alpha val="40000"/>
+                    </a:schemeClr>
+                  </a:outerShdw>
+                </a:effectLst>
+              </a:rPr>
+              <a:t>坏了</a:t>
+            </a:r>
+            <a:endParaRPr lang="zh-CN" altLang="en-US" sz="4400" b="1">
+              <a:solidFill>
+                <a:schemeClr val="tx1"/>
+              </a:solidFill>
+              <a:effectLst>
+                <a:outerShdw blurRad="38100" dist="19050" dir="2700000" algn="tl" rotWithShape="0">
+                  <a:schemeClr val="dk1">
+                    <a:alpha val="40000"/>
+                  </a:schemeClr>
+                </a:outerShdw>
+              </a:effectLst>
+            </a:endParaRPr>
+          </a:p>
+        </p:txBody>
+      </p:sp>
+      <p:sp>
+        <p:nvSpPr>
+          <p:cNvPr id="19" name="矩形 18"/>
+          <p:cNvSpPr/>
+          <p:nvPr/>
+        </p:nvSpPr>
+        <p:spPr>
+          <a:xfrm>
+            <a:off x="1856105" y="4359910"/>
+            <a:ext cx="1560830" cy="768350"/>
+          </a:xfrm>
+          <a:prstGeom prst="rect">
+            <a:avLst/>
+          </a:prstGeom>
+          <a:noFill/>
+          <a:ln>
+            <a:noFill/>
+          </a:ln>
+        </p:spPr>
+        <p:txBody>
+          <a:bodyPr wrap="none" rtlCol="0" anchor="t">
+            <a:spAutoFit/>
+            <a:scene3d>
+              <a:camera prst="orthographicFront"/>
+              <a:lightRig rig="threePt" dir="t">
+                <a:rot lat="0" lon="0" rev="0"/>
+              </a:lightRig>
+            </a:scene3d>
+            <a:sp3d extrusionH="120650" prstMaterial="matte"/>
+          </a:bodyPr>
+          <a:p>
+            <a:pPr algn="ctr"/>
+            <a:r>
+              <a:rPr lang="zh-CN" altLang="en-US" sz="3200" b="1">
+                <a:ln>
+                  <a:gradFill>
+                    <a:gsLst>
+                      <a:gs pos="98000">
+                        <a:srgbClr val="F88C89"/>
+                      </a:gs>
+                      <a:gs pos="86000">
+                        <a:srgbClr val="F8D078"/>
+                      </a:gs>
+                      <a:gs pos="73000">
+                        <a:srgbClr val="BAD172"/>
+                      </a:gs>
+                      <a:gs pos="62000">
+                        <a:srgbClr val="BEC7AF"/>
+                      </a:gs>
+                      <a:gs pos="50000">
+                        <a:srgbClr val="83D9E3"/>
+                      </a:gs>
+                      <a:gs pos="37000">
+                        <a:srgbClr val="9C61DF"/>
+                      </a:gs>
+                      <a:gs pos="24000">
+                        <a:srgbClr val="CA78E1"/>
+                      </a:gs>
+                      <a:gs pos="12000">
+                        <a:srgbClr val="E564DF"/>
+                      </a:gs>
+                      <a:gs pos="0">
+                        <a:srgbClr val="F86CC0"/>
+                      </a:gs>
+                    </a:gsLst>
+                    <a:lin ang="0"/>
+                  </a:gradFill>
+                </a:ln>
+                <a:gradFill>
+                  <a:gsLst>
+                    <a:gs pos="79000">
+                      <a:srgbClr val="CCFF66"/>
+                    </a:gs>
+                    <a:gs pos="94000">
+                      <a:srgbClr val="FFFF00">
+                        <a:alpha val="50000"/>
+                      </a:srgbClr>
+                    </a:gs>
+                    <a:gs pos="70000">
+                      <a:srgbClr val="00FF00">
+                        <a:alpha val="13000"/>
+                      </a:srgbClr>
+                    </a:gs>
+                    <a:gs pos="56000">
+                      <a:srgbClr val="00FFFF">
+                        <a:alpha val="50000"/>
+                      </a:srgbClr>
+                    </a:gs>
+                    <a:gs pos="43000">
+                      <a:srgbClr val="00FFFF">
+                        <a:alpha val="13000"/>
+                      </a:srgbClr>
+                    </a:gs>
+                    <a:gs pos="22000">
+                      <a:srgbClr val="FF00FF">
+                        <a:alpha val="50000"/>
+                      </a:srgbClr>
+                    </a:gs>
+                    <a:gs pos="33000">
+                      <a:srgbClr val="9900FF">
+                        <a:alpha val="50000"/>
+                      </a:srgbClr>
+                    </a:gs>
+                    <a:gs pos="5000">
+                      <a:srgbClr val="FF00FF">
+                        <a:alpha val="50000"/>
+                      </a:srgbClr>
+                    </a:gs>
+                    <a:gs pos="0">
+                      <a:srgbClr val="FF3300">
+                        <a:alpha val="50000"/>
+                      </a:srgbClr>
+                    </a:gs>
+                    <a:gs pos="100000">
+                      <a:srgbClr val="FF3300">
+                        <a:alpha val="30000"/>
+                      </a:srgbClr>
+                    </a:gs>
+                  </a:gsLst>
+                  <a:lin ang="0"/>
+                </a:gradFill>
+                <a:effectLst>
+                  <a:outerShdw blurRad="50800" dist="38100" algn="l" rotWithShape="0">
+                    <a:srgbClr val="CC00CC">
+                      <a:alpha val="40000"/>
+                    </a:srgbClr>
+                  </a:outerShdw>
+                </a:effectLst>
+              </a:rPr>
+              <a:t>插个</a:t>
+            </a:r>
+            <a:r>
+              <a:rPr lang="zh-CN" altLang="en-US" sz="4400" b="1">
+                <a:ln>
+                  <a:gradFill>
+                    <a:gsLst>
+                      <a:gs pos="98000">
+                        <a:srgbClr val="F88C89"/>
+                      </a:gs>
+                      <a:gs pos="86000">
+                        <a:srgbClr val="F8D078"/>
+                      </a:gs>
+                      <a:gs pos="73000">
+                        <a:srgbClr val="BAD172"/>
+                      </a:gs>
+                      <a:gs pos="62000">
+                        <a:srgbClr val="BEC7AF"/>
+                      </a:gs>
+                      <a:gs pos="50000">
+                        <a:srgbClr val="83D9E3"/>
+                      </a:gs>
+                      <a:gs pos="37000">
+                        <a:srgbClr val="9C61DF"/>
+                      </a:gs>
+                      <a:gs pos="24000">
+                        <a:srgbClr val="CA78E1"/>
+                      </a:gs>
+                      <a:gs pos="12000">
+                        <a:srgbClr val="E564DF"/>
+                      </a:gs>
+                      <a:gs pos="0">
+                        <a:srgbClr val="F86CC0"/>
+                      </a:gs>
+                    </a:gsLst>
+                    <a:lin ang="0"/>
+                  </a:gradFill>
+                </a:ln>
+                <a:gradFill>
+                  <a:gsLst>
+                    <a:gs pos="79000">
+                      <a:srgbClr val="CCFF66"/>
+                    </a:gs>
+                    <a:gs pos="94000">
+                      <a:srgbClr val="FFFF00">
+                        <a:alpha val="50000"/>
+                      </a:srgbClr>
+                    </a:gs>
+                    <a:gs pos="70000">
+                      <a:srgbClr val="00FF00">
+                        <a:alpha val="13000"/>
+                      </a:srgbClr>
+                    </a:gs>
+                    <a:gs pos="56000">
+                      <a:srgbClr val="00FFFF">
+                        <a:alpha val="50000"/>
+                      </a:srgbClr>
+                    </a:gs>
+                    <a:gs pos="43000">
+                      <a:srgbClr val="00FFFF">
+                        <a:alpha val="13000"/>
+                      </a:srgbClr>
+                    </a:gs>
+                    <a:gs pos="22000">
+                      <a:srgbClr val="FF00FF">
+                        <a:alpha val="50000"/>
+                      </a:srgbClr>
+                    </a:gs>
+                    <a:gs pos="33000">
+                      <a:srgbClr val="9900FF">
+                        <a:alpha val="50000"/>
+                      </a:srgbClr>
+                    </a:gs>
+                    <a:gs pos="5000">
+                      <a:srgbClr val="FF00FF">
+                        <a:alpha val="50000"/>
+                      </a:srgbClr>
+                    </a:gs>
+                    <a:gs pos="0">
+                      <a:srgbClr val="FF3300">
+                        <a:alpha val="50000"/>
+                      </a:srgbClr>
+                    </a:gs>
+                    <a:gs pos="100000">
+                      <a:srgbClr val="FF3300">
+                        <a:alpha val="30000"/>
+                      </a:srgbClr>
+                    </a:gs>
+                  </a:gsLst>
+                  <a:lin ang="0"/>
+                </a:gradFill>
+                <a:effectLst>
+                  <a:outerShdw blurRad="50800" dist="38100" algn="l" rotWithShape="0">
+                    <a:srgbClr val="CC00CC">
+                      <a:alpha val="40000"/>
+                    </a:srgbClr>
+                  </a:outerShdw>
+                </a:effectLst>
+              </a:rPr>
+              <a:t>腰</a:t>
+            </a:r>
+            <a:endParaRPr lang="zh-CN" altLang="en-US" sz="4400" b="1">
+              <a:ln>
+                <a:gradFill>
+                  <a:gsLst>
+                    <a:gs pos="98000">
+                      <a:srgbClr val="F88C89"/>
+                    </a:gs>
+                    <a:gs pos="86000">
+                      <a:srgbClr val="F8D078"/>
+                    </a:gs>
+                    <a:gs pos="73000">
+                      <a:srgbClr val="BAD172"/>
+                    </a:gs>
+                    <a:gs pos="62000">
+                      <a:srgbClr val="BEC7AF"/>
+                    </a:gs>
+                    <a:gs pos="50000">
+                      <a:srgbClr val="83D9E3"/>
+                    </a:gs>
+                    <a:gs pos="37000">
+                      <a:srgbClr val="9C61DF"/>
+                    </a:gs>
+                    <a:gs pos="24000">
+                      <a:srgbClr val="CA78E1"/>
+                    </a:gs>
+                    <a:gs pos="12000">
+                      <a:srgbClr val="E564DF"/>
+                    </a:gs>
+                    <a:gs pos="0">
+                      <a:srgbClr val="F86CC0"/>
+                    </a:gs>
+                  </a:gsLst>
+                  <a:lin ang="0"/>
+                </a:gradFill>
+              </a:ln>
+              <a:gradFill>
+                <a:gsLst>
+                  <a:gs pos="79000">
+                    <a:srgbClr val="CCFF66"/>
+                  </a:gs>
+                  <a:gs pos="94000">
+                    <a:srgbClr val="FFFF00">
+                      <a:alpha val="50000"/>
+                    </a:srgbClr>
+                  </a:gs>
+                  <a:gs pos="70000">
+                    <a:srgbClr val="00FF00">
+                      <a:alpha val="13000"/>
+                    </a:srgbClr>
+                  </a:gs>
+                  <a:gs pos="56000">
+                    <a:srgbClr val="00FFFF">
+                      <a:alpha val="50000"/>
+                    </a:srgbClr>
+                  </a:gs>
+                  <a:gs pos="43000">
+                    <a:srgbClr val="00FFFF">
+                      <a:alpha val="13000"/>
+                    </a:srgbClr>
+                  </a:gs>
+                  <a:gs pos="22000">
+                    <a:srgbClr val="FF00FF">
+                      <a:alpha val="50000"/>
+                    </a:srgbClr>
+                  </a:gs>
+                  <a:gs pos="33000">
+                    <a:srgbClr val="9900FF">
+                      <a:alpha val="50000"/>
+                    </a:srgbClr>
+                  </a:gs>
+                  <a:gs pos="5000">
+                    <a:srgbClr val="FF00FF">
+                      <a:alpha val="50000"/>
+                    </a:srgbClr>
+                  </a:gs>
+                  <a:gs pos="0">
+                    <a:srgbClr val="FF3300">
+                      <a:alpha val="50000"/>
+                    </a:srgbClr>
+                  </a:gs>
+                  <a:gs pos="100000">
+                    <a:srgbClr val="FF3300">
+                      <a:alpha val="30000"/>
+                    </a:srgbClr>
+                  </a:gs>
+                </a:gsLst>
+                <a:lin ang="0"/>
+              </a:gradFill>
+              <a:effectLst>
+                <a:outerShdw blurRad="50800" dist="38100" algn="l" rotWithShape="0">
+                  <a:srgbClr val="CC00CC">
+                    <a:alpha val="40000"/>
+                  </a:srgbClr>
+                </a:outerShdw>
+              </a:effectLst>
+            </a:endParaRPr>
+          </a:p>
+        </p:txBody>
+      </p:sp>
+      <p:sp>
+        <p:nvSpPr>
+          <p:cNvPr id="20" name="文本框 19"/>
+          <p:cNvSpPr txBox="1"/>
+          <p:nvPr/>
+        </p:nvSpPr>
+        <p:spPr>
+          <a:xfrm>
+            <a:off x="3531870" y="1871980"/>
+            <a:ext cx="1605280" cy="1506855"/>
+          </a:xfrm>
+          <a:prstGeom prst="rect">
+            <a:avLst/>
+          </a:prstGeom>
+          <a:noFill/>
+        </p:spPr>
+        <p:txBody>
+          <a:bodyPr wrap="none" rtlCol="0">
+            <a:spAutoFit/>
+          </a:bodyPr>
+          <a:p>
+            <a:r>
+              <a:rPr lang="zh-CN" altLang="en-US" sz="3200" b="1"/>
+              <a:t>我</a:t>
+            </a:r>
+            <a:r>
+              <a:rPr lang="zh-CN" altLang="en-US" sz="1600"/>
+              <a:t>可是</a:t>
+            </a:r>
+            <a:endParaRPr lang="zh-CN" altLang="en-US" sz="1600"/>
+          </a:p>
+          <a:p>
+            <a:r>
+              <a:rPr lang="zh-CN" altLang="en-US" sz="1600"/>
+              <a:t>要成为</a:t>
+            </a:r>
+            <a:endParaRPr lang="zh-CN" altLang="en-US" sz="1600"/>
+          </a:p>
+          <a:p>
+            <a:r>
+              <a:rPr lang="zh-CN" altLang="en-US" sz="2800">
+                <a:solidFill>
+                  <a:srgbClr val="FF0000"/>
+                </a:solidFill>
+              </a:rPr>
+              <a:t>啫喱之神</a:t>
+            </a:r>
+            <a:endParaRPr lang="zh-CN" altLang="en-US" sz="2800">
+              <a:solidFill>
+                <a:srgbClr val="FF0000"/>
+              </a:solidFill>
+            </a:endParaRPr>
+          </a:p>
+          <a:p>
+            <a:r>
+              <a:rPr lang="zh-CN" altLang="en-US" sz="1600"/>
+              <a:t>的男人</a:t>
+            </a:r>
+            <a:endParaRPr lang="zh-CN" altLang="en-US" sz="1600"/>
+          </a:p>
+        </p:txBody>
+      </p:sp>
+      <p:pic>
+        <p:nvPicPr>
+          <p:cNvPr id="21" name="图片 20"/>
+          <p:cNvPicPr>
+            <a:picLocks noChangeAspect="1"/>
+          </p:cNvPicPr>
+          <p:nvPr/>
+        </p:nvPicPr>
+        <p:blipFill>
+          <a:blip r:embed="rId1"/>
+          <a:stretch>
+            <a:fillRect/>
+          </a:stretch>
+        </p:blipFill>
+        <p:spPr>
+          <a:xfrm>
+            <a:off x="1976120" y="1794510"/>
+            <a:ext cx="1299210" cy="1940560"/>
+          </a:xfrm>
+          <a:prstGeom prst="rect">
+            <a:avLst/>
+          </a:prstGeom>
+        </p:spPr>
+      </p:pic>
+      <p:sp>
+        <p:nvSpPr>
+          <p:cNvPr id="22" name="矩形 21"/>
+          <p:cNvSpPr/>
+          <p:nvPr/>
+        </p:nvSpPr>
+        <p:spPr>
+          <a:xfrm>
+            <a:off x="7773035" y="4333875"/>
+            <a:ext cx="1574800" cy="645160"/>
+          </a:xfrm>
+          <a:prstGeom prst="rect">
+            <a:avLst/>
+          </a:prstGeom>
+          <a:noFill/>
+          <a:ln>
+            <a:noFill/>
+          </a:ln>
+        </p:spPr>
+        <p:txBody>
+          <a:bodyPr wrap="square" rtlCol="0" anchor="t">
+            <a:spAutoFit/>
+          </a:bodyPr>
+          <a:p>
+            <a:pPr algn="ctr"/>
+            <a:r>
+              <a:rPr lang="zh-CN" altLang="en-US" sz="3600" b="1">
+                <a:solidFill>
+                  <a:schemeClr val="tx1"/>
+                </a:solidFill>
+                <a:effectLst>
+                  <a:outerShdw blurRad="38100" dist="19050" dir="2700000" algn="tl" rotWithShape="0">
+                    <a:schemeClr val="dk1">
+                      <a:alpha val="40000"/>
+                    </a:schemeClr>
+                  </a:outerShdw>
+                </a:effectLst>
+              </a:rPr>
+              <a:t>这个嘛</a:t>
+            </a:r>
+            <a:endParaRPr lang="zh-CN" altLang="en-US" sz="3600" b="1">
+              <a:solidFill>
+                <a:schemeClr val="tx1"/>
+              </a:solidFill>
+              <a:effectLst>
+                <a:outerShdw blurRad="38100" dist="19050" dir="2700000" algn="tl" rotWithShape="0">
+                  <a:schemeClr val="dk1">
+                    <a:alpha val="40000"/>
+                  </a:schemeClr>
+                </a:outerShdw>
+              </a:effectLst>
+            </a:endParaRPr>
+          </a:p>
+        </p:txBody>
+      </p:sp>
+      <p:sp>
+        <p:nvSpPr>
+          <p:cNvPr id="2" name="矩形 1"/>
+          <p:cNvSpPr/>
+          <p:nvPr/>
+        </p:nvSpPr>
+        <p:spPr>
+          <a:xfrm>
+            <a:off x="7894320" y="5167630"/>
+            <a:ext cx="1332230" cy="368300"/>
+          </a:xfrm>
+          <a:prstGeom prst="rect">
+            <a:avLst/>
+          </a:prstGeom>
+          <a:noFill/>
+          <a:ln>
+            <a:noFill/>
+          </a:ln>
+        </p:spPr>
+        <p:txBody>
+          <a:bodyPr wrap="none" rtlCol="0" anchor="t">
+            <a:spAutoFit/>
+          </a:bodyPr>
+          <a:p>
+            <a:pPr algn="ctr"/>
+            <a:r>
+              <a:rPr lang="zh-CN" altLang="en-US" b="1">
+                <a:ln w="12700">
+                  <a:solidFill>
+                    <a:schemeClr val="tx2">
+                      <a:lumMod val="75000"/>
+                    </a:schemeClr>
+                  </a:solidFill>
+                  <a:prstDash val="solid"/>
+                </a:ln>
+                <a:pattFill prst="dkUpDiag">
+                  <a:fgClr>
+                    <a:schemeClr val="tx2"/>
+                  </a:fgClr>
+                  <a:bgClr>
+                    <a:schemeClr val="tx2">
+                      <a:lumMod val="20000"/>
+                      <a:lumOff val="80000"/>
+                    </a:schemeClr>
+                  </a:bgClr>
+                </a:pattFill>
+                <a:effectLst>
+                  <a:outerShdw dist="38100" dir="2640000" algn="bl" rotWithShape="0">
+                    <a:schemeClr val="tx2">
+                      <a:lumMod val="75000"/>
+                    </a:schemeClr>
+                  </a:outerShdw>
+                </a:effectLst>
+              </a:rPr>
+              <a:t>推下眼镜先</a:t>
+            </a:r>
+            <a:endParaRPr lang="zh-CN" altLang="en-US" b="1">
+              <a:ln w="12700">
+                <a:solidFill>
+                  <a:schemeClr val="tx2">
+                    <a:lumMod val="75000"/>
+                  </a:schemeClr>
+                </a:solidFill>
+                <a:prstDash val="solid"/>
+              </a:ln>
+              <a:pattFill prst="dkUpDiag">
+                <a:fgClr>
+                  <a:schemeClr val="tx2"/>
+                </a:fgClr>
+                <a:bgClr>
+                  <a:schemeClr val="tx2">
+                    <a:lumMod val="20000"/>
+                    <a:lumOff val="80000"/>
+                  </a:schemeClr>
+                </a:bgClr>
+              </a:pattFill>
+              <a:effectLst>
+                <a:outerShdw dist="38100" dir="2640000" algn="bl" rotWithShape="0">
+                  <a:schemeClr val="tx2">
+                    <a:lumMod val="75000"/>
+                  </a:schemeClr>
+                </a:outerShdw>
+              </a:effectLst>
+            </a:endParaRPr>
+          </a:p>
+        </p:txBody>
+      </p:sp>
+      <p:cxnSp>
+        <p:nvCxnSpPr>
+          <p:cNvPr id="11" name="直接连接符 10"/>
+          <p:cNvCxnSpPr/>
+          <p:nvPr/>
+        </p:nvCxnSpPr>
+        <p:spPr>
+          <a:xfrm>
+            <a:off x="1640205" y="5942330"/>
+            <a:ext cx="7964170" cy="0"/>
+          </a:xfrm>
+          <a:prstGeom prst="line">
+            <a:avLst/>
+          </a:prstGeom>
+        </p:spPr>
+        <p:style>
+          <a:lnRef idx="1">
+            <a:schemeClr val="accent1"/>
+          </a:lnRef>
+          <a:fillRef idx="0">
+            <a:schemeClr val="accent1"/>
+          </a:fillRef>
+          <a:effectRef idx="0">
+            <a:schemeClr val="accent1"/>
+          </a:effectRef>
+          <a:fontRef idx="minor">
+            <a:schemeClr val="tx1"/>
+          </a:fontRef>
+        </p:style>
+      </p:cxnSp>
+      <p:cxnSp>
+        <p:nvCxnSpPr>
+          <p:cNvPr id="23" name="直接连接符 22"/>
+          <p:cNvCxnSpPr/>
+          <p:nvPr/>
+        </p:nvCxnSpPr>
+        <p:spPr>
+          <a:xfrm flipH="1" flipV="1">
+            <a:off x="1379220" y="1483360"/>
+            <a:ext cx="1270" cy="4326255"/>
+          </a:xfrm>
+          <a:prstGeom prst="line">
+            <a:avLst/>
+          </a:prstGeom>
+        </p:spPr>
+        <p:style>
+          <a:lnRef idx="1">
+            <a:schemeClr val="accent1"/>
+          </a:lnRef>
+          <a:fillRef idx="0">
+            <a:schemeClr val="accent1"/>
+          </a:fillRef>
+          <a:effectRef idx="0">
+            <a:schemeClr val="accent1"/>
+          </a:effectRef>
+          <a:fontRef idx="minor">
+            <a:schemeClr val="tx1"/>
+          </a:fontRef>
+        </p:style>
+      </p:cxnSp>
+      <p:sp>
+        <p:nvSpPr>
+          <p:cNvPr id="25" name="文本框 24"/>
+          <p:cNvSpPr txBox="1"/>
+          <p:nvPr/>
+        </p:nvSpPr>
+        <p:spPr>
+          <a:xfrm>
+            <a:off x="5089525" y="6001385"/>
+            <a:ext cx="762000" cy="368300"/>
+          </a:xfrm>
+          <a:prstGeom prst="rect">
+            <a:avLst/>
+          </a:prstGeom>
+          <a:noFill/>
+        </p:spPr>
+        <p:txBody>
+          <a:bodyPr wrap="none" rtlCol="0">
+            <a:spAutoFit/>
+          </a:bodyPr>
+          <a:p>
+            <a:r>
+              <a:rPr lang="en-US" altLang="zh-CN"/>
+              <a:t>750PX</a:t>
+            </a:r>
+            <a:endParaRPr lang="en-US" altLang="zh-CN"/>
+          </a:p>
+        </p:txBody>
+      </p:sp>
+      <p:sp>
+        <p:nvSpPr>
+          <p:cNvPr id="26" name="文本框 25"/>
+          <p:cNvSpPr txBox="1"/>
+          <p:nvPr/>
+        </p:nvSpPr>
+        <p:spPr>
+          <a:xfrm>
+            <a:off x="550545" y="3164840"/>
+            <a:ext cx="762000" cy="368300"/>
+          </a:xfrm>
+          <a:prstGeom prst="rect">
+            <a:avLst/>
+          </a:prstGeom>
+          <a:noFill/>
+        </p:spPr>
+        <p:txBody>
+          <a:bodyPr wrap="none" rtlCol="0">
+            <a:spAutoFit/>
+          </a:bodyPr>
+          <a:p>
+            <a:r>
+              <a:rPr lang="en-US" altLang="zh-CN"/>
+              <a:t>300PX</a:t>
+            </a:r>
+            <a:endParaRPr lang="en-US" altLang="zh-CN"/>
+          </a:p>
+        </p:txBody>
+      </p:sp>
+    </p:spTree>
+  </p:cSld>
+  <p:clrMapOvr>
+    <a:masterClrMapping/>
+  </p:clrMapOvr>
+</p:sld>
+</file>
+
 <file path=ppt/slides/slide3.xml><?xml version="1.0" encoding="utf-8"?>
 <p:sld xmlns:a="http://schemas.openxmlformats.org/drawingml/2006/main" xmlns:r="http://schemas.openxmlformats.org/officeDocument/2006/relationships" xmlns:p="http://schemas.openxmlformats.org/presentationml/2006/main">
   <p:cSld>
